--- a/slides/singular/bda4sci.pptx
+++ b/slides/singular/bda4sci.pptx
@@ -5,7 +5,7 @@
     <p:sldMasterId id="2147483648" r:id="rId1"/>
   </p:sldMasterIdLst>
   <p:notesMasterIdLst>
-    <p:notesMasterId r:id="rId59"/>
+    <p:notesMasterId r:id="rId63"/>
   </p:notesMasterIdLst>
   <p:sldIdLst>
     <p:sldId id="256" r:id="rId2"/>
@@ -49,22 +49,26 @@
     <p:sldId id="315" r:id="rId40"/>
     <p:sldId id="273" r:id="rId41"/>
     <p:sldId id="275" r:id="rId42"/>
-    <p:sldId id="276" r:id="rId43"/>
-    <p:sldId id="277" r:id="rId44"/>
-    <p:sldId id="278" r:id="rId45"/>
-    <p:sldId id="279" r:id="rId46"/>
-    <p:sldId id="280" r:id="rId47"/>
-    <p:sldId id="282" r:id="rId48"/>
-    <p:sldId id="281" r:id="rId49"/>
-    <p:sldId id="283" r:id="rId50"/>
-    <p:sldId id="284" r:id="rId51"/>
-    <p:sldId id="285" r:id="rId52"/>
-    <p:sldId id="287" r:id="rId53"/>
-    <p:sldId id="286" r:id="rId54"/>
-    <p:sldId id="288" r:id="rId55"/>
-    <p:sldId id="291" r:id="rId56"/>
-    <p:sldId id="289" r:id="rId57"/>
-    <p:sldId id="292" r:id="rId58"/>
+    <p:sldId id="277" r:id="rId43"/>
+    <p:sldId id="278" r:id="rId44"/>
+    <p:sldId id="279" r:id="rId45"/>
+    <p:sldId id="280" r:id="rId46"/>
+    <p:sldId id="282" r:id="rId47"/>
+    <p:sldId id="281" r:id="rId48"/>
+    <p:sldId id="283" r:id="rId49"/>
+    <p:sldId id="284" r:id="rId50"/>
+    <p:sldId id="316" r:id="rId51"/>
+    <p:sldId id="318" r:id="rId52"/>
+    <p:sldId id="322" r:id="rId53"/>
+    <p:sldId id="319" r:id="rId54"/>
+    <p:sldId id="320" r:id="rId55"/>
+    <p:sldId id="321" r:id="rId56"/>
+    <p:sldId id="323" r:id="rId57"/>
+    <p:sldId id="285" r:id="rId58"/>
+    <p:sldId id="287" r:id="rId59"/>
+    <p:sldId id="286" r:id="rId60"/>
+    <p:sldId id="289" r:id="rId61"/>
+    <p:sldId id="292" r:id="rId62"/>
   </p:sldIdLst>
   <p:sldSz cx="12192000" cy="6858000"/>
   <p:notesSz cx="6858000" cy="9144000"/>
@@ -253,7 +257,7 @@
           <a:p>
             <a:fld id="{932107E3-02B0-4F32-9595-48F976375028}" type="datetimeFigureOut">
               <a:rPr lang="en-US" smtClean="0"/>
-              <a:t>10/17/2024</a:t>
+              <a:t>10/18/2024</a:t>
             </a:fld>
             <a:endParaRPr lang="en-US"/>
           </a:p>
@@ -1564,6 +1568,616 @@
     <p:extLst>
       <p:ext uri="{BB962C8B-B14F-4D97-AF65-F5344CB8AC3E}">
         <p14:creationId xmlns:p14="http://schemas.microsoft.com/office/powerpoint/2010/main" val="120722628"/>
+      </p:ext>
+    </p:extLst>
+  </p:cSld>
+  <p:clrMapOvr>
+    <a:masterClrMapping/>
+  </p:clrMapOvr>
+</p:notes>
+</file>
+
+<file path=ppt/notesSlides/notesSlide14.xml><?xml version="1.0" encoding="utf-8"?>
+<p:notes xmlns:a="http://schemas.openxmlformats.org/drawingml/2006/main" xmlns:r="http://schemas.openxmlformats.org/officeDocument/2006/relationships" xmlns:p="http://schemas.openxmlformats.org/presentationml/2006/main">
+  <p:cSld>
+    <p:spTree>
+      <p:nvGrpSpPr>
+        <p:cNvPr id="1" name=""/>
+        <p:cNvGrpSpPr/>
+        <p:nvPr/>
+      </p:nvGrpSpPr>
+      <p:grpSpPr>
+        <a:xfrm>
+          <a:off x="0" y="0"/>
+          <a:ext cx="0" cy="0"/>
+          <a:chOff x="0" y="0"/>
+          <a:chExt cx="0" cy="0"/>
+        </a:xfrm>
+      </p:grpSpPr>
+      <p:sp>
+        <p:nvSpPr>
+          <p:cNvPr id="2" name="Slide Image Placeholder 1"/>
+          <p:cNvSpPr>
+            <a:spLocks noGrp="1" noRot="1" noChangeAspect="1"/>
+          </p:cNvSpPr>
+          <p:nvPr>
+            <p:ph type="sldImg"/>
+          </p:nvPr>
+        </p:nvSpPr>
+        <p:spPr/>
+      </p:sp>
+      <p:sp>
+        <p:nvSpPr>
+          <p:cNvPr id="3" name="Notes Placeholder 2"/>
+          <p:cNvSpPr>
+            <a:spLocks noGrp="1"/>
+          </p:cNvSpPr>
+          <p:nvPr>
+            <p:ph type="body" idx="1"/>
+          </p:nvPr>
+        </p:nvSpPr>
+        <p:spPr/>
+        <p:txBody>
+          <a:bodyPr/>
+          <a:lstStyle/>
+          <a:p>
+            <a:r>
+              <a:rPr lang="sv-SE" dirty="0" err="1"/>
+              <a:t>Frequentist</a:t>
+            </a:r>
+            <a:r>
+              <a:rPr lang="sv-SE" dirty="0"/>
+              <a:t> </a:t>
+            </a:r>
+            <a:r>
+              <a:rPr lang="sv-SE" dirty="0" err="1"/>
+              <a:t>methods</a:t>
+            </a:r>
+            <a:r>
+              <a:rPr lang="sv-SE" dirty="0"/>
+              <a:t> </a:t>
+            </a:r>
+            <a:r>
+              <a:rPr lang="sv-SE" dirty="0" err="1"/>
+              <a:t>are</a:t>
+            </a:r>
+            <a:r>
+              <a:rPr lang="sv-SE" dirty="0"/>
+              <a:t> the </a:t>
+            </a:r>
+            <a:r>
+              <a:rPr lang="sv-SE" dirty="0" err="1"/>
+              <a:t>state</a:t>
+            </a:r>
+            <a:r>
+              <a:rPr lang="sv-SE" dirty="0"/>
+              <a:t> </a:t>
+            </a:r>
+            <a:r>
+              <a:rPr lang="sv-SE" dirty="0" err="1"/>
+              <a:t>of</a:t>
+            </a:r>
+            <a:r>
+              <a:rPr lang="sv-SE" dirty="0"/>
+              <a:t> the art in software </a:t>
+            </a:r>
+            <a:r>
+              <a:rPr lang="sv-SE" dirty="0" err="1"/>
+              <a:t>engineering</a:t>
+            </a:r>
+            <a:r>
+              <a:rPr lang="sv-SE" dirty="0"/>
+              <a:t> research (</a:t>
+            </a:r>
+            <a:r>
+              <a:rPr lang="sv-SE" dirty="0" err="1"/>
+              <a:t>assumption</a:t>
+            </a:r>
+            <a:r>
+              <a:rPr lang="sv-SE" dirty="0"/>
+              <a:t>)</a:t>
+            </a:r>
+          </a:p>
+          <a:p>
+            <a:r>
+              <a:rPr lang="sv-SE" dirty="0" err="1"/>
+              <a:t>Out</a:t>
+            </a:r>
+            <a:r>
+              <a:rPr lang="sv-SE" dirty="0"/>
+              <a:t>-</a:t>
+            </a:r>
+            <a:r>
+              <a:rPr lang="sv-SE" dirty="0" err="1"/>
+              <a:t>of</a:t>
+            </a:r>
+            <a:r>
+              <a:rPr lang="sv-SE" dirty="0"/>
+              <a:t>-the-box </a:t>
+            </a:r>
+            <a:r>
+              <a:rPr lang="sv-SE" dirty="0" err="1"/>
+              <a:t>methods</a:t>
+            </a:r>
+            <a:r>
+              <a:rPr lang="sv-SE" dirty="0"/>
+              <a:t> (like </a:t>
+            </a:r>
+            <a:r>
+              <a:rPr lang="sv-SE" dirty="0" err="1"/>
+              <a:t>NHSTs</a:t>
+            </a:r>
+            <a:r>
+              <a:rPr lang="sv-SE" dirty="0"/>
+              <a:t>)</a:t>
+            </a:r>
+          </a:p>
+          <a:p>
+            <a:r>
+              <a:rPr lang="sv-SE" dirty="0" err="1"/>
+              <a:t>Popularity</a:t>
+            </a:r>
+            <a:r>
+              <a:rPr lang="sv-SE" dirty="0"/>
+              <a:t> </a:t>
+            </a:r>
+            <a:r>
+              <a:rPr lang="sv-SE" dirty="0" err="1"/>
+              <a:t>possibly</a:t>
+            </a:r>
+            <a:r>
+              <a:rPr lang="sv-SE" dirty="0"/>
+              <a:t> </a:t>
+            </a:r>
+            <a:r>
+              <a:rPr lang="sv-SE" dirty="0" err="1"/>
+              <a:t>stems</a:t>
+            </a:r>
+            <a:r>
+              <a:rPr lang="sv-SE" dirty="0"/>
+              <a:t> from Claes Wohlins </a:t>
+            </a:r>
+            <a:r>
+              <a:rPr lang="sv-SE" dirty="0" err="1"/>
+              <a:t>book</a:t>
+            </a:r>
+            <a:endParaRPr lang="en-US" dirty="0"/>
+          </a:p>
+          <a:p>
+            <a:endParaRPr lang="en-US" dirty="0"/>
+          </a:p>
+        </p:txBody>
+      </p:sp>
+      <p:sp>
+        <p:nvSpPr>
+          <p:cNvPr id="4" name="Slide Number Placeholder 3"/>
+          <p:cNvSpPr>
+            <a:spLocks noGrp="1"/>
+          </p:cNvSpPr>
+          <p:nvPr>
+            <p:ph type="sldNum" sz="quarter" idx="5"/>
+          </p:nvPr>
+        </p:nvSpPr>
+        <p:spPr/>
+        <p:txBody>
+          <a:bodyPr/>
+          <a:lstStyle/>
+          <a:p>
+            <a:fld id="{E7726789-9A4A-4BF5-9E9B-3B6C777735E6}" type="slidenum">
+              <a:rPr lang="en-US" smtClean="0"/>
+              <a:t>41</a:t>
+            </a:fld>
+            <a:endParaRPr lang="en-US"/>
+          </a:p>
+        </p:txBody>
+      </p:sp>
+    </p:spTree>
+    <p:extLst>
+      <p:ext uri="{BB962C8B-B14F-4D97-AF65-F5344CB8AC3E}">
+        <p14:creationId xmlns:p14="http://schemas.microsoft.com/office/powerpoint/2010/main" val="1376698852"/>
+      </p:ext>
+    </p:extLst>
+  </p:cSld>
+  <p:clrMapOvr>
+    <a:masterClrMapping/>
+  </p:clrMapOvr>
+</p:notes>
+</file>
+
+<file path=ppt/notesSlides/notesSlide15.xml><?xml version="1.0" encoding="utf-8"?>
+<p:notes xmlns:a="http://schemas.openxmlformats.org/drawingml/2006/main" xmlns:r="http://schemas.openxmlformats.org/officeDocument/2006/relationships" xmlns:p="http://schemas.openxmlformats.org/presentationml/2006/main">
+  <p:cSld>
+    <p:spTree>
+      <p:nvGrpSpPr>
+        <p:cNvPr id="1" name=""/>
+        <p:cNvGrpSpPr/>
+        <p:nvPr/>
+      </p:nvGrpSpPr>
+      <p:grpSpPr>
+        <a:xfrm>
+          <a:off x="0" y="0"/>
+          <a:ext cx="0" cy="0"/>
+          <a:chOff x="0" y="0"/>
+          <a:chExt cx="0" cy="0"/>
+        </a:xfrm>
+      </p:grpSpPr>
+      <p:sp>
+        <p:nvSpPr>
+          <p:cNvPr id="2" name="Slide Image Placeholder 1"/>
+          <p:cNvSpPr>
+            <a:spLocks noGrp="1" noRot="1" noChangeAspect="1"/>
+          </p:cNvSpPr>
+          <p:nvPr>
+            <p:ph type="sldImg"/>
+          </p:nvPr>
+        </p:nvSpPr>
+        <p:spPr/>
+      </p:sp>
+      <p:sp>
+        <p:nvSpPr>
+          <p:cNvPr id="3" name="Notes Placeholder 2"/>
+          <p:cNvSpPr>
+            <a:spLocks noGrp="1"/>
+          </p:cNvSpPr>
+          <p:nvPr>
+            <p:ph type="body" idx="1"/>
+          </p:nvPr>
+        </p:nvSpPr>
+        <p:spPr/>
+        <p:txBody>
+          <a:bodyPr/>
+          <a:lstStyle/>
+          <a:p>
+            <a:pPr marL="514350" indent="-514350">
+              <a:buFont typeface="+mj-lt"/>
+              <a:buAutoNum type="arabicPeriod"/>
+            </a:pPr>
+            <a:r>
+              <a:rPr lang="sv-SE" dirty="0"/>
+              <a:t>The </a:t>
+            </a:r>
+            <a:r>
+              <a:rPr lang="sv-SE" dirty="0" err="1"/>
+              <a:t>selection</a:t>
+            </a:r>
+            <a:r>
+              <a:rPr lang="sv-SE" dirty="0"/>
+              <a:t> </a:t>
+            </a:r>
+            <a:r>
+              <a:rPr lang="sv-SE" dirty="0" err="1"/>
+              <a:t>of</a:t>
+            </a:r>
+            <a:r>
+              <a:rPr lang="sv-SE" dirty="0"/>
+              <a:t> the </a:t>
+            </a:r>
+            <a:r>
+              <a:rPr lang="sv-SE" dirty="0" err="1"/>
+              <a:t>significance</a:t>
+            </a:r>
+            <a:r>
+              <a:rPr lang="sv-SE" dirty="0"/>
+              <a:t> </a:t>
+            </a:r>
+            <a:r>
+              <a:rPr lang="sv-SE" dirty="0" err="1"/>
+              <a:t>level</a:t>
+            </a:r>
+            <a:r>
+              <a:rPr lang="sv-SE" dirty="0"/>
+              <a:t> is </a:t>
+            </a:r>
+            <a:r>
+              <a:rPr lang="sv-SE" dirty="0" err="1"/>
+              <a:t>arbitrary</a:t>
+            </a:r>
+            <a:endParaRPr lang="sv-SE" dirty="0"/>
+          </a:p>
+          <a:p>
+            <a:pPr marL="514350" indent="-514350">
+              <a:buFont typeface="+mj-lt"/>
+              <a:buAutoNum type="arabicPeriod"/>
+            </a:pPr>
+            <a:r>
+              <a:rPr lang="en-US" dirty="0"/>
+              <a:t>The answer to a research question is a scalar summary, i.e., binary (significant difference or no significant difference)</a:t>
+            </a:r>
+          </a:p>
+          <a:p>
+            <a:pPr marL="514350" indent="-514350">
+              <a:buFont typeface="+mj-lt"/>
+              <a:buAutoNum type="arabicPeriod"/>
+            </a:pPr>
+            <a:r>
+              <a:rPr lang="en-US" dirty="0"/>
+              <a:t>Frequentist approaches use an unsound extension of the modus tollens</a:t>
+            </a:r>
+          </a:p>
+          <a:p>
+            <a:endParaRPr lang="en-US" dirty="0"/>
+          </a:p>
+        </p:txBody>
+      </p:sp>
+      <p:sp>
+        <p:nvSpPr>
+          <p:cNvPr id="4" name="Slide Number Placeholder 3"/>
+          <p:cNvSpPr>
+            <a:spLocks noGrp="1"/>
+          </p:cNvSpPr>
+          <p:nvPr>
+            <p:ph type="sldNum" sz="quarter" idx="5"/>
+          </p:nvPr>
+        </p:nvSpPr>
+        <p:spPr/>
+        <p:txBody>
+          <a:bodyPr/>
+          <a:lstStyle/>
+          <a:p>
+            <a:fld id="{E7726789-9A4A-4BF5-9E9B-3B6C777735E6}" type="slidenum">
+              <a:rPr lang="en-US" smtClean="0"/>
+              <a:t>43</a:t>
+            </a:fld>
+            <a:endParaRPr lang="en-US"/>
+          </a:p>
+        </p:txBody>
+      </p:sp>
+    </p:spTree>
+    <p:extLst>
+      <p:ext uri="{BB962C8B-B14F-4D97-AF65-F5344CB8AC3E}">
+        <p14:creationId xmlns:p14="http://schemas.microsoft.com/office/powerpoint/2010/main" val="857946757"/>
+      </p:ext>
+    </p:extLst>
+  </p:cSld>
+  <p:clrMapOvr>
+    <a:masterClrMapping/>
+  </p:clrMapOvr>
+</p:notes>
+</file>
+
+<file path=ppt/notesSlides/notesSlide16.xml><?xml version="1.0" encoding="utf-8"?>
+<p:notes xmlns:a="http://schemas.openxmlformats.org/drawingml/2006/main" xmlns:r="http://schemas.openxmlformats.org/officeDocument/2006/relationships" xmlns:p="http://schemas.openxmlformats.org/presentationml/2006/main">
+  <p:cSld>
+    <p:spTree>
+      <p:nvGrpSpPr>
+        <p:cNvPr id="1" name=""/>
+        <p:cNvGrpSpPr/>
+        <p:nvPr/>
+      </p:nvGrpSpPr>
+      <p:grpSpPr>
+        <a:xfrm>
+          <a:off x="0" y="0"/>
+          <a:ext cx="0" cy="0"/>
+          <a:chOff x="0" y="0"/>
+          <a:chExt cx="0" cy="0"/>
+        </a:xfrm>
+      </p:grpSpPr>
+      <p:sp>
+        <p:nvSpPr>
+          <p:cNvPr id="2" name="Slide Image Placeholder 1"/>
+          <p:cNvSpPr>
+            <a:spLocks noGrp="1" noRot="1" noChangeAspect="1"/>
+          </p:cNvSpPr>
+          <p:nvPr>
+            <p:ph type="sldImg"/>
+          </p:nvPr>
+        </p:nvSpPr>
+        <p:spPr/>
+      </p:sp>
+      <p:sp>
+        <p:nvSpPr>
+          <p:cNvPr id="3" name="Notes Placeholder 2"/>
+          <p:cNvSpPr>
+            <a:spLocks noGrp="1"/>
+          </p:cNvSpPr>
+          <p:nvPr>
+            <p:ph type="body" idx="1"/>
+          </p:nvPr>
+        </p:nvSpPr>
+        <p:spPr/>
+        <p:txBody>
+          <a:bodyPr/>
+          <a:lstStyle/>
+          <a:p>
+            <a:pPr marL="514350" indent="-514350">
+              <a:buFont typeface="+mj-lt"/>
+              <a:buAutoNum type="arabicPeriod"/>
+            </a:pPr>
+            <a:r>
+              <a:rPr lang="sv-SE" dirty="0" err="1"/>
+              <a:t>Modeling</a:t>
+            </a:r>
+            <a:endParaRPr lang="sv-SE" dirty="0"/>
+          </a:p>
+          <a:p>
+            <a:pPr marL="514350" indent="-514350">
+              <a:buFont typeface="+mj-lt"/>
+              <a:buAutoNum type="arabicPeriod"/>
+            </a:pPr>
+            <a:r>
+              <a:rPr lang="sv-SE" dirty="0" err="1"/>
+              <a:t>Identification</a:t>
+            </a:r>
+            <a:endParaRPr lang="sv-SE" dirty="0"/>
+          </a:p>
+          <a:p>
+            <a:pPr marL="514350" indent="-514350">
+              <a:buFont typeface="+mj-lt"/>
+              <a:buAutoNum type="arabicPeriod"/>
+            </a:pPr>
+            <a:r>
+              <a:rPr lang="sv-SE" dirty="0" err="1"/>
+              <a:t>Estimation</a:t>
+            </a:r>
+            <a:r>
+              <a:rPr lang="sv-SE" dirty="0"/>
+              <a:t>:</a:t>
+            </a:r>
+          </a:p>
+          <a:p>
+            <a:pPr marL="971550" lvl="1" indent="-514350">
+              <a:buFont typeface="+mj-lt"/>
+              <a:buAutoNum type="arabicPeriod"/>
+            </a:pPr>
+            <a:r>
+              <a:rPr lang="sv-SE" dirty="0"/>
+              <a:t>Data </a:t>
+            </a:r>
+            <a:r>
+              <a:rPr lang="sv-SE" dirty="0" err="1"/>
+              <a:t>collection</a:t>
+            </a:r>
+            <a:endParaRPr lang="sv-SE" dirty="0"/>
+          </a:p>
+          <a:p>
+            <a:pPr marL="971550" lvl="1" indent="-514350">
+              <a:buFont typeface="+mj-lt"/>
+              <a:buAutoNum type="arabicPeriod"/>
+            </a:pPr>
+            <a:r>
+              <a:rPr lang="en-US" dirty="0"/>
+              <a:t>Bayesian data analysis</a:t>
+            </a:r>
+          </a:p>
+          <a:p>
+            <a:endParaRPr lang="en-US" dirty="0"/>
+          </a:p>
+        </p:txBody>
+      </p:sp>
+      <p:sp>
+        <p:nvSpPr>
+          <p:cNvPr id="4" name="Slide Number Placeholder 3"/>
+          <p:cNvSpPr>
+            <a:spLocks noGrp="1"/>
+          </p:cNvSpPr>
+          <p:nvPr>
+            <p:ph type="sldNum" sz="quarter" idx="5"/>
+          </p:nvPr>
+        </p:nvSpPr>
+        <p:spPr/>
+        <p:txBody>
+          <a:bodyPr/>
+          <a:lstStyle/>
+          <a:p>
+            <a:fld id="{E7726789-9A4A-4BF5-9E9B-3B6C777735E6}" type="slidenum">
+              <a:rPr lang="en-US" smtClean="0"/>
+              <a:t>59</a:t>
+            </a:fld>
+            <a:endParaRPr lang="en-US"/>
+          </a:p>
+        </p:txBody>
+      </p:sp>
+    </p:spTree>
+    <p:extLst>
+      <p:ext uri="{BB962C8B-B14F-4D97-AF65-F5344CB8AC3E}">
+        <p14:creationId xmlns:p14="http://schemas.microsoft.com/office/powerpoint/2010/main" val="706403056"/>
+      </p:ext>
+    </p:extLst>
+  </p:cSld>
+  <p:clrMapOvr>
+    <a:masterClrMapping/>
+  </p:clrMapOvr>
+</p:notes>
+</file>
+
+<file path=ppt/notesSlides/notesSlide17.xml><?xml version="1.0" encoding="utf-8"?>
+<p:notes xmlns:a="http://schemas.openxmlformats.org/drawingml/2006/main" xmlns:r="http://schemas.openxmlformats.org/officeDocument/2006/relationships" xmlns:p="http://schemas.openxmlformats.org/presentationml/2006/main">
+  <p:cSld>
+    <p:spTree>
+      <p:nvGrpSpPr>
+        <p:cNvPr id="1" name=""/>
+        <p:cNvGrpSpPr/>
+        <p:nvPr/>
+      </p:nvGrpSpPr>
+      <p:grpSpPr>
+        <a:xfrm>
+          <a:off x="0" y="0"/>
+          <a:ext cx="0" cy="0"/>
+          <a:chOff x="0" y="0"/>
+          <a:chExt cx="0" cy="0"/>
+        </a:xfrm>
+      </p:grpSpPr>
+      <p:sp>
+        <p:nvSpPr>
+          <p:cNvPr id="2" name="Slide Image Placeholder 1"/>
+          <p:cNvSpPr>
+            <a:spLocks noGrp="1" noRot="1" noChangeAspect="1"/>
+          </p:cNvSpPr>
+          <p:nvPr>
+            <p:ph type="sldImg"/>
+          </p:nvPr>
+        </p:nvSpPr>
+        <p:spPr/>
+      </p:sp>
+      <p:sp>
+        <p:nvSpPr>
+          <p:cNvPr id="3" name="Notes Placeholder 2"/>
+          <p:cNvSpPr>
+            <a:spLocks noGrp="1"/>
+          </p:cNvSpPr>
+          <p:nvPr>
+            <p:ph type="body" idx="1"/>
+          </p:nvPr>
+        </p:nvSpPr>
+        <p:spPr/>
+        <p:txBody>
+          <a:bodyPr/>
+          <a:lstStyle/>
+          <a:p>
+            <a:pPr marL="0" marR="0" lvl="0" indent="0" algn="l" defTabSz="914400" rtl="0" eaLnBrk="1" fontAlgn="auto" latinLnBrk="0" hangingPunct="1">
+              <a:lnSpc>
+                <a:spcPct val="100000"/>
+              </a:lnSpc>
+              <a:spcBef>
+                <a:spcPts val="0"/>
+              </a:spcBef>
+              <a:spcAft>
+                <a:spcPts val="0"/>
+              </a:spcAft>
+              <a:buClrTx/>
+              <a:buSzTx/>
+              <a:buFontTx/>
+              <a:buNone/>
+              <a:tabLst/>
+              <a:defRPr/>
+            </a:pPr>
+            <a:r>
+              <a:rPr lang="en-US" dirty="0"/>
+              <a:t>To deepen your understanding of statistical causal inference, consider the following reading list.</a:t>
+            </a:r>
+          </a:p>
+          <a:p>
+            <a:endParaRPr lang="en-US" dirty="0"/>
+          </a:p>
+        </p:txBody>
+      </p:sp>
+      <p:sp>
+        <p:nvSpPr>
+          <p:cNvPr id="4" name="Slide Number Placeholder 3"/>
+          <p:cNvSpPr>
+            <a:spLocks noGrp="1"/>
+          </p:cNvSpPr>
+          <p:nvPr>
+            <p:ph type="sldNum" sz="quarter" idx="5"/>
+          </p:nvPr>
+        </p:nvSpPr>
+        <p:spPr/>
+        <p:txBody>
+          <a:bodyPr/>
+          <a:lstStyle/>
+          <a:p>
+            <a:fld id="{E7726789-9A4A-4BF5-9E9B-3B6C777735E6}" type="slidenum">
+              <a:rPr lang="en-US" smtClean="0"/>
+              <a:t>60</a:t>
+            </a:fld>
+            <a:endParaRPr lang="en-US"/>
+          </a:p>
+        </p:txBody>
+      </p:sp>
+    </p:spTree>
+    <p:extLst>
+      <p:ext uri="{BB962C8B-B14F-4D97-AF65-F5344CB8AC3E}">
+        <p14:creationId xmlns:p14="http://schemas.microsoft.com/office/powerpoint/2010/main" val="3934512971"/>
       </p:ext>
     </p:extLst>
   </p:cSld>
@@ -8937,8 +9551,8 @@
           </a:prstGeom>
         </p:spPr>
       </p:pic>
-      <mc:AlternateContent xmlns:mc="http://schemas.openxmlformats.org/markup-compatibility/2006">
-        <mc:Choice xmlns:a14="http://schemas.microsoft.com/office/drawing/2010/main" Requires="a14">
+      <mc:AlternateContent xmlns:mc="http://schemas.openxmlformats.org/markup-compatibility/2006" xmlns:a14="http://schemas.microsoft.com/office/drawing/2010/main">
+        <mc:Choice Requires="a14">
           <p:sp>
             <p:nvSpPr>
               <p:cNvPr id="8" name="TextBox 7">
@@ -8967,6 +9581,7 @@
               </a:bodyPr>
               <a:lstStyle/>
               <a:p>
+                <a:pPr/>
                 <a14:m>
                   <m:oMathPara xmlns:m="http://schemas.openxmlformats.org/officeDocument/2006/math">
                     <m:oMathParaPr>
@@ -9012,7 +9627,7 @@
             </p:txBody>
           </p:sp>
         </mc:Choice>
-        <mc:Fallback>
+        <mc:Fallback xmlns="">
           <p:sp>
             <p:nvSpPr>
               <p:cNvPr id="8" name="TextBox 7">
@@ -9057,8 +9672,8 @@
           </p:sp>
         </mc:Fallback>
       </mc:AlternateContent>
-      <mc:AlternateContent xmlns:mc="http://schemas.openxmlformats.org/markup-compatibility/2006">
-        <mc:Choice xmlns:a14="http://schemas.microsoft.com/office/drawing/2010/main" Requires="a14">
+      <mc:AlternateContent xmlns:mc="http://schemas.openxmlformats.org/markup-compatibility/2006" xmlns:a14="http://schemas.microsoft.com/office/drawing/2010/main">
+        <mc:Choice Requires="a14">
           <p:sp>
             <p:nvSpPr>
               <p:cNvPr id="9" name="TextBox 8">
@@ -9087,6 +9702,7 @@
               </a:bodyPr>
               <a:lstStyle/>
               <a:p>
+                <a:pPr/>
                 <a14:m>
                   <m:oMathPara xmlns:m="http://schemas.openxmlformats.org/officeDocument/2006/math">
                     <m:oMathParaPr>
@@ -9132,7 +9748,7 @@
             </p:txBody>
           </p:sp>
         </mc:Choice>
-        <mc:Fallback>
+        <mc:Fallback xmlns="">
           <p:sp>
             <p:nvSpPr>
               <p:cNvPr id="9" name="TextBox 8">
@@ -9177,8 +9793,8 @@
           </p:sp>
         </mc:Fallback>
       </mc:AlternateContent>
-      <mc:AlternateContent xmlns:mc="http://schemas.openxmlformats.org/markup-compatibility/2006">
-        <mc:Choice xmlns:a14="http://schemas.microsoft.com/office/drawing/2010/main" Requires="a14">
+      <mc:AlternateContent xmlns:mc="http://schemas.openxmlformats.org/markup-compatibility/2006" xmlns:a14="http://schemas.microsoft.com/office/drawing/2010/main">
+        <mc:Choice Requires="a14">
           <p:sp>
             <p:nvSpPr>
               <p:cNvPr id="10" name="TextBox 9">
@@ -9207,6 +9823,7 @@
               </a:bodyPr>
               <a:lstStyle/>
               <a:p>
+                <a:pPr/>
                 <a14:m>
                   <m:oMathPara xmlns:m="http://schemas.openxmlformats.org/officeDocument/2006/math">
                     <m:oMathParaPr>
@@ -9264,7 +9881,7 @@
             </p:txBody>
           </p:sp>
         </mc:Choice>
-        <mc:Fallback>
+        <mc:Fallback xmlns="">
           <p:sp>
             <p:nvSpPr>
               <p:cNvPr id="10" name="TextBox 9">
@@ -9775,8 +10392,8 @@
           </a:p>
         </p:txBody>
       </p:sp>
-      <mc:AlternateContent xmlns:mc="http://schemas.openxmlformats.org/markup-compatibility/2006">
-        <mc:Choice xmlns:a14="http://schemas.microsoft.com/office/drawing/2010/main" Requires="a14">
+      <mc:AlternateContent xmlns:mc="http://schemas.openxmlformats.org/markup-compatibility/2006" xmlns:a14="http://schemas.microsoft.com/office/drawing/2010/main">
+        <mc:Choice Requires="a14">
           <p:sp>
             <p:nvSpPr>
               <p:cNvPr id="8" name="TextBox 7">
@@ -9805,6 +10422,7 @@
               </a:bodyPr>
               <a:lstStyle/>
               <a:p>
+                <a:pPr/>
                 <a14:m>
                   <m:oMathPara xmlns:m="http://schemas.openxmlformats.org/officeDocument/2006/math">
                     <m:oMathParaPr>
@@ -9850,7 +10468,7 @@
             </p:txBody>
           </p:sp>
         </mc:Choice>
-        <mc:Fallback>
+        <mc:Fallback xmlns="">
           <p:sp>
             <p:nvSpPr>
               <p:cNvPr id="8" name="TextBox 7">
@@ -9895,8 +10513,8 @@
           </p:sp>
         </mc:Fallback>
       </mc:AlternateContent>
-      <mc:AlternateContent xmlns:mc="http://schemas.openxmlformats.org/markup-compatibility/2006">
-        <mc:Choice xmlns:a14="http://schemas.microsoft.com/office/drawing/2010/main" Requires="a14">
+      <mc:AlternateContent xmlns:mc="http://schemas.openxmlformats.org/markup-compatibility/2006" xmlns:a14="http://schemas.microsoft.com/office/drawing/2010/main">
+        <mc:Choice Requires="a14">
           <p:sp>
             <p:nvSpPr>
               <p:cNvPr id="9" name="TextBox 8">
@@ -9925,6 +10543,7 @@
               </a:bodyPr>
               <a:lstStyle/>
               <a:p>
+                <a:pPr/>
                 <a14:m>
                   <m:oMathPara xmlns:m="http://schemas.openxmlformats.org/officeDocument/2006/math">
                     <m:oMathParaPr>
@@ -9970,7 +10589,7 @@
             </p:txBody>
           </p:sp>
         </mc:Choice>
-        <mc:Fallback>
+        <mc:Fallback xmlns="">
           <p:sp>
             <p:nvSpPr>
               <p:cNvPr id="9" name="TextBox 8">
@@ -10015,8 +10634,8 @@
           </p:sp>
         </mc:Fallback>
       </mc:AlternateContent>
-      <mc:AlternateContent xmlns:mc="http://schemas.openxmlformats.org/markup-compatibility/2006">
-        <mc:Choice xmlns:a14="http://schemas.microsoft.com/office/drawing/2010/main" Requires="a14">
+      <mc:AlternateContent xmlns:mc="http://schemas.openxmlformats.org/markup-compatibility/2006" xmlns:a14="http://schemas.microsoft.com/office/drawing/2010/main">
+        <mc:Choice Requires="a14">
           <p:sp>
             <p:nvSpPr>
               <p:cNvPr id="10" name="TextBox 9">
@@ -10045,6 +10664,7 @@
               </a:bodyPr>
               <a:lstStyle/>
               <a:p>
+                <a:pPr/>
                 <a14:m>
                   <m:oMathPara xmlns:m="http://schemas.openxmlformats.org/officeDocument/2006/math">
                     <m:oMathParaPr>
@@ -10102,7 +10722,7 @@
             </p:txBody>
           </p:sp>
         </mc:Choice>
-        <mc:Fallback>
+        <mc:Fallback xmlns="">
           <p:sp>
             <p:nvSpPr>
               <p:cNvPr id="10" name="TextBox 9">
@@ -10783,416 +11403,479 @@
           </a:p>
         </p:txBody>
       </p:sp>
-      <p:sp>
-        <p:nvSpPr>
-          <p:cNvPr id="7" name="Oval 6">
-            <a:extLst>
-              <a:ext uri="{FF2B5EF4-FFF2-40B4-BE49-F238E27FC236}">
-                <a16:creationId xmlns:a16="http://schemas.microsoft.com/office/drawing/2014/main" id="{DABC0084-7887-504E-B117-D870A5BB6D01}"/>
-              </a:ext>
-            </a:extLst>
-          </p:cNvPr>
-          <p:cNvSpPr/>
+      <p:grpSp>
+        <p:nvGrpSpPr>
+          <p:cNvPr id="3" name="Group 2">
+            <a:extLst>
+              <a:ext uri="{FF2B5EF4-FFF2-40B4-BE49-F238E27FC236}">
+                <a16:creationId xmlns:a16="http://schemas.microsoft.com/office/drawing/2014/main" id="{012E7B07-6F07-3CC8-8DB8-7F5E428E38CF}"/>
+              </a:ext>
+            </a:extLst>
+          </p:cNvPr>
+          <p:cNvGrpSpPr/>
           <p:nvPr/>
-        </p:nvSpPr>
-        <p:spPr>
+        </p:nvGrpSpPr>
+        <p:grpSpPr>
           <a:xfrm>
             <a:off x="838200" y="1936251"/>
-            <a:ext cx="1080000" cy="1080000"/>
+            <a:ext cx="10341429" cy="1080000"/>
+            <a:chOff x="838200" y="1936251"/>
+            <a:chExt cx="10341429" cy="1080000"/>
           </a:xfrm>
-          <a:prstGeom prst="ellipse">
-            <a:avLst/>
-          </a:prstGeom>
-          <a:solidFill>
-            <a:schemeClr val="bg2">
-              <a:lumMod val="25000"/>
-            </a:schemeClr>
-          </a:solidFill>
-          <a:ln>
+        </p:grpSpPr>
+        <p:sp>
+          <p:nvSpPr>
+            <p:cNvPr id="7" name="Oval 6">
+              <a:extLst>
+                <a:ext uri="{FF2B5EF4-FFF2-40B4-BE49-F238E27FC236}">
+                  <a16:creationId xmlns:a16="http://schemas.microsoft.com/office/drawing/2014/main" id="{DABC0084-7887-504E-B117-D870A5BB6D01}"/>
+                </a:ext>
+              </a:extLst>
+            </p:cNvPr>
+            <p:cNvSpPr/>
+            <p:nvPr/>
+          </p:nvSpPr>
+          <p:spPr>
+            <a:xfrm>
+              <a:off x="838200" y="1936251"/>
+              <a:ext cx="1080000" cy="1080000"/>
+            </a:xfrm>
+            <a:prstGeom prst="ellipse">
+              <a:avLst/>
+            </a:prstGeom>
+            <a:solidFill>
+              <a:schemeClr val="bg2">
+                <a:lumMod val="25000"/>
+              </a:schemeClr>
+            </a:solidFill>
+            <a:ln>
+              <a:noFill/>
+            </a:ln>
+            <a:effectLst>
+              <a:outerShdw blurRad="50800" dist="38100" dir="2700000" algn="tl" rotWithShape="0">
+                <a:prstClr val="black">
+                  <a:alpha val="40000"/>
+                </a:prstClr>
+              </a:outerShdw>
+            </a:effectLst>
+          </p:spPr>
+          <p:style>
+            <a:lnRef idx="2">
+              <a:schemeClr val="accent1">
+                <a:shade val="15000"/>
+              </a:schemeClr>
+            </a:lnRef>
+            <a:fillRef idx="1">
+              <a:schemeClr val="accent1"/>
+            </a:fillRef>
+            <a:effectRef idx="0">
+              <a:schemeClr val="accent1"/>
+            </a:effectRef>
+            <a:fontRef idx="minor">
+              <a:schemeClr val="lt1"/>
+            </a:fontRef>
+          </p:style>
+          <p:txBody>
+            <a:bodyPr rtlCol="0" anchor="ctr"/>
+            <a:lstStyle/>
+            <a:p>
+              <a:pPr algn="ctr"/>
+              <a:endParaRPr lang="en-US" dirty="0"/>
+            </a:p>
+          </p:txBody>
+        </p:sp>
+        <p:pic>
+          <p:nvPicPr>
+            <p:cNvPr id="15" name="Graphic 14" descr="Forest scene with solid fill">
+              <a:extLst>
+                <a:ext uri="{FF2B5EF4-FFF2-40B4-BE49-F238E27FC236}">
+                  <a16:creationId xmlns:a16="http://schemas.microsoft.com/office/drawing/2014/main" id="{7B2672B4-DD5E-BBE7-DAC5-D1EECDF684B8}"/>
+                </a:ext>
+              </a:extLst>
+            </p:cNvPr>
+            <p:cNvPicPr>
+              <a:picLocks noChangeAspect="1"/>
+            </p:cNvPicPr>
+            <p:nvPr/>
+          </p:nvPicPr>
+          <p:blipFill>
+            <a:blip r:embed="rId3">
+              <a:extLst>
+                <a:ext uri="{96DAC541-7B7A-43D3-8B79-37D633B846F1}">
+                  <asvg:svgBlip xmlns:asvg="http://schemas.microsoft.com/office/drawing/2016/SVG/main" r:embed="rId4"/>
+                </a:ext>
+              </a:extLst>
+            </a:blip>
+            <a:stretch>
+              <a:fillRect/>
+            </a:stretch>
+          </p:blipFill>
+          <p:spPr>
+            <a:xfrm>
+              <a:off x="921000" y="2019051"/>
+              <a:ext cx="914400" cy="914400"/>
+            </a:xfrm>
+            <a:prstGeom prst="rect">
+              <a:avLst/>
+            </a:prstGeom>
+          </p:spPr>
+        </p:pic>
+        <p:sp>
+          <p:nvSpPr>
+            <p:cNvPr id="17" name="TextBox 16">
+              <a:extLst>
+                <a:ext uri="{FF2B5EF4-FFF2-40B4-BE49-F238E27FC236}">
+                  <a16:creationId xmlns:a16="http://schemas.microsoft.com/office/drawing/2014/main" id="{E981EDEC-ECA1-82C4-7DAD-5912A166122F}"/>
+                </a:ext>
+              </a:extLst>
+            </p:cNvPr>
+            <p:cNvSpPr txBox="1"/>
+            <p:nvPr/>
+          </p:nvSpPr>
+          <p:spPr>
+            <a:xfrm>
+              <a:off x="2057400" y="2117437"/>
+              <a:ext cx="9122229" cy="707886"/>
+            </a:xfrm>
+            <a:prstGeom prst="rect">
+              <a:avLst/>
+            </a:prstGeom>
             <a:noFill/>
-          </a:ln>
-          <a:effectLst>
-            <a:outerShdw blurRad="50800" dist="38100" dir="2700000" algn="tl" rotWithShape="0">
-              <a:prstClr val="black">
-                <a:alpha val="40000"/>
-              </a:prstClr>
-            </a:outerShdw>
-          </a:effectLst>
-        </p:spPr>
-        <p:style>
-          <a:lnRef idx="2">
-            <a:schemeClr val="accent1">
-              <a:shade val="15000"/>
-            </a:schemeClr>
-          </a:lnRef>
-          <a:fillRef idx="1">
-            <a:schemeClr val="accent1"/>
-          </a:fillRef>
-          <a:effectRef idx="0">
-            <a:schemeClr val="accent1"/>
-          </a:effectRef>
-          <a:fontRef idx="minor">
-            <a:schemeClr val="lt1"/>
-          </a:fontRef>
-        </p:style>
-        <p:txBody>
-          <a:bodyPr rtlCol="0" anchor="ctr"/>
-          <a:lstStyle/>
-          <a:p>
-            <a:pPr algn="ctr"/>
-            <a:endParaRPr lang="en-US" dirty="0"/>
-          </a:p>
-        </p:txBody>
-      </p:sp>
-      <p:sp>
-        <p:nvSpPr>
-          <p:cNvPr id="8" name="Oval 7">
-            <a:extLst>
-              <a:ext uri="{FF2B5EF4-FFF2-40B4-BE49-F238E27FC236}">
-                <a16:creationId xmlns:a16="http://schemas.microsoft.com/office/drawing/2014/main" id="{7616DB1C-B7A0-B338-A165-4BD4825FA640}"/>
-              </a:ext>
-            </a:extLst>
-          </p:cNvPr>
-          <p:cNvSpPr/>
+          </p:spPr>
+          <p:txBody>
+            <a:bodyPr wrap="square">
+              <a:spAutoFit/>
+            </a:bodyPr>
+            <a:lstStyle/>
+            <a:p>
+              <a:pPr marL="0" indent="0">
+                <a:buNone/>
+              </a:pPr>
+              <a:r>
+                <a:rPr lang="en-US" sz="2000" b="1" dirty="0"/>
+                <a:t>Context</a:t>
+              </a:r>
+              <a:r>
+                <a:rPr lang="en-US" sz="2000" dirty="0"/>
+                <a:t>: Software engineering research aims to determine causal effects. Correlations serve for predictions, but do not inform interventions.</a:t>
+              </a:r>
+            </a:p>
+          </p:txBody>
+        </p:sp>
+      </p:grpSp>
+      <p:grpSp>
+        <p:nvGrpSpPr>
+          <p:cNvPr id="10" name="Group 9">
+            <a:extLst>
+              <a:ext uri="{FF2B5EF4-FFF2-40B4-BE49-F238E27FC236}">
+                <a16:creationId xmlns:a16="http://schemas.microsoft.com/office/drawing/2014/main" id="{D24C1248-A2B4-DEF3-7623-9284B8C0DCFF}"/>
+              </a:ext>
+            </a:extLst>
+          </p:cNvPr>
+          <p:cNvGrpSpPr/>
           <p:nvPr/>
-        </p:nvSpPr>
-        <p:spPr>
+        </p:nvGrpSpPr>
+        <p:grpSpPr>
           <a:xfrm>
             <a:off x="838200" y="3261814"/>
-            <a:ext cx="1080000" cy="1080000"/>
+            <a:ext cx="10341429" cy="1080000"/>
+            <a:chOff x="838200" y="3261814"/>
+            <a:chExt cx="10341429" cy="1080000"/>
           </a:xfrm>
-          <a:prstGeom prst="ellipse">
-            <a:avLst/>
-          </a:prstGeom>
-          <a:solidFill>
-            <a:srgbClr val="C00000"/>
-          </a:solidFill>
-          <a:ln>
+        </p:grpSpPr>
+        <p:sp>
+          <p:nvSpPr>
+            <p:cNvPr id="8" name="Oval 7">
+              <a:extLst>
+                <a:ext uri="{FF2B5EF4-FFF2-40B4-BE49-F238E27FC236}">
+                  <a16:creationId xmlns:a16="http://schemas.microsoft.com/office/drawing/2014/main" id="{7616DB1C-B7A0-B338-A165-4BD4825FA640}"/>
+                </a:ext>
+              </a:extLst>
+            </p:cNvPr>
+            <p:cNvSpPr/>
+            <p:nvPr/>
+          </p:nvSpPr>
+          <p:spPr>
+            <a:xfrm>
+              <a:off x="838200" y="3261814"/>
+              <a:ext cx="1080000" cy="1080000"/>
+            </a:xfrm>
+            <a:prstGeom prst="ellipse">
+              <a:avLst/>
+            </a:prstGeom>
+            <a:solidFill>
+              <a:srgbClr val="C00000"/>
+            </a:solidFill>
+            <a:ln>
+              <a:noFill/>
+            </a:ln>
+            <a:effectLst>
+              <a:outerShdw blurRad="50800" dist="38100" dir="2700000" algn="tl" rotWithShape="0">
+                <a:prstClr val="black">
+                  <a:alpha val="40000"/>
+                </a:prstClr>
+              </a:outerShdw>
+            </a:effectLst>
+          </p:spPr>
+          <p:style>
+            <a:lnRef idx="2">
+              <a:schemeClr val="accent1">
+                <a:shade val="15000"/>
+              </a:schemeClr>
+            </a:lnRef>
+            <a:fillRef idx="1">
+              <a:schemeClr val="accent1"/>
+            </a:fillRef>
+            <a:effectRef idx="0">
+              <a:schemeClr val="accent1"/>
+            </a:effectRef>
+            <a:fontRef idx="minor">
+              <a:schemeClr val="lt1"/>
+            </a:fontRef>
+          </p:style>
+          <p:txBody>
+            <a:bodyPr rtlCol="0" anchor="ctr"/>
+            <a:lstStyle/>
+            <a:p>
+              <a:pPr algn="ctr"/>
+              <a:endParaRPr lang="en-US" dirty="0"/>
+            </a:p>
+          </p:txBody>
+        </p:sp>
+        <p:pic>
+          <p:nvPicPr>
+            <p:cNvPr id="13" name="Graphic 12" descr="Lightning bolt with solid fill">
+              <a:extLst>
+                <a:ext uri="{FF2B5EF4-FFF2-40B4-BE49-F238E27FC236}">
+                  <a16:creationId xmlns:a16="http://schemas.microsoft.com/office/drawing/2014/main" id="{155958AB-C3C3-6AA1-86AA-00C37CBBD8D7}"/>
+                </a:ext>
+              </a:extLst>
+            </p:cNvPr>
+            <p:cNvPicPr>
+              <a:picLocks noChangeAspect="1"/>
+            </p:cNvPicPr>
+            <p:nvPr/>
+          </p:nvPicPr>
+          <p:blipFill>
+            <a:blip r:embed="rId5">
+              <a:extLst>
+                <a:ext uri="{96DAC541-7B7A-43D3-8B79-37D633B846F1}">
+                  <asvg:svgBlip xmlns:asvg="http://schemas.microsoft.com/office/drawing/2016/SVG/main" r:embed="rId6"/>
+                </a:ext>
+              </a:extLst>
+            </a:blip>
+            <a:stretch>
+              <a:fillRect/>
+            </a:stretch>
+          </p:blipFill>
+          <p:spPr>
+            <a:xfrm>
+              <a:off x="921000" y="3344614"/>
+              <a:ext cx="914400" cy="914400"/>
+            </a:xfrm>
+            <a:prstGeom prst="rect">
+              <a:avLst/>
+            </a:prstGeom>
+          </p:spPr>
+        </p:pic>
+        <p:sp>
+          <p:nvSpPr>
+            <p:cNvPr id="19" name="TextBox 18">
+              <a:extLst>
+                <a:ext uri="{FF2B5EF4-FFF2-40B4-BE49-F238E27FC236}">
+                  <a16:creationId xmlns:a16="http://schemas.microsoft.com/office/drawing/2014/main" id="{FBF0D74D-AEF2-FA31-98F1-D284DED8A7BD}"/>
+                </a:ext>
+              </a:extLst>
+            </p:cNvPr>
+            <p:cNvSpPr txBox="1"/>
+            <p:nvPr/>
+          </p:nvSpPr>
+          <p:spPr>
+            <a:xfrm>
+              <a:off x="2057400" y="3447871"/>
+              <a:ext cx="9122229" cy="707886"/>
+            </a:xfrm>
+            <a:prstGeom prst="rect">
+              <a:avLst/>
+            </a:prstGeom>
             <a:noFill/>
-          </a:ln>
-          <a:effectLst>
-            <a:outerShdw blurRad="50800" dist="38100" dir="2700000" algn="tl" rotWithShape="0">
-              <a:prstClr val="black">
-                <a:alpha val="40000"/>
-              </a:prstClr>
-            </a:outerShdw>
-          </a:effectLst>
-        </p:spPr>
-        <p:style>
-          <a:lnRef idx="2">
-            <a:schemeClr val="accent1">
-              <a:shade val="15000"/>
-            </a:schemeClr>
-          </a:lnRef>
-          <a:fillRef idx="1">
-            <a:schemeClr val="accent1"/>
-          </a:fillRef>
-          <a:effectRef idx="0">
-            <a:schemeClr val="accent1"/>
-          </a:effectRef>
-          <a:fontRef idx="minor">
-            <a:schemeClr val="lt1"/>
-          </a:fontRef>
-        </p:style>
-        <p:txBody>
-          <a:bodyPr rtlCol="0" anchor="ctr"/>
-          <a:lstStyle/>
-          <a:p>
-            <a:pPr algn="ctr"/>
-            <a:endParaRPr lang="en-US" dirty="0"/>
-          </a:p>
-        </p:txBody>
-      </p:sp>
-      <p:sp>
-        <p:nvSpPr>
-          <p:cNvPr id="9" name="Oval 8">
-            <a:extLst>
-              <a:ext uri="{FF2B5EF4-FFF2-40B4-BE49-F238E27FC236}">
-                <a16:creationId xmlns:a16="http://schemas.microsoft.com/office/drawing/2014/main" id="{2769FC22-B4EB-7B5F-D1F2-645E85859D82}"/>
-              </a:ext>
-            </a:extLst>
-          </p:cNvPr>
-          <p:cNvSpPr/>
+          </p:spPr>
+          <p:txBody>
+            <a:bodyPr wrap="square">
+              <a:spAutoFit/>
+            </a:bodyPr>
+            <a:lstStyle/>
+            <a:p>
+              <a:pPr marL="0" indent="0">
+                <a:buNone/>
+              </a:pPr>
+              <a:r>
+                <a:rPr lang="en-US" sz="2000" b="1" dirty="0"/>
+                <a:t>Problem</a:t>
+              </a:r>
+              <a:r>
+                <a:rPr lang="en-US" sz="2000" dirty="0"/>
+                <a:t>: Many researchers are, however, ill-equipped to obtain valid answers to these causal questions. </a:t>
+              </a:r>
+            </a:p>
+          </p:txBody>
+        </p:sp>
+      </p:grpSp>
+      <p:grpSp>
+        <p:nvGrpSpPr>
+          <p:cNvPr id="12" name="Group 11">
+            <a:extLst>
+              <a:ext uri="{FF2B5EF4-FFF2-40B4-BE49-F238E27FC236}">
+                <a16:creationId xmlns:a16="http://schemas.microsoft.com/office/drawing/2014/main" id="{B1B17688-A51A-82DC-11B8-F6D86688A373}"/>
+              </a:ext>
+            </a:extLst>
+          </p:cNvPr>
+          <p:cNvGrpSpPr/>
           <p:nvPr/>
-        </p:nvSpPr>
-        <p:spPr>
+        </p:nvGrpSpPr>
+        <p:grpSpPr>
           <a:xfrm>
             <a:off x="838200" y="4587377"/>
-            <a:ext cx="1080000" cy="1080000"/>
+            <a:ext cx="10341429" cy="1080000"/>
+            <a:chOff x="838200" y="4587377"/>
+            <a:chExt cx="10341429" cy="1080000"/>
           </a:xfrm>
-          <a:prstGeom prst="ellipse">
-            <a:avLst/>
-          </a:prstGeom>
-          <a:ln>
+        </p:grpSpPr>
+        <p:sp>
+          <p:nvSpPr>
+            <p:cNvPr id="9" name="Oval 8">
+              <a:extLst>
+                <a:ext uri="{FF2B5EF4-FFF2-40B4-BE49-F238E27FC236}">
+                  <a16:creationId xmlns:a16="http://schemas.microsoft.com/office/drawing/2014/main" id="{2769FC22-B4EB-7B5F-D1F2-645E85859D82}"/>
+                </a:ext>
+              </a:extLst>
+            </p:cNvPr>
+            <p:cNvSpPr/>
+            <p:nvPr/>
+          </p:nvSpPr>
+          <p:spPr>
+            <a:xfrm>
+              <a:off x="838200" y="4587377"/>
+              <a:ext cx="1080000" cy="1080000"/>
+            </a:xfrm>
+            <a:prstGeom prst="ellipse">
+              <a:avLst/>
+            </a:prstGeom>
+            <a:ln>
+              <a:noFill/>
+            </a:ln>
+            <a:effectLst>
+              <a:outerShdw blurRad="50800" dist="38100" dir="2700000" algn="tl" rotWithShape="0">
+                <a:prstClr val="black">
+                  <a:alpha val="40000"/>
+                </a:prstClr>
+              </a:outerShdw>
+            </a:effectLst>
+          </p:spPr>
+          <p:style>
+            <a:lnRef idx="2">
+              <a:schemeClr val="accent1">
+                <a:shade val="15000"/>
+              </a:schemeClr>
+            </a:lnRef>
+            <a:fillRef idx="1">
+              <a:schemeClr val="accent1"/>
+            </a:fillRef>
+            <a:effectRef idx="0">
+              <a:schemeClr val="accent1"/>
+            </a:effectRef>
+            <a:fontRef idx="minor">
+              <a:schemeClr val="lt1"/>
+            </a:fontRef>
+          </p:style>
+          <p:txBody>
+            <a:bodyPr rtlCol="0" anchor="ctr"/>
+            <a:lstStyle/>
+            <a:p>
+              <a:pPr algn="ctr"/>
+              <a:endParaRPr lang="en-US" dirty="0"/>
+            </a:p>
+          </p:txBody>
+        </p:sp>
+        <p:pic>
+          <p:nvPicPr>
+            <p:cNvPr id="11" name="Graphic 10" descr="Bullseye with solid fill">
+              <a:extLst>
+                <a:ext uri="{FF2B5EF4-FFF2-40B4-BE49-F238E27FC236}">
+                  <a16:creationId xmlns:a16="http://schemas.microsoft.com/office/drawing/2014/main" id="{264BF672-AF22-404D-367A-1D57DE8F0C13}"/>
+                </a:ext>
+              </a:extLst>
+            </p:cNvPr>
+            <p:cNvPicPr>
+              <a:picLocks noChangeAspect="1"/>
+            </p:cNvPicPr>
+            <p:nvPr/>
+          </p:nvPicPr>
+          <p:blipFill>
+            <a:blip r:embed="rId7">
+              <a:extLst>
+                <a:ext uri="{96DAC541-7B7A-43D3-8B79-37D633B846F1}">
+                  <asvg:svgBlip xmlns:asvg="http://schemas.microsoft.com/office/drawing/2016/SVG/main" r:embed="rId8"/>
+                </a:ext>
+              </a:extLst>
+            </a:blip>
+            <a:stretch>
+              <a:fillRect/>
+            </a:stretch>
+          </p:blipFill>
+          <p:spPr>
+            <a:xfrm>
+              <a:off x="921000" y="4670177"/>
+              <a:ext cx="914400" cy="914400"/>
+            </a:xfrm>
+            <a:prstGeom prst="rect">
+              <a:avLst/>
+            </a:prstGeom>
+          </p:spPr>
+        </p:pic>
+        <p:sp>
+          <p:nvSpPr>
+            <p:cNvPr id="20" name="TextBox 19">
+              <a:extLst>
+                <a:ext uri="{FF2B5EF4-FFF2-40B4-BE49-F238E27FC236}">
+                  <a16:creationId xmlns:a16="http://schemas.microsoft.com/office/drawing/2014/main" id="{A46F912C-7BDF-05BD-6C62-3399D6F4A600}"/>
+                </a:ext>
+              </a:extLst>
+            </p:cNvPr>
+            <p:cNvSpPr txBox="1"/>
+            <p:nvPr/>
+          </p:nvSpPr>
+          <p:spPr>
+            <a:xfrm>
+              <a:off x="2057400" y="4778305"/>
+              <a:ext cx="9122229" cy="707886"/>
+            </a:xfrm>
+            <a:prstGeom prst="rect">
+              <a:avLst/>
+            </a:prstGeom>
             <a:noFill/>
-          </a:ln>
-          <a:effectLst>
-            <a:outerShdw blurRad="50800" dist="38100" dir="2700000" algn="tl" rotWithShape="0">
-              <a:prstClr val="black">
-                <a:alpha val="40000"/>
-              </a:prstClr>
-            </a:outerShdw>
-          </a:effectLst>
-        </p:spPr>
-        <p:style>
-          <a:lnRef idx="2">
-            <a:schemeClr val="accent1">
-              <a:shade val="15000"/>
-            </a:schemeClr>
-          </a:lnRef>
-          <a:fillRef idx="1">
-            <a:schemeClr val="accent1"/>
-          </a:fillRef>
-          <a:effectRef idx="0">
-            <a:schemeClr val="accent1"/>
-          </a:effectRef>
-          <a:fontRef idx="minor">
-            <a:schemeClr val="lt1"/>
-          </a:fontRef>
-        </p:style>
-        <p:txBody>
-          <a:bodyPr rtlCol="0" anchor="ctr"/>
-          <a:lstStyle/>
-          <a:p>
-            <a:pPr algn="ctr"/>
-            <a:endParaRPr lang="en-US" dirty="0"/>
-          </a:p>
-        </p:txBody>
-      </p:sp>
-      <p:pic>
-        <p:nvPicPr>
-          <p:cNvPr id="11" name="Graphic 10" descr="Bullseye with solid fill">
-            <a:extLst>
-              <a:ext uri="{FF2B5EF4-FFF2-40B4-BE49-F238E27FC236}">
-                <a16:creationId xmlns:a16="http://schemas.microsoft.com/office/drawing/2014/main" id="{264BF672-AF22-404D-367A-1D57DE8F0C13}"/>
-              </a:ext>
-            </a:extLst>
-          </p:cNvPr>
-          <p:cNvPicPr>
-            <a:picLocks noChangeAspect="1"/>
-          </p:cNvPicPr>
-          <p:nvPr/>
-        </p:nvPicPr>
-        <p:blipFill>
-          <a:blip r:embed="rId3">
-            <a:extLst>
-              <a:ext uri="{96DAC541-7B7A-43D3-8B79-37D633B846F1}">
-                <asvg:svgBlip xmlns:asvg="http://schemas.microsoft.com/office/drawing/2016/SVG/main" r:embed="rId4"/>
-              </a:ext>
-            </a:extLst>
-          </a:blip>
-          <a:stretch>
-            <a:fillRect/>
-          </a:stretch>
-        </p:blipFill>
-        <p:spPr>
-          <a:xfrm>
-            <a:off x="921000" y="4670177"/>
-            <a:ext cx="914400" cy="914400"/>
-          </a:xfrm>
-          <a:prstGeom prst="rect">
-            <a:avLst/>
-          </a:prstGeom>
-        </p:spPr>
-      </p:pic>
-      <p:pic>
-        <p:nvPicPr>
-          <p:cNvPr id="13" name="Graphic 12" descr="Lightning bolt with solid fill">
-            <a:extLst>
-              <a:ext uri="{FF2B5EF4-FFF2-40B4-BE49-F238E27FC236}">
-                <a16:creationId xmlns:a16="http://schemas.microsoft.com/office/drawing/2014/main" id="{155958AB-C3C3-6AA1-86AA-00C37CBBD8D7}"/>
-              </a:ext>
-            </a:extLst>
-          </p:cNvPr>
-          <p:cNvPicPr>
-            <a:picLocks noChangeAspect="1"/>
-          </p:cNvPicPr>
-          <p:nvPr/>
-        </p:nvPicPr>
-        <p:blipFill>
-          <a:blip r:embed="rId5">
-            <a:extLst>
-              <a:ext uri="{96DAC541-7B7A-43D3-8B79-37D633B846F1}">
-                <asvg:svgBlip xmlns:asvg="http://schemas.microsoft.com/office/drawing/2016/SVG/main" r:embed="rId6"/>
-              </a:ext>
-            </a:extLst>
-          </a:blip>
-          <a:stretch>
-            <a:fillRect/>
-          </a:stretch>
-        </p:blipFill>
-        <p:spPr>
-          <a:xfrm>
-            <a:off x="921000" y="3344614"/>
-            <a:ext cx="914400" cy="914400"/>
-          </a:xfrm>
-          <a:prstGeom prst="rect">
-            <a:avLst/>
-          </a:prstGeom>
-        </p:spPr>
-      </p:pic>
-      <p:pic>
-        <p:nvPicPr>
-          <p:cNvPr id="15" name="Graphic 14" descr="Forest scene with solid fill">
-            <a:extLst>
-              <a:ext uri="{FF2B5EF4-FFF2-40B4-BE49-F238E27FC236}">
-                <a16:creationId xmlns:a16="http://schemas.microsoft.com/office/drawing/2014/main" id="{7B2672B4-DD5E-BBE7-DAC5-D1EECDF684B8}"/>
-              </a:ext>
-            </a:extLst>
-          </p:cNvPr>
-          <p:cNvPicPr>
-            <a:picLocks noChangeAspect="1"/>
-          </p:cNvPicPr>
-          <p:nvPr/>
-        </p:nvPicPr>
-        <p:blipFill>
-          <a:blip r:embed="rId7">
-            <a:extLst>
-              <a:ext uri="{96DAC541-7B7A-43D3-8B79-37D633B846F1}">
-                <asvg:svgBlip xmlns:asvg="http://schemas.microsoft.com/office/drawing/2016/SVG/main" r:embed="rId8"/>
-              </a:ext>
-            </a:extLst>
-          </a:blip>
-          <a:stretch>
-            <a:fillRect/>
-          </a:stretch>
-        </p:blipFill>
-        <p:spPr>
-          <a:xfrm>
-            <a:off x="921000" y="2019051"/>
-            <a:ext cx="914400" cy="914400"/>
-          </a:xfrm>
-          <a:prstGeom prst="rect">
-            <a:avLst/>
-          </a:prstGeom>
-        </p:spPr>
-      </p:pic>
-      <p:sp>
-        <p:nvSpPr>
-          <p:cNvPr id="17" name="TextBox 16">
-            <a:extLst>
-              <a:ext uri="{FF2B5EF4-FFF2-40B4-BE49-F238E27FC236}">
-                <a16:creationId xmlns:a16="http://schemas.microsoft.com/office/drawing/2014/main" id="{E981EDEC-ECA1-82C4-7DAD-5912A166122F}"/>
-              </a:ext>
-            </a:extLst>
-          </p:cNvPr>
-          <p:cNvSpPr txBox="1"/>
-          <p:nvPr/>
-        </p:nvSpPr>
-        <p:spPr>
-          <a:xfrm>
-            <a:off x="2057400" y="2117437"/>
-            <a:ext cx="9122229" cy="707886"/>
-          </a:xfrm>
-          <a:prstGeom prst="rect">
-            <a:avLst/>
-          </a:prstGeom>
-          <a:noFill/>
-        </p:spPr>
-        <p:txBody>
-          <a:bodyPr wrap="square">
-            <a:spAutoFit/>
-          </a:bodyPr>
-          <a:lstStyle/>
-          <a:p>
-            <a:pPr marL="0" indent="0">
-              <a:buNone/>
-            </a:pPr>
-            <a:r>
-              <a:rPr lang="en-US" sz="2000" b="1" dirty="0"/>
-              <a:t>Context</a:t>
-            </a:r>
-            <a:r>
-              <a:rPr lang="en-US" sz="2000" dirty="0"/>
-              <a:t>: Software engineering research aims to determine causal effects. Correlations serve for predictions, but do not inform interventions.</a:t>
-            </a:r>
-          </a:p>
-        </p:txBody>
-      </p:sp>
-      <p:sp>
-        <p:nvSpPr>
-          <p:cNvPr id="19" name="TextBox 18">
-            <a:extLst>
-              <a:ext uri="{FF2B5EF4-FFF2-40B4-BE49-F238E27FC236}">
-                <a16:creationId xmlns:a16="http://schemas.microsoft.com/office/drawing/2014/main" id="{FBF0D74D-AEF2-FA31-98F1-D284DED8A7BD}"/>
-              </a:ext>
-            </a:extLst>
-          </p:cNvPr>
-          <p:cNvSpPr txBox="1"/>
-          <p:nvPr/>
-        </p:nvSpPr>
-        <p:spPr>
-          <a:xfrm>
-            <a:off x="2057400" y="3447871"/>
-            <a:ext cx="9122229" cy="707886"/>
-          </a:xfrm>
-          <a:prstGeom prst="rect">
-            <a:avLst/>
-          </a:prstGeom>
-          <a:noFill/>
-        </p:spPr>
-        <p:txBody>
-          <a:bodyPr wrap="square">
-            <a:spAutoFit/>
-          </a:bodyPr>
-          <a:lstStyle/>
-          <a:p>
-            <a:pPr marL="0" indent="0">
-              <a:buNone/>
-            </a:pPr>
-            <a:r>
-              <a:rPr lang="en-US" sz="2000" b="1" dirty="0"/>
-              <a:t>Problem</a:t>
-            </a:r>
-            <a:r>
-              <a:rPr lang="en-US" sz="2000" dirty="0"/>
-              <a:t>: Many researchers are, however, ill-equipped to obtain valid answers to these causal questions. </a:t>
-            </a:r>
-          </a:p>
-        </p:txBody>
-      </p:sp>
-      <p:sp>
-        <p:nvSpPr>
-          <p:cNvPr id="20" name="TextBox 19">
-            <a:extLst>
-              <a:ext uri="{FF2B5EF4-FFF2-40B4-BE49-F238E27FC236}">
-                <a16:creationId xmlns:a16="http://schemas.microsoft.com/office/drawing/2014/main" id="{A46F912C-7BDF-05BD-6C62-3399D6F4A600}"/>
-              </a:ext>
-            </a:extLst>
-          </p:cNvPr>
-          <p:cNvSpPr txBox="1"/>
-          <p:nvPr/>
-        </p:nvSpPr>
-        <p:spPr>
-          <a:xfrm>
-            <a:off x="2057400" y="4778305"/>
-            <a:ext cx="9122229" cy="707886"/>
-          </a:xfrm>
-          <a:prstGeom prst="rect">
-            <a:avLst/>
-          </a:prstGeom>
-          <a:noFill/>
-        </p:spPr>
-        <p:txBody>
-          <a:bodyPr wrap="square">
-            <a:spAutoFit/>
-          </a:bodyPr>
-          <a:lstStyle/>
-          <a:p>
-            <a:pPr marL="0" indent="0">
-              <a:buNone/>
-            </a:pPr>
-            <a:r>
-              <a:rPr lang="en-US" sz="2000" b="1" dirty="0"/>
-              <a:t>Problem</a:t>
-            </a:r>
-            <a:r>
-              <a:rPr lang="en-US" sz="2000" dirty="0"/>
-              <a:t>: This tutorial is aimed at academics that aim to tackle causal questions but lack the tools for it.</a:t>
-            </a:r>
-          </a:p>
-        </p:txBody>
-      </p:sp>
+          </p:spPr>
+          <p:txBody>
+            <a:bodyPr wrap="square">
+              <a:spAutoFit/>
+            </a:bodyPr>
+            <a:lstStyle/>
+            <a:p>
+              <a:pPr marL="0" indent="0">
+                <a:buNone/>
+              </a:pPr>
+              <a:r>
+                <a:rPr lang="en-US" sz="2000" b="1" dirty="0"/>
+                <a:t>Problem</a:t>
+              </a:r>
+              <a:r>
+                <a:rPr lang="en-US" sz="2000" dirty="0"/>
+                <a:t>: This tutorial is aimed at academics that aim to tackle causal questions but lack the tools for it.</a:t>
+              </a:r>
+            </a:p>
+          </p:txBody>
+        </p:sp>
+      </p:grpSp>
     </p:spTree>
     <p:extLst>
       <p:ext uri="{BB962C8B-B14F-4D97-AF65-F5344CB8AC3E}">
@@ -11432,8 +12115,8 @@
           </a:prstGeom>
         </p:spPr>
       </p:pic>
-      <mc:AlternateContent xmlns:mc="http://schemas.openxmlformats.org/markup-compatibility/2006">
-        <mc:Choice xmlns:a14="http://schemas.microsoft.com/office/drawing/2010/main" Requires="a14">
+      <mc:AlternateContent xmlns:mc="http://schemas.openxmlformats.org/markup-compatibility/2006" xmlns:a14="http://schemas.microsoft.com/office/drawing/2010/main">
+        <mc:Choice Requires="a14">
           <p:sp>
             <p:nvSpPr>
               <p:cNvPr id="10" name="TextBox 9">
@@ -11462,6 +12145,7 @@
               </a:bodyPr>
               <a:lstStyle/>
               <a:p>
+                <a:pPr/>
                 <a14:m>
                   <m:oMathPara xmlns:m="http://schemas.openxmlformats.org/officeDocument/2006/math">
                     <m:oMathParaPr>
@@ -11519,7 +12203,7 @@
             </p:txBody>
           </p:sp>
         </mc:Choice>
-        <mc:Fallback>
+        <mc:Fallback xmlns="">
           <p:sp>
             <p:nvSpPr>
               <p:cNvPr id="10" name="TextBox 9">
@@ -11564,8 +12248,8 @@
           </p:sp>
         </mc:Fallback>
       </mc:AlternateContent>
-      <mc:AlternateContent xmlns:mc="http://schemas.openxmlformats.org/markup-compatibility/2006">
-        <mc:Choice xmlns:a14="http://schemas.microsoft.com/office/drawing/2010/main" Requires="a14">
+      <mc:AlternateContent xmlns:mc="http://schemas.openxmlformats.org/markup-compatibility/2006" xmlns:a14="http://schemas.microsoft.com/office/drawing/2010/main">
+        <mc:Choice Requires="a14">
           <p:sp>
             <p:nvSpPr>
               <p:cNvPr id="11" name="TextBox 10">
@@ -11594,6 +12278,7 @@
               </a:bodyPr>
               <a:lstStyle/>
               <a:p>
+                <a:pPr/>
                 <a14:m>
                   <m:oMathPara xmlns:m="http://schemas.openxmlformats.org/officeDocument/2006/math">
                     <m:oMathParaPr>
@@ -11651,7 +12336,7 @@
             </p:txBody>
           </p:sp>
         </mc:Choice>
-        <mc:Fallback>
+        <mc:Fallback xmlns="">
           <p:sp>
             <p:nvSpPr>
               <p:cNvPr id="11" name="TextBox 10">
@@ -11696,8 +12381,8 @@
           </p:sp>
         </mc:Fallback>
       </mc:AlternateContent>
-      <mc:AlternateContent xmlns:mc="http://schemas.openxmlformats.org/markup-compatibility/2006">
-        <mc:Choice xmlns:a14="http://schemas.microsoft.com/office/drawing/2010/main" Requires="a14">
+      <mc:AlternateContent xmlns:mc="http://schemas.openxmlformats.org/markup-compatibility/2006" xmlns:a14="http://schemas.microsoft.com/office/drawing/2010/main">
+        <mc:Choice Requires="a14">
           <p:sp>
             <p:nvSpPr>
               <p:cNvPr id="12" name="TextBox 11">
@@ -11726,6 +12411,7 @@
               </a:bodyPr>
               <a:lstStyle/>
               <a:p>
+                <a:pPr/>
                 <a14:m>
                   <m:oMathPara xmlns:m="http://schemas.openxmlformats.org/officeDocument/2006/math">
                     <m:oMathParaPr>
@@ -11783,7 +12469,7 @@
             </p:txBody>
           </p:sp>
         </mc:Choice>
-        <mc:Fallback>
+        <mc:Fallback xmlns="">
           <p:sp>
             <p:nvSpPr>
               <p:cNvPr id="12" name="TextBox 11">
@@ -16493,8 +17179,8 @@
           </p:style>
         </p:cxnSp>
       </p:grpSp>
-      <mc:AlternateContent xmlns:mc="http://schemas.openxmlformats.org/markup-compatibility/2006">
-        <mc:Choice xmlns:a14="http://schemas.microsoft.com/office/drawing/2010/main" Requires="a14">
+      <mc:AlternateContent xmlns:mc="http://schemas.openxmlformats.org/markup-compatibility/2006" xmlns:a14="http://schemas.microsoft.com/office/drawing/2010/main">
+        <mc:Choice Requires="a14">
           <p:sp>
             <p:nvSpPr>
               <p:cNvPr id="25" name="Content Placeholder 2">
@@ -16737,7 +17423,7 @@
             </p:txBody>
           </p:sp>
         </mc:Choice>
-        <mc:Fallback>
+        <mc:Fallback xmlns="">
           <p:sp>
             <p:nvSpPr>
               <p:cNvPr id="25" name="Content Placeholder 2">
@@ -20117,10 +20803,10 @@
       </p:grpSpPr>
       <p:sp>
         <p:nvSpPr>
-          <p:cNvPr id="4" name="Title 3">
-            <a:extLst>
-              <a:ext uri="{FF2B5EF4-FFF2-40B4-BE49-F238E27FC236}">
-                <a16:creationId xmlns:a16="http://schemas.microsoft.com/office/drawing/2014/main" id="{B812B297-E41E-A0AC-049A-304ADF0D7A25}"/>
+          <p:cNvPr id="2" name="Title 1">
+            <a:extLst>
+              <a:ext uri="{FF2B5EF4-FFF2-40B4-BE49-F238E27FC236}">
+                <a16:creationId xmlns:a16="http://schemas.microsoft.com/office/drawing/2014/main" id="{763FE8EA-6E3A-6BA5-658E-7737BD2E20DF}"/>
               </a:ext>
             </a:extLst>
           </p:cNvPr>
@@ -20137,164 +20823,257 @@
           <a:lstStyle/>
           <a:p>
             <a:r>
-              <a:rPr lang="sv-SE" dirty="0" err="1"/>
-              <a:t>Overview</a:t>
+              <a:rPr lang="sv-SE" dirty="0"/>
+              <a:t>Basics</a:t>
             </a:r>
             <a:endParaRPr lang="en-US" dirty="0"/>
           </a:p>
         </p:txBody>
       </p:sp>
-      <p:sp>
-        <p:nvSpPr>
-          <p:cNvPr id="5" name="Content Placeholder 4">
-            <a:extLst>
-              <a:ext uri="{FF2B5EF4-FFF2-40B4-BE49-F238E27FC236}">
-                <a16:creationId xmlns:a16="http://schemas.microsoft.com/office/drawing/2014/main" id="{23882C96-AE36-C7A1-8C28-B5A0215883A7}"/>
-              </a:ext>
-            </a:extLst>
-          </p:cNvPr>
-          <p:cNvSpPr>
-            <a:spLocks noGrp="1"/>
-          </p:cNvSpPr>
-          <p:nvPr>
-            <p:ph idx="1"/>
-          </p:nvPr>
-        </p:nvSpPr>
-        <p:spPr/>
-        <p:txBody>
-          <a:bodyPr/>
-          <a:lstStyle/>
-          <a:p>
-            <a:r>
-              <a:rPr lang="sv-SE" dirty="0" err="1"/>
-              <a:t>Frequentist</a:t>
-            </a:r>
-            <a:r>
-              <a:rPr lang="sv-SE" dirty="0"/>
-              <a:t> </a:t>
-            </a:r>
-            <a:r>
-              <a:rPr lang="sv-SE" dirty="0" err="1"/>
-              <a:t>methods</a:t>
-            </a:r>
-            <a:r>
-              <a:rPr lang="sv-SE" dirty="0"/>
-              <a:t> </a:t>
-            </a:r>
-            <a:r>
-              <a:rPr lang="sv-SE" dirty="0" err="1"/>
-              <a:t>are</a:t>
-            </a:r>
-            <a:r>
-              <a:rPr lang="sv-SE" dirty="0"/>
-              <a:t> the </a:t>
-            </a:r>
-            <a:r>
-              <a:rPr lang="sv-SE" dirty="0" err="1"/>
-              <a:t>state</a:t>
-            </a:r>
-            <a:r>
-              <a:rPr lang="sv-SE" dirty="0"/>
-              <a:t> </a:t>
-            </a:r>
-            <a:r>
-              <a:rPr lang="sv-SE" dirty="0" err="1"/>
-              <a:t>of</a:t>
-            </a:r>
-            <a:r>
-              <a:rPr lang="sv-SE" dirty="0"/>
-              <a:t> the art in software </a:t>
-            </a:r>
-            <a:r>
-              <a:rPr lang="sv-SE" dirty="0" err="1"/>
-              <a:t>engineering</a:t>
-            </a:r>
-            <a:r>
-              <a:rPr lang="sv-SE" dirty="0"/>
-              <a:t> research (</a:t>
-            </a:r>
-            <a:r>
-              <a:rPr lang="sv-SE" dirty="0" err="1"/>
-              <a:t>assumption</a:t>
-            </a:r>
-            <a:r>
-              <a:rPr lang="sv-SE" dirty="0"/>
-              <a:t>)</a:t>
-            </a:r>
-          </a:p>
-          <a:p>
-            <a:r>
-              <a:rPr lang="sv-SE" dirty="0" err="1"/>
-              <a:t>Out</a:t>
-            </a:r>
-            <a:r>
-              <a:rPr lang="sv-SE" dirty="0"/>
-              <a:t>-</a:t>
-            </a:r>
-            <a:r>
-              <a:rPr lang="sv-SE" dirty="0" err="1"/>
-              <a:t>of</a:t>
-            </a:r>
-            <a:r>
-              <a:rPr lang="sv-SE" dirty="0"/>
-              <a:t>-the-box </a:t>
-            </a:r>
-            <a:r>
-              <a:rPr lang="sv-SE" dirty="0" err="1"/>
-              <a:t>methods</a:t>
-            </a:r>
-            <a:r>
-              <a:rPr lang="sv-SE" dirty="0"/>
-              <a:t> (like </a:t>
-            </a:r>
-            <a:r>
-              <a:rPr lang="sv-SE" dirty="0" err="1"/>
-              <a:t>NHSTs</a:t>
-            </a:r>
-            <a:r>
-              <a:rPr lang="sv-SE" dirty="0"/>
-              <a:t>)</a:t>
-            </a:r>
-          </a:p>
-          <a:p>
-            <a:r>
-              <a:rPr lang="sv-SE" dirty="0" err="1"/>
-              <a:t>Popularity</a:t>
-            </a:r>
-            <a:r>
-              <a:rPr lang="sv-SE" dirty="0"/>
-              <a:t> </a:t>
-            </a:r>
-            <a:r>
-              <a:rPr lang="sv-SE" dirty="0" err="1"/>
-              <a:t>possibly</a:t>
-            </a:r>
-            <a:r>
-              <a:rPr lang="sv-SE" dirty="0"/>
-              <a:t> </a:t>
-            </a:r>
-            <a:r>
-              <a:rPr lang="sv-SE" dirty="0" err="1"/>
-              <a:t>stems</a:t>
-            </a:r>
-            <a:r>
-              <a:rPr lang="sv-SE" dirty="0"/>
-              <a:t> from Claes Wohlins </a:t>
-            </a:r>
-            <a:r>
-              <a:rPr lang="sv-SE" dirty="0" err="1"/>
-              <a:t>book</a:t>
-            </a:r>
-            <a:endParaRPr lang="en-US" dirty="0"/>
-          </a:p>
-        </p:txBody>
-      </p:sp>
-      <p:sp>
-        <p:nvSpPr>
-          <p:cNvPr id="2" name="Date Placeholder 1">
-            <a:extLst>
-              <a:ext uri="{FF2B5EF4-FFF2-40B4-BE49-F238E27FC236}">
-                <a16:creationId xmlns:a16="http://schemas.microsoft.com/office/drawing/2014/main" id="{F5AF9BCB-CE45-5CB9-5348-06DE4C533F8F}"/>
+      <mc:AlternateContent xmlns:mc="http://schemas.openxmlformats.org/markup-compatibility/2006">
+        <mc:Choice xmlns:a14="http://schemas.microsoft.com/office/drawing/2010/main" Requires="a14">
+          <p:sp>
+            <p:nvSpPr>
+              <p:cNvPr id="3" name="Content Placeholder 2">
+                <a:extLst>
+                  <a:ext uri="{FF2B5EF4-FFF2-40B4-BE49-F238E27FC236}">
+                    <a16:creationId xmlns:a16="http://schemas.microsoft.com/office/drawing/2014/main" id="{C298CB89-5438-AF65-9B07-BE2DE4CD6643}"/>
+                  </a:ext>
+                </a:extLst>
+              </p:cNvPr>
+              <p:cNvSpPr>
+                <a:spLocks noGrp="1"/>
+              </p:cNvSpPr>
+              <p:nvPr>
+                <p:ph idx="1"/>
+              </p:nvPr>
+            </p:nvSpPr>
+            <p:spPr/>
+            <p:txBody>
+              <a:bodyPr>
+                <a:normAutofit lnSpcReduction="10000"/>
+              </a:bodyPr>
+              <a:lstStyle/>
+              <a:p>
+                <a:pPr marL="0" indent="0">
+                  <a:buNone/>
+                </a:pPr>
+                <a:r>
+                  <a:rPr lang="en-US" dirty="0"/>
+                  <a:t>The basic tool of frequentist methods for data analysis is the </a:t>
+                </a:r>
+                <a:r>
+                  <a:rPr lang="en-US" b="1" dirty="0"/>
+                  <a:t>null-hypothesis significance test </a:t>
+                </a:r>
+                <a:r>
+                  <a:rPr lang="en-US" dirty="0"/>
+                  <a:t>(NHST). The basic approach is: </a:t>
+                </a:r>
+              </a:p>
+              <a:p>
+                <a:pPr marL="914400" lvl="1" indent="-457200">
+                  <a:buFont typeface="+mj-lt"/>
+                  <a:buAutoNum type="arabicPeriod"/>
+                </a:pPr>
+                <a:r>
+                  <a:rPr lang="en-US" dirty="0"/>
+                  <a:t>Formulate a </a:t>
+                </a:r>
+                <a:r>
+                  <a:rPr lang="en-US" b="1" dirty="0"/>
+                  <a:t>null-hypothesis</a:t>
+                </a:r>
+                <a:r>
+                  <a:rPr lang="en-US" dirty="0"/>
+                  <a:t> and alternate hypothesis</a:t>
+                </a:r>
+              </a:p>
+              <a:p>
+                <a:pPr marL="914400" lvl="1" indent="-457200">
+                  <a:buFont typeface="+mj-lt"/>
+                  <a:buAutoNum type="arabicPeriod"/>
+                </a:pPr>
+                <a:r>
+                  <a:rPr lang="en-US" dirty="0"/>
+                  <a:t>Select an appropriate </a:t>
+                </a:r>
+                <a:r>
+                  <a:rPr lang="en-US" b="1" dirty="0"/>
+                  <a:t>NHST variant</a:t>
+                </a:r>
+              </a:p>
+              <a:p>
+                <a:pPr marL="914400" lvl="1" indent="-457200">
+                  <a:buFont typeface="+mj-lt"/>
+                  <a:buAutoNum type="arabicPeriod"/>
+                </a:pPr>
+                <a:r>
+                  <a:rPr lang="en-US" b="1" dirty="0"/>
+                  <a:t>Stratify</a:t>
+                </a:r>
+                <a:r>
+                  <a:rPr lang="en-US" dirty="0"/>
+                  <a:t> the data by the independent variable</a:t>
+                </a:r>
+              </a:p>
+              <a:p>
+                <a:pPr marL="914400" lvl="1" indent="-457200">
+                  <a:buFont typeface="+mj-lt"/>
+                  <a:buAutoNum type="arabicPeriod"/>
+                </a:pPr>
+                <a:r>
+                  <a:rPr lang="en-US" dirty="0"/>
+                  <a:t>Perform the test, i.e., determine if there is a </a:t>
+                </a:r>
+                <a:r>
+                  <a:rPr lang="en-US" b="1" dirty="0"/>
+                  <a:t>statistically significant difference</a:t>
+                </a:r>
+                <a:r>
+                  <a:rPr lang="en-US" dirty="0"/>
+                  <a:t> in the distribution of the outcome variable between the strata</a:t>
+                </a:r>
+              </a:p>
+              <a:p>
+                <a:pPr marL="0" indent="0">
+                  <a:buNone/>
+                </a:pPr>
+                <a:r>
+                  <a:rPr lang="en-US" noProof="0" dirty="0"/>
+                  <a:t>The </a:t>
+                </a:r>
+                <a:r>
+                  <a:rPr lang="en-US" b="1" noProof="0" dirty="0"/>
+                  <a:t>p-value</a:t>
+                </a:r>
+                <a:r>
+                  <a:rPr lang="en-US" noProof="0" dirty="0"/>
+                  <a:t> represents the probability – under the null-hypothesis – of observing data </a:t>
+                </a:r>
+                <a:r>
+                  <a:rPr lang="en-US" i="1" noProof="0" dirty="0"/>
+                  <a:t>at least as extreme </a:t>
+                </a:r>
+                <a:r>
+                  <a:rPr lang="en-US" noProof="0" dirty="0"/>
+                  <a:t>as the ones that were actually observed.  If </a:t>
+                </a:r>
+                <a14:m>
+                  <m:oMath xmlns:m="http://schemas.openxmlformats.org/officeDocument/2006/math">
+                    <m:r>
+                      <a:rPr lang="en-US" b="0" i="1" noProof="0" smtClean="0">
+                        <a:latin typeface="Cambria Math" panose="02040503050406030204" pitchFamily="18" charset="0"/>
+                      </a:rPr>
+                      <m:t>𝑝</m:t>
+                    </m:r>
+                    <m:r>
+                      <a:rPr lang="en-US" b="0" i="1" noProof="0" smtClean="0">
+                        <a:latin typeface="Cambria Math" panose="02040503050406030204" pitchFamily="18" charset="0"/>
+                      </a:rPr>
+                      <m:t>&lt;</m:t>
+                    </m:r>
+                    <m:r>
+                      <a:rPr lang="en-US" b="0" i="1" noProof="0" smtClean="0">
+                        <a:latin typeface="Cambria Math" panose="02040503050406030204" pitchFamily="18" charset="0"/>
+                        <a:ea typeface="Cambria Math" panose="02040503050406030204" pitchFamily="18" charset="0"/>
+                      </a:rPr>
+                      <m:t>𝛼</m:t>
+                    </m:r>
+                  </m:oMath>
+                </a14:m>
+                <a:r>
+                  <a:rPr lang="en-US" noProof="0" dirty="0"/>
+                  <a:t> then </a:t>
+                </a:r>
+                <a14:m>
+                  <m:oMath xmlns:m="http://schemas.openxmlformats.org/officeDocument/2006/math">
+                    <m:sSub>
+                      <m:sSubPr>
+                        <m:ctrlPr>
+                          <a:rPr lang="en-US" b="0" i="1" noProof="0" smtClean="0">
+                            <a:latin typeface="Cambria Math" panose="02040503050406030204" pitchFamily="18" charset="0"/>
+                          </a:rPr>
+                        </m:ctrlPr>
+                      </m:sSubPr>
+                      <m:e>
+                        <m:r>
+                          <a:rPr lang="en-US" b="0" i="1" noProof="0" smtClean="0">
+                            <a:latin typeface="Cambria Math" panose="02040503050406030204" pitchFamily="18" charset="0"/>
+                          </a:rPr>
+                          <m:t>h</m:t>
+                        </m:r>
+                      </m:e>
+                      <m:sub>
+                        <m:r>
+                          <a:rPr lang="en-US" b="0" i="1" noProof="0" smtClean="0">
+                            <a:latin typeface="Cambria Math" panose="02040503050406030204" pitchFamily="18" charset="0"/>
+                          </a:rPr>
+                          <m:t>0</m:t>
+                        </m:r>
+                      </m:sub>
+                    </m:sSub>
+                  </m:oMath>
+                </a14:m>
+                <a:r>
+                  <a:rPr lang="en-US" noProof="0" dirty="0"/>
+                  <a:t> is an unlikely explanation for the</a:t>
+                </a:r>
+                <a:r>
+                  <a:rPr lang="en-US" dirty="0"/>
+                  <a:t> data and it can be rejected.</a:t>
+                </a:r>
+                <a:endParaRPr lang="en-US" noProof="0" dirty="0"/>
+              </a:p>
+            </p:txBody>
+          </p:sp>
+        </mc:Choice>
+        <mc:Fallback>
+          <p:sp>
+            <p:nvSpPr>
+              <p:cNvPr id="3" name="Content Placeholder 2">
+                <a:extLst>
+                  <a:ext uri="{FF2B5EF4-FFF2-40B4-BE49-F238E27FC236}">
+                    <a16:creationId xmlns:a16="http://schemas.microsoft.com/office/drawing/2014/main" id="{C298CB89-5438-AF65-9B07-BE2DE4CD6643}"/>
+                  </a:ext>
+                </a:extLst>
+              </p:cNvPr>
+              <p:cNvSpPr>
+                <a:spLocks noGrp="1" noRot="1" noChangeAspect="1" noMove="1" noResize="1" noEditPoints="1" noAdjustHandles="1" noChangeArrowheads="1" noChangeShapeType="1" noTextEdit="1"/>
+              </p:cNvSpPr>
+              <p:nvPr>
+                <p:ph idx="1"/>
+              </p:nvPr>
+            </p:nvSpPr>
+            <p:spPr>
+              <a:blipFill>
+                <a:blip r:embed="rId2"/>
+                <a:stretch>
+                  <a:fillRect l="-1217" t="-3081" r="-812" b="-2521"/>
+                </a:stretch>
+              </a:blipFill>
+            </p:spPr>
+            <p:txBody>
+              <a:bodyPr/>
+              <a:lstStyle/>
+              <a:p>
+                <a:r>
+                  <a:rPr lang="en-US">
+                    <a:noFill/>
+                  </a:rPr>
+                  <a:t> </a:t>
+                </a:r>
+              </a:p>
+            </p:txBody>
+          </p:sp>
+        </mc:Fallback>
+      </mc:AlternateContent>
+      <p:sp>
+        <p:nvSpPr>
+          <p:cNvPr id="4" name="Date Placeholder 3">
+            <a:extLst>
+              <a:ext uri="{FF2B5EF4-FFF2-40B4-BE49-F238E27FC236}">
+                <a16:creationId xmlns:a16="http://schemas.microsoft.com/office/drawing/2014/main" id="{9A07BE34-FDB7-8E5B-38EB-CD34F0EAA3F4}"/>
               </a:ext>
             </a:extLst>
           </p:cNvPr>
@@ -20319,10 +21098,10 @@
       </p:sp>
       <p:sp>
         <p:nvSpPr>
-          <p:cNvPr id="3" name="Footer Placeholder 2">
-            <a:extLst>
-              <a:ext uri="{FF2B5EF4-FFF2-40B4-BE49-F238E27FC236}">
-                <a16:creationId xmlns:a16="http://schemas.microsoft.com/office/drawing/2014/main" id="{768015E3-4313-607D-115E-731229AB3CEA}"/>
+          <p:cNvPr id="5" name="Footer Placeholder 4">
+            <a:extLst>
+              <a:ext uri="{FF2B5EF4-FFF2-40B4-BE49-F238E27FC236}">
+                <a16:creationId xmlns:a16="http://schemas.microsoft.com/office/drawing/2014/main" id="{454DB61D-CE38-66E6-E6C7-82EB92E5ED7E}"/>
               </a:ext>
             </a:extLst>
           </p:cNvPr>
@@ -20350,7 +21129,7 @@
           <p:cNvPr id="6" name="Slide Number Placeholder 5">
             <a:extLst>
               <a:ext uri="{FF2B5EF4-FFF2-40B4-BE49-F238E27FC236}">
-                <a16:creationId xmlns:a16="http://schemas.microsoft.com/office/drawing/2014/main" id="{E5E911B1-50B2-F408-3657-31A22C9A966D}"/>
+                <a16:creationId xmlns:a16="http://schemas.microsoft.com/office/drawing/2014/main" id="{D4335E79-1584-D8A2-9182-3E4E56470C21}"/>
               </a:ext>
             </a:extLst>
           </p:cNvPr>
@@ -20377,7 +21156,7 @@
     </p:spTree>
     <p:extLst>
       <p:ext uri="{BB962C8B-B14F-4D97-AF65-F5344CB8AC3E}">
-        <p14:creationId xmlns:p14="http://schemas.microsoft.com/office/powerpoint/2010/main" val="123990365"/>
+        <p14:creationId xmlns:p14="http://schemas.microsoft.com/office/powerpoint/2010/main" val="2796888047"/>
       </p:ext>
     </p:extLst>
   </p:cSld>
@@ -20409,7 +21188,7 @@
           <p:cNvPr id="2" name="Title 1">
             <a:extLst>
               <a:ext uri="{FF2B5EF4-FFF2-40B4-BE49-F238E27FC236}">
-                <a16:creationId xmlns:a16="http://schemas.microsoft.com/office/drawing/2014/main" id="{763FE8EA-6E3A-6BA5-658E-7737BD2E20DF}"/>
+                <a16:creationId xmlns:a16="http://schemas.microsoft.com/office/drawing/2014/main" id="{F9C57B2E-7188-71F6-DBBD-B203A4554C0E}"/>
               </a:ext>
             </a:extLst>
           </p:cNvPr>
@@ -20426,307 +21205,54 @@
           <a:lstStyle/>
           <a:p>
             <a:r>
-              <a:rPr lang="sv-SE" dirty="0"/>
-              <a:t>Basics</a:t>
-            </a:r>
-            <a:endParaRPr lang="en-US" dirty="0"/>
-          </a:p>
-        </p:txBody>
-      </p:sp>
-      <mc:AlternateContent xmlns:mc="http://schemas.openxmlformats.org/markup-compatibility/2006" xmlns:a14="http://schemas.microsoft.com/office/drawing/2010/main">
-        <mc:Choice Requires="a14">
-          <p:sp>
-            <p:nvSpPr>
-              <p:cNvPr id="3" name="Content Placeholder 2">
-                <a:extLst>
-                  <a:ext uri="{FF2B5EF4-FFF2-40B4-BE49-F238E27FC236}">
-                    <a16:creationId xmlns:a16="http://schemas.microsoft.com/office/drawing/2014/main" id="{C298CB89-5438-AF65-9B07-BE2DE4CD6643}"/>
-                  </a:ext>
-                </a:extLst>
-              </p:cNvPr>
-              <p:cNvSpPr>
-                <a:spLocks noGrp="1"/>
-              </p:cNvSpPr>
-              <p:nvPr>
-                <p:ph idx="1"/>
-              </p:nvPr>
-            </p:nvSpPr>
-            <p:spPr/>
-            <p:txBody>
-              <a:bodyPr>
-                <a:normAutofit fontScale="92500" lnSpcReduction="20000"/>
-              </a:bodyPr>
-              <a:lstStyle/>
-              <a:p>
-                <a:r>
-                  <a:rPr lang="sv-SE" dirty="0"/>
-                  <a:t>Basic </a:t>
-                </a:r>
-                <a:r>
-                  <a:rPr lang="sv-SE" dirty="0" err="1"/>
-                  <a:t>tool</a:t>
-                </a:r>
-                <a:r>
-                  <a:rPr lang="sv-SE" dirty="0"/>
-                  <a:t>: </a:t>
-                </a:r>
-                <a:r>
-                  <a:rPr lang="sv-SE" dirty="0" err="1"/>
-                  <a:t>null-hypothesis</a:t>
-                </a:r>
-                <a:r>
-                  <a:rPr lang="sv-SE" dirty="0"/>
-                  <a:t> </a:t>
-                </a:r>
-                <a:r>
-                  <a:rPr lang="sv-SE" dirty="0" err="1"/>
-                  <a:t>significance</a:t>
-                </a:r>
-                <a:r>
-                  <a:rPr lang="sv-SE" dirty="0"/>
-                  <a:t> test</a:t>
-                </a:r>
-              </a:p>
-              <a:p>
-                <a:r>
-                  <a:rPr lang="sv-SE" dirty="0"/>
-                  <a:t>Variants: t-test, </a:t>
-                </a:r>
-                <a:r>
-                  <a:rPr lang="sv-SE" dirty="0" err="1"/>
-                  <a:t>Kruskal</a:t>
-                </a:r>
-                <a:r>
-                  <a:rPr lang="sv-SE" dirty="0"/>
-                  <a:t> Wallis, Mann Whitney U, …</a:t>
-                </a:r>
-              </a:p>
-              <a:p>
-                <a:r>
-                  <a:rPr lang="sv-SE" dirty="0"/>
-                  <a:t>Basic approach: </a:t>
-                </a:r>
-              </a:p>
-              <a:p>
-                <a:pPr marL="914400" lvl="1" indent="-457200">
-                  <a:buFont typeface="+mj-lt"/>
-                  <a:buAutoNum type="arabicPeriod"/>
-                </a:pPr>
-                <a:r>
-                  <a:rPr lang="sv-SE" dirty="0" err="1"/>
-                  <a:t>Formulate</a:t>
-                </a:r>
-                <a:r>
-                  <a:rPr lang="sv-SE" dirty="0"/>
-                  <a:t> a </a:t>
-                </a:r>
-                <a:r>
-                  <a:rPr lang="sv-SE" dirty="0" err="1"/>
-                  <a:t>null-hypothesis</a:t>
-                </a:r>
-                <a:r>
-                  <a:rPr lang="sv-SE" dirty="0"/>
-                  <a:t> and </a:t>
-                </a:r>
-                <a:r>
-                  <a:rPr lang="sv-SE" dirty="0" err="1"/>
-                  <a:t>alternate</a:t>
-                </a:r>
-                <a:r>
-                  <a:rPr lang="sv-SE" dirty="0"/>
-                  <a:t> </a:t>
-                </a:r>
-                <a:r>
-                  <a:rPr lang="sv-SE" dirty="0" err="1"/>
-                  <a:t>hypothesis</a:t>
-                </a:r>
-                <a:endParaRPr lang="sv-SE" dirty="0"/>
-              </a:p>
-              <a:p>
-                <a:pPr marL="914400" lvl="1" indent="-457200">
-                  <a:buFont typeface="+mj-lt"/>
-                  <a:buAutoNum type="arabicPeriod"/>
-                </a:pPr>
-                <a:r>
-                  <a:rPr lang="sv-SE" dirty="0" err="1"/>
-                  <a:t>select</a:t>
-                </a:r>
-                <a:r>
-                  <a:rPr lang="sv-SE" dirty="0"/>
-                  <a:t> an </a:t>
-                </a:r>
-                <a:r>
-                  <a:rPr lang="sv-SE" dirty="0" err="1"/>
-                  <a:t>appropriate</a:t>
-                </a:r>
-                <a:r>
-                  <a:rPr lang="sv-SE" dirty="0"/>
-                  <a:t> variant</a:t>
-                </a:r>
-                <a:endParaRPr lang="en-US" dirty="0"/>
-              </a:p>
-              <a:p>
-                <a:pPr marL="914400" lvl="1" indent="-457200">
-                  <a:buFont typeface="+mj-lt"/>
-                  <a:buAutoNum type="arabicPeriod"/>
-                </a:pPr>
-                <a:r>
-                  <a:rPr lang="en-US" dirty="0"/>
-                  <a:t>Stratify the data by the independent variable</a:t>
-                </a:r>
-              </a:p>
-              <a:p>
-                <a:pPr marL="914400" lvl="1" indent="-457200">
-                  <a:buFont typeface="+mj-lt"/>
-                  <a:buAutoNum type="arabicPeriod"/>
-                </a:pPr>
-                <a:r>
-                  <a:rPr lang="en-US" dirty="0"/>
-                  <a:t>Perform the test, i.e., determine if there is a statistically significant difference in the distribution of the outcome variable between the strata</a:t>
-                </a:r>
-              </a:p>
-              <a:p>
-                <a:r>
-                  <a:rPr lang="en-US" noProof="0" dirty="0"/>
-                  <a:t>The </a:t>
-                </a:r>
-                <a:r>
-                  <a:rPr lang="en-US" b="1" noProof="0" dirty="0"/>
-                  <a:t>p-value</a:t>
-                </a:r>
-                <a:r>
-                  <a:rPr lang="en-US" noProof="0" dirty="0"/>
-                  <a:t> represents the probability – under the null-hypothesis – of observing data </a:t>
-                </a:r>
-                <a:r>
-                  <a:rPr lang="en-US" i="1" noProof="0" dirty="0"/>
-                  <a:t>at least as extreme </a:t>
-                </a:r>
-                <a:r>
-                  <a:rPr lang="en-US" noProof="0" dirty="0"/>
-                  <a:t>as the ones that were actually observed. </a:t>
-                </a:r>
-              </a:p>
-              <a:p>
-                <a:r>
-                  <a:rPr lang="en-US" noProof="0" dirty="0"/>
-                  <a:t>If </a:t>
-                </a:r>
-                <a14:m>
-                  <m:oMath xmlns:m="http://schemas.openxmlformats.org/officeDocument/2006/math">
-                    <m:r>
-                      <a:rPr lang="sv-SE" b="0" i="1" noProof="0" smtClean="0">
-                        <a:latin typeface="Cambria Math" panose="02040503050406030204" pitchFamily="18" charset="0"/>
-                      </a:rPr>
-                      <m:t>𝑝</m:t>
-                    </m:r>
-                    <m:r>
-                      <a:rPr lang="sv-SE" b="0" i="1" noProof="0" smtClean="0">
-                        <a:latin typeface="Cambria Math" panose="02040503050406030204" pitchFamily="18" charset="0"/>
-                      </a:rPr>
-                      <m:t>&lt;</m:t>
-                    </m:r>
-                    <m:r>
-                      <a:rPr lang="sv-SE" b="0" i="1" noProof="0" smtClean="0">
-                        <a:latin typeface="Cambria Math" panose="02040503050406030204" pitchFamily="18" charset="0"/>
-                        <a:ea typeface="Cambria Math" panose="02040503050406030204" pitchFamily="18" charset="0"/>
-                      </a:rPr>
-                      <m:t>𝛼</m:t>
-                    </m:r>
-                  </m:oMath>
-                </a14:m>
-                <a:r>
-                  <a:rPr lang="en-US" noProof="0" dirty="0"/>
-                  <a:t> then </a:t>
-                </a:r>
-                <a14:m>
-                  <m:oMath xmlns:m="http://schemas.openxmlformats.org/officeDocument/2006/math">
-                    <m:sSub>
-                      <m:sSubPr>
-                        <m:ctrlPr>
-                          <a:rPr lang="sv-SE" b="0" i="1" noProof="0" smtClean="0">
-                            <a:latin typeface="Cambria Math" panose="02040503050406030204" pitchFamily="18" charset="0"/>
-                          </a:rPr>
-                        </m:ctrlPr>
-                      </m:sSubPr>
-                      <m:e>
-                        <m:r>
-                          <a:rPr lang="sv-SE" b="0" i="1" noProof="0" smtClean="0">
-                            <a:latin typeface="Cambria Math" panose="02040503050406030204" pitchFamily="18" charset="0"/>
-                          </a:rPr>
-                          <m:t>h</m:t>
-                        </m:r>
-                      </m:e>
-                      <m:sub>
-                        <m:r>
-                          <a:rPr lang="sv-SE" b="0" i="1" noProof="0" smtClean="0">
-                            <a:latin typeface="Cambria Math" panose="02040503050406030204" pitchFamily="18" charset="0"/>
-                          </a:rPr>
-                          <m:t>0</m:t>
-                        </m:r>
-                      </m:sub>
-                    </m:sSub>
-                  </m:oMath>
-                </a14:m>
-                <a:r>
-                  <a:rPr lang="en-US" noProof="0" dirty="0"/>
-                  <a:t> is an unlikely explanation for the</a:t>
-                </a:r>
-                <a:r>
-                  <a:rPr lang="en-US" dirty="0"/>
-                  <a:t> data and it can be rejected.</a:t>
-                </a:r>
-                <a:endParaRPr lang="en-US" noProof="0" dirty="0"/>
-              </a:p>
-            </p:txBody>
-          </p:sp>
-        </mc:Choice>
-        <mc:Fallback xmlns="">
-          <p:sp>
-            <p:nvSpPr>
-              <p:cNvPr id="3" name="Content Placeholder 2">
-                <a:extLst>
-                  <a:ext uri="{FF2B5EF4-FFF2-40B4-BE49-F238E27FC236}">
-                    <a16:creationId xmlns:a16="http://schemas.microsoft.com/office/drawing/2014/main" id="{C298CB89-5438-AF65-9B07-BE2DE4CD6643}"/>
-                  </a:ext>
-                </a:extLst>
-              </p:cNvPr>
-              <p:cNvSpPr>
-                <a:spLocks noGrp="1" noRot="1" noChangeAspect="1" noMove="1" noResize="1" noEditPoints="1" noAdjustHandles="1" noChangeArrowheads="1" noChangeShapeType="1" noTextEdit="1"/>
-              </p:cNvSpPr>
-              <p:nvPr>
-                <p:ph idx="1"/>
-              </p:nvPr>
-            </p:nvSpPr>
-            <p:spPr>
-              <a:blipFill>
-                <a:blip r:embed="rId2"/>
-                <a:stretch>
-                  <a:fillRect l="-928" t="-3501" b="-1681"/>
-                </a:stretch>
-              </a:blipFill>
-            </p:spPr>
-            <p:txBody>
-              <a:bodyPr/>
-              <a:lstStyle/>
-              <a:p>
-                <a:r>
-                  <a:rPr lang="en-US">
-                    <a:noFill/>
-                  </a:rPr>
-                  <a:t> </a:t>
-                </a:r>
-              </a:p>
-            </p:txBody>
-          </p:sp>
-        </mc:Fallback>
-      </mc:AlternateContent>
+              <a:rPr lang="en-US" dirty="0"/>
+              <a:t>Issues</a:t>
+            </a:r>
+          </a:p>
+        </p:txBody>
+      </p:sp>
+      <p:sp>
+        <p:nvSpPr>
+          <p:cNvPr id="19" name="Content Placeholder 18">
+            <a:extLst>
+              <a:ext uri="{FF2B5EF4-FFF2-40B4-BE49-F238E27FC236}">
+                <a16:creationId xmlns:a16="http://schemas.microsoft.com/office/drawing/2014/main" id="{6E5B20EE-50BF-B09E-405E-F464303AEFEB}"/>
+              </a:ext>
+            </a:extLst>
+          </p:cNvPr>
+          <p:cNvSpPr>
+            <a:spLocks noGrp="1"/>
+          </p:cNvSpPr>
+          <p:nvPr>
+            <p:ph idx="1"/>
+          </p:nvPr>
+        </p:nvSpPr>
+        <p:spPr>
+          <a:xfrm>
+            <a:off x="838200" y="1825625"/>
+            <a:ext cx="10515600" cy="1012324"/>
+          </a:xfrm>
+        </p:spPr>
+        <p:txBody>
+          <a:bodyPr/>
+          <a:lstStyle/>
+          <a:p>
+            <a:pPr marL="0" indent="0">
+              <a:buNone/>
+            </a:pPr>
+            <a:r>
+              <a:rPr lang="en-US" dirty="0"/>
+              <a:t>Frequentist methods are under critique for at least the following three reasons.</a:t>
+            </a:r>
+          </a:p>
+        </p:txBody>
+      </p:sp>
       <p:sp>
         <p:nvSpPr>
           <p:cNvPr id="4" name="Date Placeholder 3">
             <a:extLst>
               <a:ext uri="{FF2B5EF4-FFF2-40B4-BE49-F238E27FC236}">
-                <a16:creationId xmlns:a16="http://schemas.microsoft.com/office/drawing/2014/main" id="{9A07BE34-FDB7-8E5B-38EB-CD34F0EAA3F4}"/>
+                <a16:creationId xmlns:a16="http://schemas.microsoft.com/office/drawing/2014/main" id="{E16D03E6-23FC-A61A-60AB-1C1036B30E20}"/>
               </a:ext>
             </a:extLst>
           </p:cNvPr>
@@ -20754,7 +21280,7 @@
           <p:cNvPr id="5" name="Footer Placeholder 4">
             <a:extLst>
               <a:ext uri="{FF2B5EF4-FFF2-40B4-BE49-F238E27FC236}">
-                <a16:creationId xmlns:a16="http://schemas.microsoft.com/office/drawing/2014/main" id="{454DB61D-CE38-66E6-E6C7-82EB92E5ED7E}"/>
+                <a16:creationId xmlns:a16="http://schemas.microsoft.com/office/drawing/2014/main" id="{8A9F93C5-1BE2-6E96-8E72-6F8A75A414B8}"/>
               </a:ext>
             </a:extLst>
           </p:cNvPr>
@@ -20782,7 +21308,7 @@
           <p:cNvPr id="6" name="Slide Number Placeholder 5">
             <a:extLst>
               <a:ext uri="{FF2B5EF4-FFF2-40B4-BE49-F238E27FC236}">
-                <a16:creationId xmlns:a16="http://schemas.microsoft.com/office/drawing/2014/main" id="{D4335E79-1584-D8A2-9182-3E4E56470C21}"/>
+                <a16:creationId xmlns:a16="http://schemas.microsoft.com/office/drawing/2014/main" id="{ABC4C470-D98D-0639-8A2C-600451F8AB9B}"/>
               </a:ext>
             </a:extLst>
           </p:cNvPr>
@@ -20806,236 +21332,470 @@
           </a:p>
         </p:txBody>
       </p:sp>
-    </p:spTree>
-    <p:extLst>
-      <p:ext uri="{BB962C8B-B14F-4D97-AF65-F5344CB8AC3E}">
-        <p14:creationId xmlns:p14="http://schemas.microsoft.com/office/powerpoint/2010/main" val="2796888047"/>
-      </p:ext>
-    </p:extLst>
-  </p:cSld>
-  <p:clrMapOvr>
-    <a:masterClrMapping/>
-  </p:clrMapOvr>
-</p:sld>
-</file>
-
-<file path=ppt/slides/slide44.xml><?xml version="1.0" encoding="utf-8"?>
-<p:sld xmlns:a="http://schemas.openxmlformats.org/drawingml/2006/main" xmlns:r="http://schemas.openxmlformats.org/officeDocument/2006/relationships" xmlns:p="http://schemas.openxmlformats.org/presentationml/2006/main">
-  <p:cSld>
-    <p:spTree>
-      <p:nvGrpSpPr>
-        <p:cNvPr id="1" name=""/>
-        <p:cNvGrpSpPr/>
-        <p:nvPr/>
-      </p:nvGrpSpPr>
-      <p:grpSpPr>
-        <a:xfrm>
-          <a:off x="0" y="0"/>
-          <a:ext cx="0" cy="0"/>
-          <a:chOff x="0" y="0"/>
-          <a:chExt cx="0" cy="0"/>
-        </a:xfrm>
-      </p:grpSpPr>
-      <p:sp>
-        <p:nvSpPr>
-          <p:cNvPr id="2" name="Title 1">
-            <a:extLst>
-              <a:ext uri="{FF2B5EF4-FFF2-40B4-BE49-F238E27FC236}">
-                <a16:creationId xmlns:a16="http://schemas.microsoft.com/office/drawing/2014/main" id="{F9C57B2E-7188-71F6-DBBD-B203A4554C0E}"/>
-              </a:ext>
-            </a:extLst>
-          </p:cNvPr>
-          <p:cNvSpPr>
-            <a:spLocks noGrp="1"/>
-          </p:cNvSpPr>
-          <p:nvPr>
-            <p:ph type="title"/>
-          </p:nvPr>
-        </p:nvSpPr>
-        <p:spPr/>
-        <p:txBody>
-          <a:bodyPr/>
-          <a:lstStyle/>
-          <a:p>
-            <a:r>
-              <a:rPr lang="sv-SE" dirty="0" err="1"/>
-              <a:t>Issues</a:t>
-            </a:r>
-            <a:endParaRPr lang="en-US" dirty="0"/>
-          </a:p>
-        </p:txBody>
-      </p:sp>
-      <p:sp>
-        <p:nvSpPr>
-          <p:cNvPr id="3" name="Content Placeholder 2">
-            <a:extLst>
-              <a:ext uri="{FF2B5EF4-FFF2-40B4-BE49-F238E27FC236}">
-                <a16:creationId xmlns:a16="http://schemas.microsoft.com/office/drawing/2014/main" id="{97939CDF-DEF1-E697-8391-377856D3BE10}"/>
-              </a:ext>
-            </a:extLst>
-          </p:cNvPr>
-          <p:cNvSpPr>
-            <a:spLocks noGrp="1"/>
-          </p:cNvSpPr>
-          <p:nvPr>
-            <p:ph idx="1"/>
-          </p:nvPr>
-        </p:nvSpPr>
-        <p:spPr/>
-        <p:txBody>
-          <a:bodyPr/>
-          <a:lstStyle/>
-          <a:p>
-            <a:pPr marL="514350" indent="-514350">
-              <a:buFont typeface="+mj-lt"/>
-              <a:buAutoNum type="arabicPeriod"/>
-            </a:pPr>
-            <a:r>
-              <a:rPr lang="sv-SE" dirty="0"/>
-              <a:t>The </a:t>
-            </a:r>
-            <a:r>
-              <a:rPr lang="sv-SE" dirty="0" err="1"/>
-              <a:t>selection</a:t>
-            </a:r>
-            <a:r>
-              <a:rPr lang="sv-SE" dirty="0"/>
-              <a:t> </a:t>
-            </a:r>
-            <a:r>
-              <a:rPr lang="sv-SE" dirty="0" err="1"/>
-              <a:t>of</a:t>
-            </a:r>
-            <a:r>
-              <a:rPr lang="sv-SE" dirty="0"/>
-              <a:t> the </a:t>
-            </a:r>
-            <a:r>
-              <a:rPr lang="sv-SE" dirty="0" err="1"/>
-              <a:t>significance</a:t>
-            </a:r>
-            <a:r>
-              <a:rPr lang="sv-SE" dirty="0"/>
-              <a:t> </a:t>
-            </a:r>
-            <a:r>
-              <a:rPr lang="sv-SE" dirty="0" err="1"/>
-              <a:t>level</a:t>
-            </a:r>
-            <a:r>
-              <a:rPr lang="sv-SE" dirty="0"/>
-              <a:t> is </a:t>
-            </a:r>
-            <a:r>
-              <a:rPr lang="sv-SE" dirty="0" err="1"/>
-              <a:t>arbitrary</a:t>
-            </a:r>
-            <a:endParaRPr lang="sv-SE" dirty="0"/>
-          </a:p>
-          <a:p>
-            <a:pPr marL="514350" indent="-514350">
-              <a:buFont typeface="+mj-lt"/>
-              <a:buAutoNum type="arabicPeriod"/>
-            </a:pPr>
-            <a:r>
-              <a:rPr lang="en-US" dirty="0"/>
-              <a:t>The answer to a research question is a scalar summary, i.e., binary (significant difference or no significant difference)</a:t>
-            </a:r>
-          </a:p>
-          <a:p>
-            <a:pPr marL="514350" indent="-514350">
-              <a:buFont typeface="+mj-lt"/>
-              <a:buAutoNum type="arabicPeriod"/>
-            </a:pPr>
-            <a:r>
-              <a:rPr lang="en-US" dirty="0"/>
-              <a:t>Frequentist approaches use an unsound extension of the modus tollens</a:t>
-            </a:r>
-          </a:p>
-        </p:txBody>
-      </p:sp>
-      <p:sp>
-        <p:nvSpPr>
-          <p:cNvPr id="4" name="Date Placeholder 3">
-            <a:extLst>
-              <a:ext uri="{FF2B5EF4-FFF2-40B4-BE49-F238E27FC236}">
-                <a16:creationId xmlns:a16="http://schemas.microsoft.com/office/drawing/2014/main" id="{E16D03E6-23FC-A61A-60AB-1C1036B30E20}"/>
-              </a:ext>
-            </a:extLst>
-          </p:cNvPr>
-          <p:cNvSpPr>
-            <a:spLocks noGrp="1"/>
-          </p:cNvSpPr>
-          <p:nvPr>
-            <p:ph type="dt" sz="half" idx="10"/>
-          </p:nvPr>
-        </p:nvSpPr>
-        <p:spPr/>
-        <p:txBody>
-          <a:bodyPr/>
-          <a:lstStyle/>
-          <a:p>
-            <a:r>
-              <a:rPr lang="en-US"/>
-              <a:t>2024-10-17</a:t>
-            </a:r>
-          </a:p>
-        </p:txBody>
-      </p:sp>
-      <p:sp>
-        <p:nvSpPr>
-          <p:cNvPr id="5" name="Footer Placeholder 4">
-            <a:extLst>
-              <a:ext uri="{FF2B5EF4-FFF2-40B4-BE49-F238E27FC236}">
-                <a16:creationId xmlns:a16="http://schemas.microsoft.com/office/drawing/2014/main" id="{8A9F93C5-1BE2-6E96-8E72-6F8A75A414B8}"/>
-              </a:ext>
-            </a:extLst>
-          </p:cNvPr>
-          <p:cNvSpPr>
-            <a:spLocks noGrp="1"/>
-          </p:cNvSpPr>
-          <p:nvPr>
-            <p:ph type="ftr" sz="quarter" idx="11"/>
-          </p:nvPr>
-        </p:nvSpPr>
-        <p:spPr/>
-        <p:txBody>
-          <a:bodyPr/>
-          <a:lstStyle/>
-          <a:p>
-            <a:r>
-              <a:rPr lang="en-US"/>
-              <a:t>Bayesian Data Analysis for Statistical Causal Inference</a:t>
-            </a:r>
-          </a:p>
-        </p:txBody>
-      </p:sp>
-      <p:sp>
-        <p:nvSpPr>
-          <p:cNvPr id="6" name="Slide Number Placeholder 5">
-            <a:extLst>
-              <a:ext uri="{FF2B5EF4-FFF2-40B4-BE49-F238E27FC236}">
-                <a16:creationId xmlns:a16="http://schemas.microsoft.com/office/drawing/2014/main" id="{ABC4C470-D98D-0639-8A2C-600451F8AB9B}"/>
-              </a:ext>
-            </a:extLst>
-          </p:cNvPr>
-          <p:cNvSpPr>
-            <a:spLocks noGrp="1"/>
-          </p:cNvSpPr>
-          <p:nvPr>
-            <p:ph type="sldNum" sz="quarter" idx="12"/>
-          </p:nvPr>
-        </p:nvSpPr>
-        <p:spPr/>
-        <p:txBody>
-          <a:bodyPr/>
-          <a:lstStyle/>
-          <a:p>
-            <a:fld id="{C6EBE6D1-86F0-4C3A-8077-EBA4C5B4BE81}" type="slidenum">
-              <a:rPr lang="en-US" smtClean="0"/>
-              <a:t>44</a:t>
-            </a:fld>
-            <a:endParaRPr lang="en-US"/>
+      <p:grpSp>
+        <p:nvGrpSpPr>
+          <p:cNvPr id="7" name="Group 6">
+            <a:extLst>
+              <a:ext uri="{FF2B5EF4-FFF2-40B4-BE49-F238E27FC236}">
+                <a16:creationId xmlns:a16="http://schemas.microsoft.com/office/drawing/2014/main" id="{4AB53D48-622A-DDBF-303F-5EAD6B366E51}"/>
+              </a:ext>
+            </a:extLst>
+          </p:cNvPr>
+          <p:cNvGrpSpPr/>
+          <p:nvPr/>
+        </p:nvGrpSpPr>
+        <p:grpSpPr>
+          <a:xfrm>
+            <a:off x="2501400" y="3098529"/>
+            <a:ext cx="1080000" cy="1080000"/>
+            <a:chOff x="2501400" y="3098529"/>
+            <a:chExt cx="1080000" cy="1080000"/>
+          </a:xfrm>
+        </p:grpSpPr>
+        <p:sp>
+          <p:nvSpPr>
+            <p:cNvPr id="8" name="Oval 7">
+              <a:extLst>
+                <a:ext uri="{FF2B5EF4-FFF2-40B4-BE49-F238E27FC236}">
+                  <a16:creationId xmlns:a16="http://schemas.microsoft.com/office/drawing/2014/main" id="{381D6716-7192-8A02-AF0D-6A3A1E7E63AF}"/>
+                </a:ext>
+              </a:extLst>
+            </p:cNvPr>
+            <p:cNvSpPr/>
+            <p:nvPr/>
+          </p:nvSpPr>
+          <p:spPr>
+            <a:xfrm>
+              <a:off x="2501400" y="3098529"/>
+              <a:ext cx="1080000" cy="1080000"/>
+            </a:xfrm>
+            <a:prstGeom prst="ellipse">
+              <a:avLst/>
+            </a:prstGeom>
+            <a:solidFill>
+              <a:srgbClr val="C00000"/>
+            </a:solidFill>
+            <a:ln>
+              <a:noFill/>
+            </a:ln>
+            <a:effectLst>
+              <a:outerShdw blurRad="50800" dist="38100" dir="2700000" algn="tl" rotWithShape="0">
+                <a:prstClr val="black">
+                  <a:alpha val="40000"/>
+                </a:prstClr>
+              </a:outerShdw>
+            </a:effectLst>
+          </p:spPr>
+          <p:style>
+            <a:lnRef idx="2">
+              <a:schemeClr val="accent1">
+                <a:shade val="15000"/>
+              </a:schemeClr>
+            </a:lnRef>
+            <a:fillRef idx="1">
+              <a:schemeClr val="accent1"/>
+            </a:fillRef>
+            <a:effectRef idx="0">
+              <a:schemeClr val="accent1"/>
+            </a:effectRef>
+            <a:fontRef idx="minor">
+              <a:schemeClr val="lt1"/>
+            </a:fontRef>
+          </p:style>
+          <p:txBody>
+            <a:bodyPr rtlCol="0" anchor="ctr"/>
+            <a:lstStyle/>
+            <a:p>
+              <a:pPr algn="ctr"/>
+              <a:endParaRPr lang="en-US" dirty="0"/>
+            </a:p>
+          </p:txBody>
+        </p:sp>
+        <p:pic>
+          <p:nvPicPr>
+            <p:cNvPr id="9" name="Graphic 8" descr="Signpost with solid fill">
+              <a:extLst>
+                <a:ext uri="{FF2B5EF4-FFF2-40B4-BE49-F238E27FC236}">
+                  <a16:creationId xmlns:a16="http://schemas.microsoft.com/office/drawing/2014/main" id="{429082C1-7FAB-5F67-AE21-B3DF1337F4F2}"/>
+                </a:ext>
+              </a:extLst>
+            </p:cNvPr>
+            <p:cNvPicPr>
+              <a:picLocks noChangeAspect="1"/>
+            </p:cNvPicPr>
+            <p:nvPr/>
+          </p:nvPicPr>
+          <p:blipFill>
+            <a:blip r:embed="rId3">
+              <a:extLst>
+                <a:ext uri="{96DAC541-7B7A-43D3-8B79-37D633B846F1}">
+                  <asvg:svgBlip xmlns:asvg="http://schemas.microsoft.com/office/drawing/2016/SVG/main" r:embed="rId4"/>
+                </a:ext>
+              </a:extLst>
+            </a:blip>
+            <a:srcRect/>
+            <a:stretch/>
+          </p:blipFill>
+          <p:spPr>
+            <a:xfrm>
+              <a:off x="2584200" y="3181329"/>
+              <a:ext cx="914400" cy="914400"/>
+            </a:xfrm>
+            <a:prstGeom prst="rect">
+              <a:avLst/>
+            </a:prstGeom>
+          </p:spPr>
+        </p:pic>
+      </p:grpSp>
+      <p:grpSp>
+        <p:nvGrpSpPr>
+          <p:cNvPr id="10" name="Group 9">
+            <a:extLst>
+              <a:ext uri="{FF2B5EF4-FFF2-40B4-BE49-F238E27FC236}">
+                <a16:creationId xmlns:a16="http://schemas.microsoft.com/office/drawing/2014/main" id="{8025EC1F-F6AC-3773-D39F-D6DB8805F28F}"/>
+              </a:ext>
+            </a:extLst>
+          </p:cNvPr>
+          <p:cNvGrpSpPr/>
+          <p:nvPr/>
+        </p:nvGrpSpPr>
+        <p:grpSpPr>
+          <a:xfrm>
+            <a:off x="8527800" y="3096918"/>
+            <a:ext cx="1080000" cy="1080000"/>
+            <a:chOff x="2501400" y="3098529"/>
+            <a:chExt cx="1080000" cy="1080000"/>
+          </a:xfrm>
+        </p:grpSpPr>
+        <p:sp>
+          <p:nvSpPr>
+            <p:cNvPr id="11" name="Oval 10">
+              <a:extLst>
+                <a:ext uri="{FF2B5EF4-FFF2-40B4-BE49-F238E27FC236}">
+                  <a16:creationId xmlns:a16="http://schemas.microsoft.com/office/drawing/2014/main" id="{90AA446A-8A00-5AC9-215E-D93B18B16222}"/>
+                </a:ext>
+              </a:extLst>
+            </p:cNvPr>
+            <p:cNvSpPr/>
+            <p:nvPr/>
+          </p:nvSpPr>
+          <p:spPr>
+            <a:xfrm>
+              <a:off x="2501400" y="3098529"/>
+              <a:ext cx="1080000" cy="1080000"/>
+            </a:xfrm>
+            <a:prstGeom prst="ellipse">
+              <a:avLst/>
+            </a:prstGeom>
+            <a:solidFill>
+              <a:srgbClr val="C00000"/>
+            </a:solidFill>
+            <a:ln>
+              <a:noFill/>
+            </a:ln>
+            <a:effectLst>
+              <a:outerShdw blurRad="50800" dist="38100" dir="2700000" algn="tl" rotWithShape="0">
+                <a:prstClr val="black">
+                  <a:alpha val="40000"/>
+                </a:prstClr>
+              </a:outerShdw>
+            </a:effectLst>
+          </p:spPr>
+          <p:style>
+            <a:lnRef idx="2">
+              <a:schemeClr val="accent1">
+                <a:shade val="15000"/>
+              </a:schemeClr>
+            </a:lnRef>
+            <a:fillRef idx="1">
+              <a:schemeClr val="accent1"/>
+            </a:fillRef>
+            <a:effectRef idx="0">
+              <a:schemeClr val="accent1"/>
+            </a:effectRef>
+            <a:fontRef idx="minor">
+              <a:schemeClr val="lt1"/>
+            </a:fontRef>
+          </p:style>
+          <p:txBody>
+            <a:bodyPr rtlCol="0" anchor="ctr"/>
+            <a:lstStyle/>
+            <a:p>
+              <a:pPr algn="ctr"/>
+              <a:endParaRPr lang="en-US" dirty="0"/>
+            </a:p>
+          </p:txBody>
+        </p:sp>
+        <p:pic>
+          <p:nvPicPr>
+            <p:cNvPr id="12" name="Graphic 11" descr="Arrow: Rotate right with solid fill">
+              <a:extLst>
+                <a:ext uri="{FF2B5EF4-FFF2-40B4-BE49-F238E27FC236}">
+                  <a16:creationId xmlns:a16="http://schemas.microsoft.com/office/drawing/2014/main" id="{30776BB9-0CA4-5F76-0C94-017D0A50FF75}"/>
+                </a:ext>
+              </a:extLst>
+            </p:cNvPr>
+            <p:cNvPicPr>
+              <a:picLocks noChangeAspect="1"/>
+            </p:cNvPicPr>
+            <p:nvPr/>
+          </p:nvPicPr>
+          <p:blipFill>
+            <a:blip r:embed="rId5">
+              <a:extLst>
+                <a:ext uri="{96DAC541-7B7A-43D3-8B79-37D633B846F1}">
+                  <asvg:svgBlip xmlns:asvg="http://schemas.microsoft.com/office/drawing/2016/SVG/main" r:embed="rId6"/>
+                </a:ext>
+              </a:extLst>
+            </a:blip>
+            <a:srcRect/>
+            <a:stretch/>
+          </p:blipFill>
+          <p:spPr>
+            <a:xfrm>
+              <a:off x="2584200" y="3181329"/>
+              <a:ext cx="914400" cy="914400"/>
+            </a:xfrm>
+            <a:prstGeom prst="rect">
+              <a:avLst/>
+            </a:prstGeom>
+          </p:spPr>
+        </p:pic>
+      </p:grpSp>
+      <p:sp>
+        <p:nvSpPr>
+          <p:cNvPr id="13" name="TextBox 12">
+            <a:extLst>
+              <a:ext uri="{FF2B5EF4-FFF2-40B4-BE49-F238E27FC236}">
+                <a16:creationId xmlns:a16="http://schemas.microsoft.com/office/drawing/2014/main" id="{2E29EA92-B45F-F752-8BB4-98E7A0B588F3}"/>
+              </a:ext>
+            </a:extLst>
+          </p:cNvPr>
+          <p:cNvSpPr txBox="1"/>
+          <p:nvPr/>
+        </p:nvSpPr>
+        <p:spPr>
+          <a:xfrm>
+            <a:off x="1800428" y="4435887"/>
+            <a:ext cx="2481943" cy="646331"/>
+          </a:xfrm>
+          <a:prstGeom prst="rect">
+            <a:avLst/>
+          </a:prstGeom>
+          <a:noFill/>
+        </p:spPr>
+        <p:txBody>
+          <a:bodyPr wrap="square" rtlCol="0">
+            <a:spAutoFit/>
+          </a:bodyPr>
+          <a:lstStyle/>
+          <a:p>
+            <a:pPr algn="ctr"/>
+            <a:r>
+              <a:rPr lang="en-US" b="1" dirty="0"/>
+              <a:t>Arbitrary</a:t>
+            </a:r>
+            <a:br>
+              <a:rPr lang="en-US" b="1" dirty="0"/>
+            </a:br>
+            <a:r>
+              <a:rPr lang="en-US" b="1" dirty="0"/>
+              <a:t>significance level</a:t>
+            </a:r>
+          </a:p>
+        </p:txBody>
+      </p:sp>
+      <p:sp>
+        <p:nvSpPr>
+          <p:cNvPr id="14" name="TextBox 13">
+            <a:extLst>
+              <a:ext uri="{FF2B5EF4-FFF2-40B4-BE49-F238E27FC236}">
+                <a16:creationId xmlns:a16="http://schemas.microsoft.com/office/drawing/2014/main" id="{FADC24E1-A535-04C6-7C9F-FEC546AB65E6}"/>
+              </a:ext>
+            </a:extLst>
+          </p:cNvPr>
+          <p:cNvSpPr txBox="1"/>
+          <p:nvPr/>
+        </p:nvSpPr>
+        <p:spPr>
+          <a:xfrm>
+            <a:off x="7826828" y="4432665"/>
+            <a:ext cx="2481943" cy="646331"/>
+          </a:xfrm>
+          <a:prstGeom prst="rect">
+            <a:avLst/>
+          </a:prstGeom>
+          <a:noFill/>
+        </p:spPr>
+        <p:txBody>
+          <a:bodyPr wrap="square" rtlCol="0">
+            <a:spAutoFit/>
+          </a:bodyPr>
+          <a:lstStyle/>
+          <a:p>
+            <a:pPr algn="ctr"/>
+            <a:r>
+              <a:rPr lang="en-US" b="1" dirty="0"/>
+              <a:t>Unsound extension</a:t>
+            </a:r>
+            <a:br>
+              <a:rPr lang="en-US" b="1" dirty="0"/>
+            </a:br>
+            <a:r>
+              <a:rPr lang="en-US" b="1" dirty="0"/>
+              <a:t>of the modus tollens</a:t>
+            </a:r>
+          </a:p>
+        </p:txBody>
+      </p:sp>
+      <p:grpSp>
+        <p:nvGrpSpPr>
+          <p:cNvPr id="15" name="Group 14">
+            <a:extLst>
+              <a:ext uri="{FF2B5EF4-FFF2-40B4-BE49-F238E27FC236}">
+                <a16:creationId xmlns:a16="http://schemas.microsoft.com/office/drawing/2014/main" id="{998CAB31-BB57-F3D7-F87C-D9E5D2CFC595}"/>
+              </a:ext>
+            </a:extLst>
+          </p:cNvPr>
+          <p:cNvGrpSpPr/>
+          <p:nvPr/>
+        </p:nvGrpSpPr>
+        <p:grpSpPr>
+          <a:xfrm>
+            <a:off x="5514599" y="3095307"/>
+            <a:ext cx="1080000" cy="1080000"/>
+            <a:chOff x="2501400" y="3098529"/>
+            <a:chExt cx="1080000" cy="1080000"/>
+          </a:xfrm>
+        </p:grpSpPr>
+        <p:sp>
+          <p:nvSpPr>
+            <p:cNvPr id="16" name="Oval 15">
+              <a:extLst>
+                <a:ext uri="{FF2B5EF4-FFF2-40B4-BE49-F238E27FC236}">
+                  <a16:creationId xmlns:a16="http://schemas.microsoft.com/office/drawing/2014/main" id="{B397B5B6-B8F4-BC1A-6FCD-78D0FF215903}"/>
+                </a:ext>
+              </a:extLst>
+            </p:cNvPr>
+            <p:cNvSpPr/>
+            <p:nvPr/>
+          </p:nvSpPr>
+          <p:spPr>
+            <a:xfrm>
+              <a:off x="2501400" y="3098529"/>
+              <a:ext cx="1080000" cy="1080000"/>
+            </a:xfrm>
+            <a:prstGeom prst="ellipse">
+              <a:avLst/>
+            </a:prstGeom>
+            <a:solidFill>
+              <a:srgbClr val="C00000"/>
+            </a:solidFill>
+            <a:ln>
+              <a:noFill/>
+            </a:ln>
+            <a:effectLst>
+              <a:outerShdw blurRad="50800" dist="38100" dir="2700000" algn="tl" rotWithShape="0">
+                <a:prstClr val="black">
+                  <a:alpha val="40000"/>
+                </a:prstClr>
+              </a:outerShdw>
+            </a:effectLst>
+          </p:spPr>
+          <p:style>
+            <a:lnRef idx="2">
+              <a:schemeClr val="accent1">
+                <a:shade val="15000"/>
+              </a:schemeClr>
+            </a:lnRef>
+            <a:fillRef idx="1">
+              <a:schemeClr val="accent1"/>
+            </a:fillRef>
+            <a:effectRef idx="0">
+              <a:schemeClr val="accent1"/>
+            </a:effectRef>
+            <a:fontRef idx="minor">
+              <a:schemeClr val="lt1"/>
+            </a:fontRef>
+          </p:style>
+          <p:txBody>
+            <a:bodyPr rtlCol="0" anchor="ctr"/>
+            <a:lstStyle/>
+            <a:p>
+              <a:pPr algn="ctr"/>
+              <a:endParaRPr lang="en-US" dirty="0"/>
+            </a:p>
+          </p:txBody>
+        </p:sp>
+        <p:pic>
+          <p:nvPicPr>
+            <p:cNvPr id="17" name="Graphic 16" descr="Filter with solid fill">
+              <a:extLst>
+                <a:ext uri="{FF2B5EF4-FFF2-40B4-BE49-F238E27FC236}">
+                  <a16:creationId xmlns:a16="http://schemas.microsoft.com/office/drawing/2014/main" id="{880E859D-A30E-DF66-41B3-6810D996BFB3}"/>
+                </a:ext>
+              </a:extLst>
+            </p:cNvPr>
+            <p:cNvPicPr>
+              <a:picLocks noChangeAspect="1"/>
+            </p:cNvPicPr>
+            <p:nvPr/>
+          </p:nvPicPr>
+          <p:blipFill>
+            <a:blip r:embed="rId7">
+              <a:extLst>
+                <a:ext uri="{96DAC541-7B7A-43D3-8B79-37D633B846F1}">
+                  <asvg:svgBlip xmlns:asvg="http://schemas.microsoft.com/office/drawing/2016/SVG/main" r:embed="rId8"/>
+                </a:ext>
+              </a:extLst>
+            </a:blip>
+            <a:srcRect/>
+            <a:stretch/>
+          </p:blipFill>
+          <p:spPr>
+            <a:xfrm>
+              <a:off x="2584200" y="3181329"/>
+              <a:ext cx="914400" cy="914400"/>
+            </a:xfrm>
+            <a:prstGeom prst="rect">
+              <a:avLst/>
+            </a:prstGeom>
+          </p:spPr>
+        </p:pic>
+      </p:grpSp>
+      <p:sp>
+        <p:nvSpPr>
+          <p:cNvPr id="18" name="TextBox 17">
+            <a:extLst>
+              <a:ext uri="{FF2B5EF4-FFF2-40B4-BE49-F238E27FC236}">
+                <a16:creationId xmlns:a16="http://schemas.microsoft.com/office/drawing/2014/main" id="{969FD27B-D03C-1E5E-C045-8099F4C501F6}"/>
+              </a:ext>
+            </a:extLst>
+          </p:cNvPr>
+          <p:cNvSpPr txBox="1"/>
+          <p:nvPr/>
+        </p:nvSpPr>
+        <p:spPr>
+          <a:xfrm>
+            <a:off x="4813627" y="4432665"/>
+            <a:ext cx="2481943" cy="646331"/>
+          </a:xfrm>
+          <a:prstGeom prst="rect">
+            <a:avLst/>
+          </a:prstGeom>
+          <a:noFill/>
+        </p:spPr>
+        <p:txBody>
+          <a:bodyPr wrap="square" rtlCol="0">
+            <a:spAutoFit/>
+          </a:bodyPr>
+          <a:lstStyle/>
+          <a:p>
+            <a:pPr algn="ctr"/>
+            <a:r>
+              <a:rPr lang="en-US" b="1" dirty="0"/>
+              <a:t>Oversimplified summary</a:t>
+            </a:r>
           </a:p>
         </p:txBody>
       </p:sp>
@@ -21052,7 +21812,7 @@
 </p:sld>
 </file>
 
-<file path=ppt/slides/slide45.xml><?xml version="1.0" encoding="utf-8"?>
+<file path=ppt/slides/slide44.xml><?xml version="1.0" encoding="utf-8"?>
 <p:sld xmlns:a="http://schemas.openxmlformats.org/drawingml/2006/main" xmlns:r="http://schemas.openxmlformats.org/officeDocument/2006/relationships" xmlns:p="http://schemas.openxmlformats.org/presentationml/2006/main">
   <p:cSld>
     <p:spTree>
@@ -22260,7 +23020,7 @@
           <a:p>
             <a:fld id="{C6EBE6D1-86F0-4C3A-8077-EBA4C5B4BE81}" type="slidenum">
               <a:rPr lang="en-US" smtClean="0"/>
-              <a:t>45</a:t>
+              <a:t>44</a:t>
             </a:fld>
             <a:endParaRPr lang="en-US"/>
           </a:p>
@@ -22624,7 +23384,7 @@
 </p:sld>
 </file>
 
-<file path=ppt/slides/slide46.xml><?xml version="1.0" encoding="utf-8"?>
+<file path=ppt/slides/slide45.xml><?xml version="1.0" encoding="utf-8"?>
 <p:sld xmlns:a="http://schemas.openxmlformats.org/drawingml/2006/main" xmlns:r="http://schemas.openxmlformats.org/officeDocument/2006/relationships" xmlns:p="http://schemas.openxmlformats.org/presentationml/2006/main" show="0">
   <p:cSld>
     <p:spTree>
@@ -22794,7 +23554,7 @@
           <a:p>
             <a:fld id="{C6EBE6D1-86F0-4C3A-8077-EBA4C5B4BE81}" type="slidenum">
               <a:rPr lang="en-US" smtClean="0"/>
-              <a:t>46</a:t>
+              <a:t>45</a:t>
             </a:fld>
             <a:endParaRPr lang="en-US"/>
           </a:p>
@@ -22804,6 +23564,177 @@
     <p:extLst>
       <p:ext uri="{BB962C8B-B14F-4D97-AF65-F5344CB8AC3E}">
         <p14:creationId xmlns:p14="http://schemas.microsoft.com/office/powerpoint/2010/main" val="1080784073"/>
+      </p:ext>
+    </p:extLst>
+  </p:cSld>
+  <p:clrMapOvr>
+    <a:masterClrMapping/>
+  </p:clrMapOvr>
+</p:sld>
+</file>
+
+<file path=ppt/slides/slide46.xml><?xml version="1.0" encoding="utf-8"?>
+<p:sld xmlns:a="http://schemas.openxmlformats.org/drawingml/2006/main" xmlns:r="http://schemas.openxmlformats.org/officeDocument/2006/relationships" xmlns:p="http://schemas.openxmlformats.org/presentationml/2006/main">
+  <p:cSld>
+    <p:spTree>
+      <p:nvGrpSpPr>
+        <p:cNvPr id="1" name=""/>
+        <p:cNvGrpSpPr/>
+        <p:nvPr/>
+      </p:nvGrpSpPr>
+      <p:grpSpPr>
+        <a:xfrm>
+          <a:off x="0" y="0"/>
+          <a:ext cx="0" cy="0"/>
+          <a:chOff x="0" y="0"/>
+          <a:chExt cx="0" cy="0"/>
+        </a:xfrm>
+      </p:grpSpPr>
+      <p:sp>
+        <p:nvSpPr>
+          <p:cNvPr id="4" name="Title 3">
+            <a:extLst>
+              <a:ext uri="{FF2B5EF4-FFF2-40B4-BE49-F238E27FC236}">
+                <a16:creationId xmlns:a16="http://schemas.microsoft.com/office/drawing/2014/main" id="{BECF7525-0200-C317-0780-DF9B8BC523FD}"/>
+              </a:ext>
+            </a:extLst>
+          </p:cNvPr>
+          <p:cNvSpPr>
+            <a:spLocks noGrp="1"/>
+          </p:cNvSpPr>
+          <p:nvPr>
+            <p:ph type="title"/>
+          </p:nvPr>
+        </p:nvSpPr>
+        <p:spPr/>
+        <p:txBody>
+          <a:bodyPr/>
+          <a:lstStyle/>
+          <a:p>
+            <a:r>
+              <a:rPr lang="en-US" dirty="0"/>
+              <a:t>Bayesian Data Analysis</a:t>
+            </a:r>
+          </a:p>
+        </p:txBody>
+      </p:sp>
+      <p:sp>
+        <p:nvSpPr>
+          <p:cNvPr id="5" name="Text Placeholder 4">
+            <a:extLst>
+              <a:ext uri="{FF2B5EF4-FFF2-40B4-BE49-F238E27FC236}">
+                <a16:creationId xmlns:a16="http://schemas.microsoft.com/office/drawing/2014/main" id="{49D7AFDA-8826-2D1A-B4B0-AE275D4918DD}"/>
+              </a:ext>
+            </a:extLst>
+          </p:cNvPr>
+          <p:cNvSpPr>
+            <a:spLocks noGrp="1"/>
+          </p:cNvSpPr>
+          <p:nvPr>
+            <p:ph type="body" idx="1"/>
+          </p:nvPr>
+        </p:nvSpPr>
+        <p:spPr/>
+        <p:txBody>
+          <a:bodyPr/>
+          <a:lstStyle/>
+          <a:p>
+            <a:r>
+              <a:rPr lang="en-US" dirty="0"/>
+              <a:t>For statistical causal inference</a:t>
+            </a:r>
+          </a:p>
+        </p:txBody>
+      </p:sp>
+      <p:sp>
+        <p:nvSpPr>
+          <p:cNvPr id="2" name="Date Placeholder 1">
+            <a:extLst>
+              <a:ext uri="{FF2B5EF4-FFF2-40B4-BE49-F238E27FC236}">
+                <a16:creationId xmlns:a16="http://schemas.microsoft.com/office/drawing/2014/main" id="{FA6A5889-ACA8-8CB3-47EB-A1B2C2551C14}"/>
+              </a:ext>
+            </a:extLst>
+          </p:cNvPr>
+          <p:cNvSpPr>
+            <a:spLocks noGrp="1"/>
+          </p:cNvSpPr>
+          <p:nvPr>
+            <p:ph type="dt" sz="half" idx="10"/>
+          </p:nvPr>
+        </p:nvSpPr>
+        <p:spPr/>
+        <p:txBody>
+          <a:bodyPr/>
+          <a:lstStyle/>
+          <a:p>
+            <a:r>
+              <a:rPr lang="en-US"/>
+              <a:t>2024-10-17</a:t>
+            </a:r>
+          </a:p>
+        </p:txBody>
+      </p:sp>
+      <p:sp>
+        <p:nvSpPr>
+          <p:cNvPr id="3" name="Footer Placeholder 2">
+            <a:extLst>
+              <a:ext uri="{FF2B5EF4-FFF2-40B4-BE49-F238E27FC236}">
+                <a16:creationId xmlns:a16="http://schemas.microsoft.com/office/drawing/2014/main" id="{8EACAF96-2AB5-EA1F-5D66-B61D2E75E1C8}"/>
+              </a:ext>
+            </a:extLst>
+          </p:cNvPr>
+          <p:cNvSpPr>
+            <a:spLocks noGrp="1"/>
+          </p:cNvSpPr>
+          <p:nvPr>
+            <p:ph type="ftr" sz="quarter" idx="11"/>
+          </p:nvPr>
+        </p:nvSpPr>
+        <p:spPr/>
+        <p:txBody>
+          <a:bodyPr/>
+          <a:lstStyle/>
+          <a:p>
+            <a:r>
+              <a:rPr lang="en-US"/>
+              <a:t>Bayesian Data Analysis for Statistical Causal Inference</a:t>
+            </a:r>
+          </a:p>
+        </p:txBody>
+      </p:sp>
+      <p:sp>
+        <p:nvSpPr>
+          <p:cNvPr id="6" name="Slide Number Placeholder 5">
+            <a:extLst>
+              <a:ext uri="{FF2B5EF4-FFF2-40B4-BE49-F238E27FC236}">
+                <a16:creationId xmlns:a16="http://schemas.microsoft.com/office/drawing/2014/main" id="{3D4183B8-28E5-2770-F1C9-AC5B2C5827A0}"/>
+              </a:ext>
+            </a:extLst>
+          </p:cNvPr>
+          <p:cNvSpPr>
+            <a:spLocks noGrp="1"/>
+          </p:cNvSpPr>
+          <p:nvPr>
+            <p:ph type="sldNum" sz="quarter" idx="12"/>
+          </p:nvPr>
+        </p:nvSpPr>
+        <p:spPr/>
+        <p:txBody>
+          <a:bodyPr/>
+          <a:lstStyle/>
+          <a:p>
+            <a:fld id="{C6EBE6D1-86F0-4C3A-8077-EBA4C5B4BE81}" type="slidenum">
+              <a:rPr lang="en-US" smtClean="0"/>
+              <a:t>46</a:t>
+            </a:fld>
+            <a:endParaRPr lang="en-US"/>
+          </a:p>
+        </p:txBody>
+      </p:sp>
+    </p:spTree>
+    <p:extLst>
+      <p:ext uri="{BB962C8B-B14F-4D97-AF65-F5344CB8AC3E}">
+        <p14:creationId xmlns:p14="http://schemas.microsoft.com/office/powerpoint/2010/main" val="1026668188"/>
       </p:ext>
     </p:extLst>
   </p:cSld>
@@ -22832,10 +23763,10 @@
       </p:grpSpPr>
       <p:sp>
         <p:nvSpPr>
-          <p:cNvPr id="4" name="Title 3">
-            <a:extLst>
-              <a:ext uri="{FF2B5EF4-FFF2-40B4-BE49-F238E27FC236}">
-                <a16:creationId xmlns:a16="http://schemas.microsoft.com/office/drawing/2014/main" id="{BECF7525-0200-C317-0780-DF9B8BC523FD}"/>
+          <p:cNvPr id="2" name="Title 1">
+            <a:extLst>
+              <a:ext uri="{FF2B5EF4-FFF2-40B4-BE49-F238E27FC236}">
+                <a16:creationId xmlns:a16="http://schemas.microsoft.com/office/drawing/2014/main" id="{062662E4-7797-F4E5-8D5D-9D510BDA4623}"/>
               </a:ext>
             </a:extLst>
           </p:cNvPr>
@@ -22852,52 +23783,413 @@
           <a:lstStyle/>
           <a:p>
             <a:r>
-              <a:rPr lang="sv-SE" dirty="0" err="1"/>
-              <a:t>Bayesian</a:t>
-            </a:r>
-            <a:r>
-              <a:rPr lang="sv-SE" dirty="0"/>
-              <a:t> Data </a:t>
-            </a:r>
-            <a:r>
-              <a:rPr lang="sv-SE" dirty="0" err="1"/>
-              <a:t>Analysis</a:t>
-            </a:r>
-            <a:endParaRPr lang="en-US" dirty="0"/>
-          </a:p>
-        </p:txBody>
-      </p:sp>
-      <p:sp>
-        <p:nvSpPr>
-          <p:cNvPr id="5" name="Text Placeholder 4">
-            <a:extLst>
-              <a:ext uri="{FF2B5EF4-FFF2-40B4-BE49-F238E27FC236}">
-                <a16:creationId xmlns:a16="http://schemas.microsoft.com/office/drawing/2014/main" id="{49D7AFDA-8826-2D1A-B4B0-AE275D4918DD}"/>
-              </a:ext>
-            </a:extLst>
-          </p:cNvPr>
-          <p:cNvSpPr>
-            <a:spLocks noGrp="1"/>
-          </p:cNvSpPr>
-          <p:nvPr>
-            <p:ph type="body" idx="1"/>
-          </p:nvPr>
-        </p:nvSpPr>
-        <p:spPr/>
-        <p:txBody>
-          <a:bodyPr/>
-          <a:lstStyle/>
-          <a:p>
-            <a:endParaRPr lang="en-US" dirty="0"/>
-          </a:p>
-        </p:txBody>
-      </p:sp>
-      <p:sp>
-        <p:nvSpPr>
-          <p:cNvPr id="2" name="Date Placeholder 1">
-            <a:extLst>
-              <a:ext uri="{FF2B5EF4-FFF2-40B4-BE49-F238E27FC236}">
-                <a16:creationId xmlns:a16="http://schemas.microsoft.com/office/drawing/2014/main" id="{FA6A5889-ACA8-8CB3-47EB-A1B2C2551C14}"/>
+              <a:rPr lang="en-US" dirty="0"/>
+              <a:t>Bayes Theorem</a:t>
+            </a:r>
+          </a:p>
+        </p:txBody>
+      </p:sp>
+      <mc:AlternateContent xmlns:mc="http://schemas.openxmlformats.org/markup-compatibility/2006">
+        <mc:Choice xmlns:a14="http://schemas.microsoft.com/office/drawing/2010/main" Requires="a14">
+          <p:sp>
+            <p:nvSpPr>
+              <p:cNvPr id="3" name="Content Placeholder 2">
+                <a:extLst>
+                  <a:ext uri="{FF2B5EF4-FFF2-40B4-BE49-F238E27FC236}">
+                    <a16:creationId xmlns:a16="http://schemas.microsoft.com/office/drawing/2014/main" id="{D1A183CF-3949-DC28-5EB3-BA38ECA1B870}"/>
+                  </a:ext>
+                </a:extLst>
+              </p:cNvPr>
+              <p:cNvSpPr>
+                <a:spLocks noGrp="1"/>
+              </p:cNvSpPr>
+              <p:nvPr>
+                <p:ph idx="1"/>
+              </p:nvPr>
+            </p:nvSpPr>
+            <p:spPr/>
+            <p:txBody>
+              <a:bodyPr/>
+              <a:lstStyle/>
+              <a:p>
+                <a:pPr marL="0" indent="0">
+                  <a:buNone/>
+                </a:pPr>
+                <a14:m>
+                  <m:oMathPara xmlns:m="http://schemas.openxmlformats.org/officeDocument/2006/math">
+                    <m:oMathParaPr>
+                      <m:jc m:val="centerGroup"/>
+                    </m:oMathParaPr>
+                    <m:oMath xmlns:m="http://schemas.openxmlformats.org/officeDocument/2006/math">
+                      <m:r>
+                        <a:rPr lang="sv-SE" b="0" i="1" smtClean="0">
+                          <a:latin typeface="Cambria Math" panose="02040503050406030204" pitchFamily="18" charset="0"/>
+                        </a:rPr>
+                        <m:t>𝑃</m:t>
+                      </m:r>
+                      <m:d>
+                        <m:dPr>
+                          <m:ctrlPr>
+                            <a:rPr lang="sv-SE" b="0" i="1" smtClean="0">
+                              <a:latin typeface="Cambria Math" panose="02040503050406030204" pitchFamily="18" charset="0"/>
+                            </a:rPr>
+                          </m:ctrlPr>
+                        </m:dPr>
+                        <m:e>
+                          <m:r>
+                            <a:rPr lang="sv-SE" b="0" i="1" smtClean="0">
+                              <a:latin typeface="Cambria Math" panose="02040503050406030204" pitchFamily="18" charset="0"/>
+                            </a:rPr>
+                            <m:t>𝐴</m:t>
+                          </m:r>
+                        </m:e>
+                        <m:e>
+                          <m:r>
+                            <a:rPr lang="sv-SE" b="0" i="1" smtClean="0">
+                              <a:latin typeface="Cambria Math" panose="02040503050406030204" pitchFamily="18" charset="0"/>
+                            </a:rPr>
+                            <m:t>𝐵</m:t>
+                          </m:r>
+                        </m:e>
+                      </m:d>
+                      <m:r>
+                        <a:rPr lang="sv-SE" b="0" i="1" smtClean="0">
+                          <a:latin typeface="Cambria Math" panose="02040503050406030204" pitchFamily="18" charset="0"/>
+                        </a:rPr>
+                        <m:t>=</m:t>
+                      </m:r>
+                      <m:f>
+                        <m:fPr>
+                          <m:ctrlPr>
+                            <a:rPr lang="sv-SE" b="0" i="1" smtClean="0">
+                              <a:latin typeface="Cambria Math" panose="02040503050406030204" pitchFamily="18" charset="0"/>
+                            </a:rPr>
+                          </m:ctrlPr>
+                        </m:fPr>
+                        <m:num>
+                          <m:r>
+                            <a:rPr lang="sv-SE" b="0" i="1" smtClean="0">
+                              <a:latin typeface="Cambria Math" panose="02040503050406030204" pitchFamily="18" charset="0"/>
+                            </a:rPr>
+                            <m:t>𝑃</m:t>
+                          </m:r>
+                          <m:d>
+                            <m:dPr>
+                              <m:ctrlPr>
+                                <a:rPr lang="sv-SE" b="0" i="1" smtClean="0">
+                                  <a:latin typeface="Cambria Math" panose="02040503050406030204" pitchFamily="18" charset="0"/>
+                                </a:rPr>
+                              </m:ctrlPr>
+                            </m:dPr>
+                            <m:e>
+                              <m:r>
+                                <a:rPr lang="sv-SE" b="0" i="1" smtClean="0">
+                                  <a:latin typeface="Cambria Math" panose="02040503050406030204" pitchFamily="18" charset="0"/>
+                                </a:rPr>
+                                <m:t>𝐵</m:t>
+                              </m:r>
+                            </m:e>
+                            <m:e>
+                              <m:r>
+                                <a:rPr lang="sv-SE" b="0" i="1" smtClean="0">
+                                  <a:latin typeface="Cambria Math" panose="02040503050406030204" pitchFamily="18" charset="0"/>
+                                </a:rPr>
+                                <m:t>𝐴</m:t>
+                              </m:r>
+                            </m:e>
+                          </m:d>
+                          <m:r>
+                            <a:rPr lang="sv-SE" b="0" i="1" smtClean="0">
+                              <a:latin typeface="Cambria Math" panose="02040503050406030204" pitchFamily="18" charset="0"/>
+                            </a:rPr>
+                            <m:t>𝑃</m:t>
+                          </m:r>
+                          <m:r>
+                            <a:rPr lang="sv-SE" b="0" i="1" smtClean="0">
+                              <a:latin typeface="Cambria Math" panose="02040503050406030204" pitchFamily="18" charset="0"/>
+                            </a:rPr>
+                            <m:t>(</m:t>
+                          </m:r>
+                          <m:r>
+                            <a:rPr lang="sv-SE" b="0" i="1" smtClean="0">
+                              <a:latin typeface="Cambria Math" panose="02040503050406030204" pitchFamily="18" charset="0"/>
+                            </a:rPr>
+                            <m:t>𝐴</m:t>
+                          </m:r>
+                          <m:r>
+                            <a:rPr lang="sv-SE" b="0" i="1" smtClean="0">
+                              <a:latin typeface="Cambria Math" panose="02040503050406030204" pitchFamily="18" charset="0"/>
+                            </a:rPr>
+                            <m:t>)</m:t>
+                          </m:r>
+                        </m:num>
+                        <m:den>
+                          <m:r>
+                            <a:rPr lang="sv-SE" b="0" i="1" smtClean="0">
+                              <a:latin typeface="Cambria Math" panose="02040503050406030204" pitchFamily="18" charset="0"/>
+                            </a:rPr>
+                            <m:t>𝑃</m:t>
+                          </m:r>
+                          <m:r>
+                            <a:rPr lang="sv-SE" b="0" i="1" smtClean="0">
+                              <a:latin typeface="Cambria Math" panose="02040503050406030204" pitchFamily="18" charset="0"/>
+                            </a:rPr>
+                            <m:t>(</m:t>
+                          </m:r>
+                          <m:r>
+                            <a:rPr lang="sv-SE" b="0" i="1" smtClean="0">
+                              <a:latin typeface="Cambria Math" panose="02040503050406030204" pitchFamily="18" charset="0"/>
+                            </a:rPr>
+                            <m:t>𝐵</m:t>
+                          </m:r>
+                          <m:r>
+                            <a:rPr lang="sv-SE" b="0" i="1" smtClean="0">
+                              <a:latin typeface="Cambria Math" panose="02040503050406030204" pitchFamily="18" charset="0"/>
+                            </a:rPr>
+                            <m:t>)</m:t>
+                          </m:r>
+                        </m:den>
+                      </m:f>
+                    </m:oMath>
+                  </m:oMathPara>
+                </a14:m>
+                <a:endParaRPr lang="sv-SE" b="0" dirty="0"/>
+              </a:p>
+              <a:p>
+                <a:pPr marL="0" indent="0">
+                  <a:buNone/>
+                </a:pPr>
+                <a:r>
+                  <a:rPr lang="en-US" dirty="0"/>
+                  <a:t>Where</a:t>
+                </a:r>
+              </a:p>
+              <a:p>
+                <a14:m>
+                  <m:oMath xmlns:m="http://schemas.openxmlformats.org/officeDocument/2006/math">
+                    <m:r>
+                      <a:rPr lang="sv-SE" b="0" i="1" smtClean="0">
+                        <a:latin typeface="Cambria Math" panose="02040503050406030204" pitchFamily="18" charset="0"/>
+                      </a:rPr>
+                      <m:t>𝑃</m:t>
+                    </m:r>
+                    <m:r>
+                      <a:rPr lang="sv-SE" b="0" i="1" smtClean="0">
+                        <a:latin typeface="Cambria Math" panose="02040503050406030204" pitchFamily="18" charset="0"/>
+                      </a:rPr>
+                      <m:t>(</m:t>
+                    </m:r>
+                    <m:r>
+                      <a:rPr lang="sv-SE" b="0" i="1" smtClean="0">
+                        <a:latin typeface="Cambria Math" panose="02040503050406030204" pitchFamily="18" charset="0"/>
+                      </a:rPr>
+                      <m:t>𝐴</m:t>
+                    </m:r>
+                    <m:r>
+                      <a:rPr lang="sv-SE" b="0" i="1" smtClean="0">
+                        <a:latin typeface="Cambria Math" panose="02040503050406030204" pitchFamily="18" charset="0"/>
+                      </a:rPr>
+                      <m:t>|</m:t>
+                    </m:r>
+                    <m:r>
+                      <a:rPr lang="sv-SE" b="0" i="1" smtClean="0">
+                        <a:latin typeface="Cambria Math" panose="02040503050406030204" pitchFamily="18" charset="0"/>
+                      </a:rPr>
+                      <m:t>𝐵</m:t>
+                    </m:r>
+                    <m:r>
+                      <a:rPr lang="sv-SE" b="0" i="1" smtClean="0">
+                        <a:latin typeface="Cambria Math" panose="02040503050406030204" pitchFamily="18" charset="0"/>
+                      </a:rPr>
+                      <m:t>)</m:t>
+                    </m:r>
+                  </m:oMath>
+                </a14:m>
+                <a:r>
+                  <a:rPr lang="en-US" dirty="0"/>
+                  <a:t> is the posterior probability,</a:t>
+                </a:r>
+              </a:p>
+              <a:p>
+                <a14:m>
+                  <m:oMath xmlns:m="http://schemas.openxmlformats.org/officeDocument/2006/math">
+                    <m:r>
+                      <a:rPr lang="sv-SE" b="0" i="1" smtClean="0">
+                        <a:latin typeface="Cambria Math" panose="02040503050406030204" pitchFamily="18" charset="0"/>
+                      </a:rPr>
+                      <m:t>𝑃</m:t>
+                    </m:r>
+                    <m:r>
+                      <a:rPr lang="sv-SE" b="0" i="1" smtClean="0">
+                        <a:latin typeface="Cambria Math" panose="02040503050406030204" pitchFamily="18" charset="0"/>
+                      </a:rPr>
+                      <m:t>(</m:t>
+                    </m:r>
+                    <m:r>
+                      <a:rPr lang="sv-SE" b="0" i="1" smtClean="0">
+                        <a:latin typeface="Cambria Math" panose="02040503050406030204" pitchFamily="18" charset="0"/>
+                      </a:rPr>
+                      <m:t>𝐵</m:t>
+                    </m:r>
+                    <m:r>
+                      <a:rPr lang="sv-SE" b="0" i="1" smtClean="0">
+                        <a:latin typeface="Cambria Math" panose="02040503050406030204" pitchFamily="18" charset="0"/>
+                      </a:rPr>
+                      <m:t>|</m:t>
+                    </m:r>
+                    <m:r>
+                      <a:rPr lang="sv-SE" b="0" i="1" smtClean="0">
+                        <a:latin typeface="Cambria Math" panose="02040503050406030204" pitchFamily="18" charset="0"/>
+                      </a:rPr>
+                      <m:t>𝐴</m:t>
+                    </m:r>
+                    <m:r>
+                      <a:rPr lang="sv-SE" b="0" i="1" smtClean="0">
+                        <a:latin typeface="Cambria Math" panose="02040503050406030204" pitchFamily="18" charset="0"/>
+                      </a:rPr>
+                      <m:t>)</m:t>
+                    </m:r>
+                  </m:oMath>
+                </a14:m>
+                <a:r>
+                  <a:rPr lang="en-US" dirty="0"/>
+                  <a:t> is the conditional probability of B being true in the presence of A, </a:t>
+                </a:r>
+              </a:p>
+              <a:p>
+                <a14:m>
+                  <m:oMath xmlns:m="http://schemas.openxmlformats.org/officeDocument/2006/math">
+                    <m:r>
+                      <a:rPr lang="sv-SE" b="0" i="1" smtClean="0">
+                        <a:latin typeface="Cambria Math" panose="02040503050406030204" pitchFamily="18" charset="0"/>
+                      </a:rPr>
+                      <m:t>𝑃</m:t>
+                    </m:r>
+                    <m:r>
+                      <a:rPr lang="sv-SE" b="0" i="1" smtClean="0">
+                        <a:latin typeface="Cambria Math" panose="02040503050406030204" pitchFamily="18" charset="0"/>
+                      </a:rPr>
+                      <m:t>(</m:t>
+                    </m:r>
+                    <m:r>
+                      <a:rPr lang="sv-SE" b="0" i="1" smtClean="0">
+                        <a:latin typeface="Cambria Math" panose="02040503050406030204" pitchFamily="18" charset="0"/>
+                      </a:rPr>
+                      <m:t>𝐴</m:t>
+                    </m:r>
+                    <m:r>
+                      <a:rPr lang="sv-SE" b="0" i="1" smtClean="0">
+                        <a:latin typeface="Cambria Math" panose="02040503050406030204" pitchFamily="18" charset="0"/>
+                      </a:rPr>
+                      <m:t>)</m:t>
+                    </m:r>
+                  </m:oMath>
+                </a14:m>
+                <a:r>
+                  <a:rPr lang="en-US" dirty="0"/>
+                  <a:t> </a:t>
+                </a:r>
+                <a:r>
+                  <a:rPr lang="sv-SE" dirty="0"/>
+                  <a:t>is the </a:t>
+                </a:r>
+                <a:r>
+                  <a:rPr lang="en-US" dirty="0"/>
+                  <a:t>prior probability, and </a:t>
+                </a:r>
+                <a:endParaRPr lang="sv-SE" i="1" dirty="0">
+                  <a:latin typeface="Cambria Math" panose="02040503050406030204" pitchFamily="18" charset="0"/>
+                </a:endParaRPr>
+              </a:p>
+              <a:p>
+                <a14:m>
+                  <m:oMath xmlns:m="http://schemas.openxmlformats.org/officeDocument/2006/math">
+                    <m:r>
+                      <a:rPr lang="sv-SE" i="1">
+                        <a:latin typeface="Cambria Math" panose="02040503050406030204" pitchFamily="18" charset="0"/>
+                      </a:rPr>
+                      <m:t>𝑃</m:t>
+                    </m:r>
+                    <m:r>
+                      <a:rPr lang="sv-SE" i="1">
+                        <a:latin typeface="Cambria Math" panose="02040503050406030204" pitchFamily="18" charset="0"/>
+                      </a:rPr>
+                      <m:t>(</m:t>
+                    </m:r>
+                    <m:r>
+                      <a:rPr lang="sv-SE" i="1">
+                        <a:latin typeface="Cambria Math" panose="02040503050406030204" pitchFamily="18" charset="0"/>
+                      </a:rPr>
+                      <m:t>𝐵</m:t>
+                    </m:r>
+                    <m:r>
+                      <a:rPr lang="sv-SE" i="1">
+                        <a:latin typeface="Cambria Math" panose="02040503050406030204" pitchFamily="18" charset="0"/>
+                      </a:rPr>
+                      <m:t>)</m:t>
+                    </m:r>
+                  </m:oMath>
+                </a14:m>
+                <a:r>
+                  <a:rPr lang="en-US" dirty="0"/>
+                  <a:t> is the marginal probability.</a:t>
+                </a:r>
+              </a:p>
+              <a:p>
+                <a:endParaRPr lang="en-US" dirty="0"/>
+              </a:p>
+              <a:p>
+                <a:endParaRPr lang="en-US" dirty="0"/>
+              </a:p>
+            </p:txBody>
+          </p:sp>
+        </mc:Choice>
+        <mc:Fallback>
+          <p:sp>
+            <p:nvSpPr>
+              <p:cNvPr id="3" name="Content Placeholder 2">
+                <a:extLst>
+                  <a:ext uri="{FF2B5EF4-FFF2-40B4-BE49-F238E27FC236}">
+                    <a16:creationId xmlns:a16="http://schemas.microsoft.com/office/drawing/2014/main" id="{D1A183CF-3949-DC28-5EB3-BA38ECA1B870}"/>
+                  </a:ext>
+                </a:extLst>
+              </p:cNvPr>
+              <p:cNvSpPr>
+                <a:spLocks noGrp="1" noRot="1" noChangeAspect="1" noMove="1" noResize="1" noEditPoints="1" noAdjustHandles="1" noChangeArrowheads="1" noChangeShapeType="1" noTextEdit="1"/>
+              </p:cNvSpPr>
+              <p:nvPr>
+                <p:ph idx="1"/>
+              </p:nvPr>
+            </p:nvSpPr>
+            <p:spPr>
+              <a:blipFill>
+                <a:blip r:embed="rId2"/>
+                <a:stretch>
+                  <a:fillRect l="-1217"/>
+                </a:stretch>
+              </a:blipFill>
+            </p:spPr>
+            <p:txBody>
+              <a:bodyPr/>
+              <a:lstStyle/>
+              <a:p>
+                <a:r>
+                  <a:rPr lang="en-US">
+                    <a:noFill/>
+                  </a:rPr>
+                  <a:t> </a:t>
+                </a:r>
+              </a:p>
+            </p:txBody>
+          </p:sp>
+        </mc:Fallback>
+      </mc:AlternateContent>
+      <p:sp>
+        <p:nvSpPr>
+          <p:cNvPr id="4" name="Date Placeholder 3">
+            <a:extLst>
+              <a:ext uri="{FF2B5EF4-FFF2-40B4-BE49-F238E27FC236}">
+                <a16:creationId xmlns:a16="http://schemas.microsoft.com/office/drawing/2014/main" id="{616E01F7-63B8-D1B2-4B83-BB6AAC58771A}"/>
               </a:ext>
             </a:extLst>
           </p:cNvPr>
@@ -22922,10 +24214,10 @@
       </p:sp>
       <p:sp>
         <p:nvSpPr>
-          <p:cNvPr id="3" name="Footer Placeholder 2">
-            <a:extLst>
-              <a:ext uri="{FF2B5EF4-FFF2-40B4-BE49-F238E27FC236}">
-                <a16:creationId xmlns:a16="http://schemas.microsoft.com/office/drawing/2014/main" id="{8EACAF96-2AB5-EA1F-5D66-B61D2E75E1C8}"/>
+          <p:cNvPr id="5" name="Footer Placeholder 4">
+            <a:extLst>
+              <a:ext uri="{FF2B5EF4-FFF2-40B4-BE49-F238E27FC236}">
+                <a16:creationId xmlns:a16="http://schemas.microsoft.com/office/drawing/2014/main" id="{6C545FCB-08CB-055A-2F04-4069B45BAEDC}"/>
               </a:ext>
             </a:extLst>
           </p:cNvPr>
@@ -22953,7 +24245,7 @@
           <p:cNvPr id="6" name="Slide Number Placeholder 5">
             <a:extLst>
               <a:ext uri="{FF2B5EF4-FFF2-40B4-BE49-F238E27FC236}">
-                <a16:creationId xmlns:a16="http://schemas.microsoft.com/office/drawing/2014/main" id="{3D4183B8-28E5-2770-F1C9-AC5B2C5827A0}"/>
+                <a16:creationId xmlns:a16="http://schemas.microsoft.com/office/drawing/2014/main" id="{CE648900-D064-E9F0-2153-8A516C8024ED}"/>
               </a:ext>
             </a:extLst>
           </p:cNvPr>
@@ -22980,7 +24272,7 @@
     </p:spTree>
     <p:extLst>
       <p:ext uri="{BB962C8B-B14F-4D97-AF65-F5344CB8AC3E}">
-        <p14:creationId xmlns:p14="http://schemas.microsoft.com/office/powerpoint/2010/main" val="1026668188"/>
+        <p14:creationId xmlns:p14="http://schemas.microsoft.com/office/powerpoint/2010/main" val="1219103867"/>
       </p:ext>
     </p:extLst>
   </p:cSld>
@@ -23012,7 +24304,7 @@
           <p:cNvPr id="2" name="Title 1">
             <a:extLst>
               <a:ext uri="{FF2B5EF4-FFF2-40B4-BE49-F238E27FC236}">
-                <a16:creationId xmlns:a16="http://schemas.microsoft.com/office/drawing/2014/main" id="{062662E4-7797-F4E5-8D5D-9D510BDA4623}"/>
+                <a16:creationId xmlns:a16="http://schemas.microsoft.com/office/drawing/2014/main" id="{9DFDBDFA-DD98-5074-F855-6952DEF9CA16}"/>
               </a:ext>
             </a:extLst>
           </p:cNvPr>
@@ -23029,18 +24321,9 @@
           <a:lstStyle/>
           <a:p>
             <a:r>
-              <a:rPr lang="sv-SE" dirty="0" err="1"/>
-              <a:t>Bayes</a:t>
-            </a:r>
-            <a:r>
-              <a:rPr lang="sv-SE" dirty="0"/>
-              <a:t> </a:t>
-            </a:r>
-            <a:r>
-              <a:rPr lang="sv-SE" dirty="0" err="1"/>
-              <a:t>Theorem</a:t>
-            </a:r>
-            <a:endParaRPr lang="en-US" dirty="0"/>
+              <a:rPr lang="en-US" dirty="0"/>
+              <a:t>The Bayesian Data Analysis Approach</a:t>
+            </a:r>
           </a:p>
         </p:txBody>
       </p:sp>
@@ -23049,7 +24332,7 @@
           <p:cNvPr id="3" name="Content Placeholder 2">
             <a:extLst>
               <a:ext uri="{FF2B5EF4-FFF2-40B4-BE49-F238E27FC236}">
-                <a16:creationId xmlns:a16="http://schemas.microsoft.com/office/drawing/2014/main" id="{D1A183CF-3949-DC28-5EB3-BA38ECA1B870}"/>
+                <a16:creationId xmlns:a16="http://schemas.microsoft.com/office/drawing/2014/main" id="{63793681-509F-4BBF-B874-7246C72FD2E0}"/>
               </a:ext>
             </a:extLst>
           </p:cNvPr>
@@ -23065,7 +24348,106 @@
           <a:bodyPr/>
           <a:lstStyle/>
           <a:p>
-            <a:endParaRPr lang="en-US"/>
+            <a:pPr marL="514350" indent="-514350">
+              <a:buFont typeface="+mj-lt"/>
+              <a:buAutoNum type="arabicPeriod"/>
+            </a:pPr>
+            <a:r>
+              <a:rPr lang="en-US" dirty="0"/>
+              <a:t>Define </a:t>
+            </a:r>
+            <a:r>
+              <a:rPr lang="en-US" b="1" dirty="0"/>
+              <a:t>regression formula</a:t>
+            </a:r>
+          </a:p>
+          <a:p>
+            <a:pPr marL="514350" indent="-514350">
+              <a:buFont typeface="+mj-lt"/>
+              <a:buAutoNum type="arabicPeriod"/>
+            </a:pPr>
+            <a:r>
+              <a:rPr lang="en-US" dirty="0"/>
+              <a:t>Determine </a:t>
+            </a:r>
+            <a:r>
+              <a:rPr lang="en-US" b="1" dirty="0"/>
+              <a:t>model distribution</a:t>
+            </a:r>
+          </a:p>
+          <a:p>
+            <a:pPr marL="514350" indent="-514350">
+              <a:buFont typeface="+mj-lt"/>
+              <a:buAutoNum type="arabicPeriod"/>
+            </a:pPr>
+            <a:r>
+              <a:rPr lang="en-US" dirty="0"/>
+              <a:t>Select </a:t>
+            </a:r>
+            <a:r>
+              <a:rPr lang="en-US" b="1" dirty="0"/>
+              <a:t>priors</a:t>
+            </a:r>
+            <a:r>
+              <a:rPr lang="en-US" dirty="0"/>
+              <a:t> for all included factors</a:t>
+            </a:r>
+          </a:p>
+          <a:p>
+            <a:pPr marL="514350" indent="-514350">
+              <a:buFont typeface="+mj-lt"/>
+              <a:buAutoNum type="arabicPeriod"/>
+            </a:pPr>
+            <a:r>
+              <a:rPr lang="en-US" dirty="0"/>
+              <a:t>Run </a:t>
+            </a:r>
+            <a:r>
+              <a:rPr lang="en-US" b="1" dirty="0"/>
+              <a:t>prior predictive check</a:t>
+            </a:r>
+          </a:p>
+          <a:p>
+            <a:pPr marL="514350" indent="-514350">
+              <a:buFont typeface="+mj-lt"/>
+              <a:buAutoNum type="arabicPeriod"/>
+            </a:pPr>
+            <a:r>
+              <a:rPr lang="en-US" b="1" dirty="0"/>
+              <a:t>Fit the model </a:t>
+            </a:r>
+            <a:r>
+              <a:rPr lang="en-US" dirty="0"/>
+              <a:t>to the collected data</a:t>
+            </a:r>
+          </a:p>
+          <a:p>
+            <a:pPr marL="514350" indent="-514350">
+              <a:buFont typeface="+mj-lt"/>
+              <a:buAutoNum type="arabicPeriod"/>
+            </a:pPr>
+            <a:r>
+              <a:rPr lang="en-US" dirty="0"/>
+              <a:t>Run </a:t>
+            </a:r>
+            <a:r>
+              <a:rPr lang="en-US" b="1" dirty="0"/>
+              <a:t>posterior predictive check</a:t>
+            </a:r>
+          </a:p>
+          <a:p>
+            <a:pPr marL="514350" indent="-514350">
+              <a:buFont typeface="+mj-lt"/>
+              <a:buAutoNum type="arabicPeriod"/>
+            </a:pPr>
+            <a:r>
+              <a:rPr lang="en-US" dirty="0"/>
+              <a:t>Plot </a:t>
+            </a:r>
+            <a:r>
+              <a:rPr lang="en-US" b="1" dirty="0"/>
+              <a:t>marginal distributions</a:t>
+            </a:r>
           </a:p>
         </p:txBody>
       </p:sp>
@@ -23074,7 +24456,7 @@
           <p:cNvPr id="4" name="Date Placeholder 3">
             <a:extLst>
               <a:ext uri="{FF2B5EF4-FFF2-40B4-BE49-F238E27FC236}">
-                <a16:creationId xmlns:a16="http://schemas.microsoft.com/office/drawing/2014/main" id="{616E01F7-63B8-D1B2-4B83-BB6AAC58771A}"/>
+                <a16:creationId xmlns:a16="http://schemas.microsoft.com/office/drawing/2014/main" id="{7853CEEC-2AF3-92E3-EA6C-8601CAC6D6F4}"/>
               </a:ext>
             </a:extLst>
           </p:cNvPr>
@@ -23102,7 +24484,7 @@
           <p:cNvPr id="5" name="Footer Placeholder 4">
             <a:extLst>
               <a:ext uri="{FF2B5EF4-FFF2-40B4-BE49-F238E27FC236}">
-                <a16:creationId xmlns:a16="http://schemas.microsoft.com/office/drawing/2014/main" id="{6C545FCB-08CB-055A-2F04-4069B45BAEDC}"/>
+                <a16:creationId xmlns:a16="http://schemas.microsoft.com/office/drawing/2014/main" id="{09813379-622C-9DFA-71D3-D0F2A6549985}"/>
               </a:ext>
             </a:extLst>
           </p:cNvPr>
@@ -23130,7 +24512,7 @@
           <p:cNvPr id="6" name="Slide Number Placeholder 5">
             <a:extLst>
               <a:ext uri="{FF2B5EF4-FFF2-40B4-BE49-F238E27FC236}">
-                <a16:creationId xmlns:a16="http://schemas.microsoft.com/office/drawing/2014/main" id="{CE648900-D064-E9F0-2153-8A516C8024ED}"/>
+                <a16:creationId xmlns:a16="http://schemas.microsoft.com/office/drawing/2014/main" id="{9F90D1C8-AB9E-2E02-D0D6-BB067B584D80}"/>
               </a:ext>
             </a:extLst>
           </p:cNvPr>
@@ -23157,7 +24539,7 @@
     </p:spTree>
     <p:extLst>
       <p:ext uri="{BB962C8B-B14F-4D97-AF65-F5344CB8AC3E}">
-        <p14:creationId xmlns:p14="http://schemas.microsoft.com/office/powerpoint/2010/main" val="1219103867"/>
+        <p14:creationId xmlns:p14="http://schemas.microsoft.com/office/powerpoint/2010/main" val="4178110035"/>
       </p:ext>
     </p:extLst>
   </p:cSld>
@@ -23189,7 +24571,7 @@
           <p:cNvPr id="2" name="Title 1">
             <a:extLst>
               <a:ext uri="{FF2B5EF4-FFF2-40B4-BE49-F238E27FC236}">
-                <a16:creationId xmlns:a16="http://schemas.microsoft.com/office/drawing/2014/main" id="{9DFDBDFA-DD98-5074-F855-6952DEF9CA16}"/>
+                <a16:creationId xmlns:a16="http://schemas.microsoft.com/office/drawing/2014/main" id="{3CC60B4B-88BC-CFD5-84E5-9BE4E0E29223}"/>
               </a:ext>
             </a:extLst>
           </p:cNvPr>
@@ -23206,18 +24588,9 @@
           <a:lstStyle/>
           <a:p>
             <a:r>
-              <a:rPr lang="sv-SE" dirty="0"/>
-              <a:t>The </a:t>
-            </a:r>
-            <a:r>
-              <a:rPr lang="sv-SE" dirty="0" err="1"/>
-              <a:t>Bayesian</a:t>
-            </a:r>
-            <a:r>
-              <a:rPr lang="sv-SE" dirty="0"/>
-              <a:t> Approach</a:t>
-            </a:r>
-            <a:endParaRPr lang="en-US" dirty="0"/>
+              <a:rPr lang="en-US" dirty="0"/>
+              <a:t>Demonstration of the Bayesian Approach</a:t>
+            </a:r>
           </a:p>
         </p:txBody>
       </p:sp>
@@ -23226,7 +24599,7 @@
           <p:cNvPr id="3" name="Content Placeholder 2">
             <a:extLst>
               <a:ext uri="{FF2B5EF4-FFF2-40B4-BE49-F238E27FC236}">
-                <a16:creationId xmlns:a16="http://schemas.microsoft.com/office/drawing/2014/main" id="{63793681-509F-4BBF-B874-7246C72FD2E0}"/>
+                <a16:creationId xmlns:a16="http://schemas.microsoft.com/office/drawing/2014/main" id="{AE6DDF7A-9D5F-F440-7B32-642DD080540C}"/>
               </a:ext>
             </a:extLst>
           </p:cNvPr>
@@ -23237,146 +24610,33 @@
             <p:ph idx="1"/>
           </p:nvPr>
         </p:nvSpPr>
-        <p:spPr/>
+        <p:spPr>
+          <a:xfrm>
+            <a:off x="838200" y="1825625"/>
+            <a:ext cx="10515600" cy="661543"/>
+          </a:xfrm>
+        </p:spPr>
         <p:txBody>
           <a:bodyPr/>
           <a:lstStyle/>
           <a:p>
             <a:pPr marL="514350" indent="-514350">
-              <a:buFont typeface="+mj-lt"/>
               <a:buAutoNum type="arabicPeriod"/>
             </a:pPr>
             <a:r>
-              <a:rPr lang="sv-SE" dirty="0" err="1"/>
-              <a:t>Define</a:t>
-            </a:r>
-            <a:r>
-              <a:rPr lang="sv-SE" dirty="0"/>
-              <a:t> regression </a:t>
-            </a:r>
-            <a:r>
-              <a:rPr lang="sv-SE" dirty="0" err="1"/>
-              <a:t>formula</a:t>
-            </a:r>
-            <a:endParaRPr lang="sv-SE" dirty="0"/>
-          </a:p>
-          <a:p>
-            <a:pPr marL="514350" indent="-514350">
-              <a:buFont typeface="+mj-lt"/>
-              <a:buAutoNum type="arabicPeriod"/>
+              <a:rPr lang="en-US" dirty="0"/>
+              <a:t>Define </a:t>
+            </a:r>
+            <a:r>
+              <a:rPr lang="en-US" b="1" dirty="0"/>
+              <a:t>regression formula</a:t>
+            </a:r>
+          </a:p>
+          <a:p>
+            <a:pPr marL="0" indent="0">
+              <a:buNone/>
             </a:pPr>
-            <a:r>
-              <a:rPr lang="sv-SE" dirty="0" err="1"/>
-              <a:t>Determine</a:t>
-            </a:r>
-            <a:r>
-              <a:rPr lang="sv-SE" dirty="0"/>
-              <a:t> </a:t>
-            </a:r>
-            <a:r>
-              <a:rPr lang="sv-SE" dirty="0" err="1"/>
-              <a:t>model</a:t>
-            </a:r>
-            <a:r>
-              <a:rPr lang="sv-SE" dirty="0"/>
-              <a:t> distribution</a:t>
-            </a:r>
-          </a:p>
-          <a:p>
-            <a:pPr marL="514350" indent="-514350">
-              <a:buFont typeface="+mj-lt"/>
-              <a:buAutoNum type="arabicPeriod"/>
-            </a:pPr>
-            <a:r>
-              <a:rPr lang="sv-SE" dirty="0" err="1"/>
-              <a:t>Select</a:t>
-            </a:r>
-            <a:r>
-              <a:rPr lang="sv-SE" dirty="0"/>
-              <a:t> priors</a:t>
-            </a:r>
-          </a:p>
-          <a:p>
-            <a:pPr marL="514350" indent="-514350">
-              <a:buFont typeface="+mj-lt"/>
-              <a:buAutoNum type="arabicPeriod"/>
-            </a:pPr>
-            <a:r>
-              <a:rPr lang="sv-SE" dirty="0" err="1"/>
-              <a:t>Run</a:t>
-            </a:r>
-            <a:r>
-              <a:rPr lang="sv-SE" dirty="0"/>
-              <a:t> prior </a:t>
-            </a:r>
-            <a:r>
-              <a:rPr lang="sv-SE" dirty="0" err="1"/>
-              <a:t>predictive</a:t>
-            </a:r>
-            <a:r>
-              <a:rPr lang="sv-SE" dirty="0"/>
-              <a:t> check</a:t>
-            </a:r>
-          </a:p>
-          <a:p>
-            <a:pPr marL="514350" indent="-514350">
-              <a:buFont typeface="+mj-lt"/>
-              <a:buAutoNum type="arabicPeriod"/>
-            </a:pPr>
-            <a:r>
-              <a:rPr lang="sv-SE" dirty="0"/>
-              <a:t>Fit the </a:t>
-            </a:r>
-            <a:r>
-              <a:rPr lang="sv-SE" dirty="0" err="1"/>
-              <a:t>model</a:t>
-            </a:r>
-            <a:endParaRPr lang="sv-SE" dirty="0"/>
-          </a:p>
-          <a:p>
-            <a:pPr marL="514350" indent="-514350">
-              <a:buFont typeface="+mj-lt"/>
-              <a:buAutoNum type="arabicPeriod"/>
-            </a:pPr>
-            <a:r>
-              <a:rPr lang="sv-SE" dirty="0" err="1"/>
-              <a:t>Run</a:t>
-            </a:r>
-            <a:r>
-              <a:rPr lang="sv-SE" dirty="0"/>
-              <a:t> </a:t>
-            </a:r>
-            <a:r>
-              <a:rPr lang="sv-SE" dirty="0" err="1"/>
-              <a:t>posterior</a:t>
-            </a:r>
-            <a:r>
-              <a:rPr lang="sv-SE" dirty="0"/>
-              <a:t> </a:t>
-            </a:r>
-            <a:r>
-              <a:rPr lang="sv-SE" dirty="0" err="1"/>
-              <a:t>predictive</a:t>
-            </a:r>
-            <a:r>
-              <a:rPr lang="sv-SE" dirty="0"/>
-              <a:t> check</a:t>
-            </a:r>
-          </a:p>
-          <a:p>
-            <a:pPr marL="514350" indent="-514350">
-              <a:buFont typeface="+mj-lt"/>
-              <a:buAutoNum type="arabicPeriod"/>
-            </a:pPr>
-            <a:r>
-              <a:rPr lang="sv-SE" dirty="0" err="1"/>
-              <a:t>Plot</a:t>
-            </a:r>
-            <a:r>
-              <a:rPr lang="sv-SE" dirty="0"/>
-              <a:t> marginal distributions</a:t>
-            </a:r>
-            <a:endParaRPr lang="en-US" dirty="0"/>
+            <a:endParaRPr lang="en-US" b="1" dirty="0"/>
           </a:p>
         </p:txBody>
       </p:sp>
@@ -23385,7 +24645,7 @@
           <p:cNvPr id="4" name="Date Placeholder 3">
             <a:extLst>
               <a:ext uri="{FF2B5EF4-FFF2-40B4-BE49-F238E27FC236}">
-                <a16:creationId xmlns:a16="http://schemas.microsoft.com/office/drawing/2014/main" id="{7853CEEC-2AF3-92E3-EA6C-8601CAC6D6F4}"/>
+                <a16:creationId xmlns:a16="http://schemas.microsoft.com/office/drawing/2014/main" id="{79DFEEAF-0645-40DC-1613-53DC1272DA26}"/>
               </a:ext>
             </a:extLst>
           </p:cNvPr>
@@ -23413,7 +24673,7 @@
           <p:cNvPr id="5" name="Footer Placeholder 4">
             <a:extLst>
               <a:ext uri="{FF2B5EF4-FFF2-40B4-BE49-F238E27FC236}">
-                <a16:creationId xmlns:a16="http://schemas.microsoft.com/office/drawing/2014/main" id="{09813379-622C-9DFA-71D3-D0F2A6549985}"/>
+                <a16:creationId xmlns:a16="http://schemas.microsoft.com/office/drawing/2014/main" id="{C98C849D-2278-2A3E-2143-3AE40709C946}"/>
               </a:ext>
             </a:extLst>
           </p:cNvPr>
@@ -23441,7 +24701,7 @@
           <p:cNvPr id="6" name="Slide Number Placeholder 5">
             <a:extLst>
               <a:ext uri="{FF2B5EF4-FFF2-40B4-BE49-F238E27FC236}">
-                <a16:creationId xmlns:a16="http://schemas.microsoft.com/office/drawing/2014/main" id="{9F90D1C8-AB9E-2E02-D0D6-BB067B584D80}"/>
+                <a16:creationId xmlns:a16="http://schemas.microsoft.com/office/drawing/2014/main" id="{FE3FC949-DD4C-284A-2B86-13FADF39C339}"/>
               </a:ext>
             </a:extLst>
           </p:cNvPr>
@@ -23465,10 +24725,469 @@
           </a:p>
         </p:txBody>
       </p:sp>
+      <p:pic>
+        <p:nvPicPr>
+          <p:cNvPr id="7" name="Picture 6">
+            <a:extLst>
+              <a:ext uri="{FF2B5EF4-FFF2-40B4-BE49-F238E27FC236}">
+                <a16:creationId xmlns:a16="http://schemas.microsoft.com/office/drawing/2014/main" id="{B25685E3-5E17-3EA5-6DAF-2EFAEF09A499}"/>
+              </a:ext>
+            </a:extLst>
+          </p:cNvPr>
+          <p:cNvPicPr>
+            <a:picLocks noChangeAspect="1"/>
+          </p:cNvPicPr>
+          <p:nvPr/>
+        </p:nvPicPr>
+        <p:blipFill>
+          <a:blip r:embed="rId2"/>
+          <a:stretch>
+            <a:fillRect/>
+          </a:stretch>
+        </p:blipFill>
+        <p:spPr>
+          <a:xfrm>
+            <a:off x="838200" y="2909570"/>
+            <a:ext cx="5144396" cy="3168650"/>
+          </a:xfrm>
+          <a:prstGeom prst="rect">
+            <a:avLst/>
+          </a:prstGeom>
+        </p:spPr>
+      </p:pic>
+      <mc:AlternateContent xmlns:mc="http://schemas.openxmlformats.org/markup-compatibility/2006">
+        <mc:Choice xmlns:a14="http://schemas.microsoft.com/office/drawing/2010/main" Requires="a14">
+          <p:sp>
+            <p:nvSpPr>
+              <p:cNvPr id="8" name="TextBox 7">
+                <a:extLst>
+                  <a:ext uri="{FF2B5EF4-FFF2-40B4-BE49-F238E27FC236}">
+                    <a16:creationId xmlns:a16="http://schemas.microsoft.com/office/drawing/2014/main" id="{D0927FC8-0BEE-ED75-C4AE-3E9FEF70606A}"/>
+                  </a:ext>
+                </a:extLst>
+              </p:cNvPr>
+              <p:cNvSpPr txBox="1"/>
+              <p:nvPr/>
+            </p:nvSpPr>
+            <p:spPr>
+              <a:xfrm>
+                <a:off x="1240624" y="4101146"/>
+                <a:ext cx="1382366" cy="369332"/>
+              </a:xfrm>
+              <a:prstGeom prst="rect">
+                <a:avLst/>
+              </a:prstGeom>
+              <a:noFill/>
+            </p:spPr>
+            <p:txBody>
+              <a:bodyPr wrap="none" rtlCol="0">
+                <a:spAutoFit/>
+              </a:bodyPr>
+              <a:lstStyle/>
+              <a:p>
+                <a:pPr/>
+                <a14:m>
+                  <m:oMathPara xmlns:m="http://schemas.openxmlformats.org/officeDocument/2006/math">
+                    <m:oMathParaPr>
+                      <m:jc m:val="centerGroup"/>
+                    </m:oMathParaPr>
+                    <m:oMath xmlns:m="http://schemas.openxmlformats.org/officeDocument/2006/math">
+                      <m:sSub>
+                        <m:sSubPr>
+                          <m:ctrlPr>
+                            <a:rPr lang="sv-SE" b="0" i="1" smtClean="0">
+                              <a:latin typeface="Cambria Math" panose="02040503050406030204" pitchFamily="18" charset="0"/>
+                            </a:rPr>
+                          </m:ctrlPr>
+                        </m:sSubPr>
+                        <m:e>
+                          <m:r>
+                            <a:rPr lang="sv-SE" b="0" i="1" smtClean="0">
+                              <a:latin typeface="Cambria Math" panose="02040503050406030204" pitchFamily="18" charset="0"/>
+                            </a:rPr>
+                            <m:t>𝛽</m:t>
+                          </m:r>
+                        </m:e>
+                        <m:sub>
+                          <m:r>
+                            <a:rPr lang="sv-SE" b="0" i="1" smtClean="0">
+                              <a:latin typeface="Cambria Math" panose="02040503050406030204" pitchFamily="18" charset="0"/>
+                            </a:rPr>
+                            <m:t>𝑚</m:t>
+                          </m:r>
+                          <m:r>
+                            <a:rPr lang="sv-SE" b="0" i="1" smtClean="0">
+                              <a:latin typeface="Cambria Math" panose="02040503050406030204" pitchFamily="18" charset="0"/>
+                            </a:rPr>
+                            <m:t>→</m:t>
+                          </m:r>
+                          <m:r>
+                            <a:rPr lang="sv-SE" b="0" i="1" smtClean="0">
+                              <a:latin typeface="Cambria Math" panose="02040503050406030204" pitchFamily="18" charset="0"/>
+                            </a:rPr>
+                            <m:t>𝑎</m:t>
+                          </m:r>
+                        </m:sub>
+                      </m:sSub>
+                      <m:r>
+                        <a:rPr lang="sv-SE" b="0" i="1" smtClean="0">
+                          <a:latin typeface="Cambria Math" panose="02040503050406030204" pitchFamily="18" charset="0"/>
+                        </a:rPr>
+                        <m:t>=0.5</m:t>
+                      </m:r>
+                    </m:oMath>
+                  </m:oMathPara>
+                </a14:m>
+                <a:endParaRPr lang="en-US" dirty="0"/>
+              </a:p>
+            </p:txBody>
+          </p:sp>
+        </mc:Choice>
+        <mc:Fallback>
+          <p:sp>
+            <p:nvSpPr>
+              <p:cNvPr id="8" name="TextBox 7">
+                <a:extLst>
+                  <a:ext uri="{FF2B5EF4-FFF2-40B4-BE49-F238E27FC236}">
+                    <a16:creationId xmlns:a16="http://schemas.microsoft.com/office/drawing/2014/main" id="{D0927FC8-0BEE-ED75-C4AE-3E9FEF70606A}"/>
+                  </a:ext>
+                </a:extLst>
+              </p:cNvPr>
+              <p:cNvSpPr txBox="1">
+                <a:spLocks noRot="1" noChangeAspect="1" noMove="1" noResize="1" noEditPoints="1" noAdjustHandles="1" noChangeArrowheads="1" noChangeShapeType="1" noTextEdit="1"/>
+              </p:cNvSpPr>
+              <p:nvPr/>
+            </p:nvSpPr>
+            <p:spPr>
+              <a:xfrm>
+                <a:off x="1240624" y="4101146"/>
+                <a:ext cx="1382366" cy="369332"/>
+              </a:xfrm>
+              <a:prstGeom prst="rect">
+                <a:avLst/>
+              </a:prstGeom>
+              <a:blipFill>
+                <a:blip r:embed="rId3"/>
+                <a:stretch>
+                  <a:fillRect b="-13333"/>
+                </a:stretch>
+              </a:blipFill>
+            </p:spPr>
+            <p:txBody>
+              <a:bodyPr/>
+              <a:lstStyle/>
+              <a:p>
+                <a:r>
+                  <a:rPr lang="en-US">
+                    <a:noFill/>
+                  </a:rPr>
+                  <a:t> </a:t>
+                </a:r>
+              </a:p>
+            </p:txBody>
+          </p:sp>
+        </mc:Fallback>
+      </mc:AlternateContent>
+      <mc:AlternateContent xmlns:mc="http://schemas.openxmlformats.org/markup-compatibility/2006">
+        <mc:Choice xmlns:a14="http://schemas.microsoft.com/office/drawing/2010/main" Requires="a14">
+          <p:sp>
+            <p:nvSpPr>
+              <p:cNvPr id="9" name="TextBox 8">
+                <a:extLst>
+                  <a:ext uri="{FF2B5EF4-FFF2-40B4-BE49-F238E27FC236}">
+                    <a16:creationId xmlns:a16="http://schemas.microsoft.com/office/drawing/2014/main" id="{3683050D-C79A-DF1F-0C3F-23C3EF6E32C3}"/>
+                  </a:ext>
+                </a:extLst>
+              </p:cNvPr>
+              <p:cNvSpPr txBox="1"/>
+              <p:nvPr/>
+            </p:nvSpPr>
+            <p:spPr>
+              <a:xfrm>
+                <a:off x="4713634" y="4101146"/>
+                <a:ext cx="1380314" cy="390748"/>
+              </a:xfrm>
+              <a:prstGeom prst="rect">
+                <a:avLst/>
+              </a:prstGeom>
+              <a:noFill/>
+            </p:spPr>
+            <p:txBody>
+              <a:bodyPr wrap="none" rtlCol="0">
+                <a:spAutoFit/>
+              </a:bodyPr>
+              <a:lstStyle/>
+              <a:p>
+                <a:pPr/>
+                <a14:m>
+                  <m:oMathPara xmlns:m="http://schemas.openxmlformats.org/officeDocument/2006/math">
+                    <m:oMathParaPr>
+                      <m:jc m:val="centerGroup"/>
+                    </m:oMathParaPr>
+                    <m:oMath xmlns:m="http://schemas.openxmlformats.org/officeDocument/2006/math">
+                      <m:sSub>
+                        <m:sSubPr>
+                          <m:ctrlPr>
+                            <a:rPr lang="sv-SE" b="0" i="1" smtClean="0">
+                              <a:latin typeface="Cambria Math" panose="02040503050406030204" pitchFamily="18" charset="0"/>
+                            </a:rPr>
+                          </m:ctrlPr>
+                        </m:sSubPr>
+                        <m:e>
+                          <m:r>
+                            <a:rPr lang="sv-SE" b="0" i="1" smtClean="0">
+                              <a:latin typeface="Cambria Math" panose="02040503050406030204" pitchFamily="18" charset="0"/>
+                            </a:rPr>
+                            <m:t>𝛽</m:t>
+                          </m:r>
+                        </m:e>
+                        <m:sub>
+                          <m:r>
+                            <a:rPr lang="sv-SE" b="0" i="1" smtClean="0">
+                              <a:latin typeface="Cambria Math" panose="02040503050406030204" pitchFamily="18" charset="0"/>
+                            </a:rPr>
+                            <m:t>𝑚</m:t>
+                          </m:r>
+                          <m:r>
+                            <a:rPr lang="sv-SE" b="0" i="1" smtClean="0">
+                              <a:latin typeface="Cambria Math" panose="02040503050406030204" pitchFamily="18" charset="0"/>
+                            </a:rPr>
+                            <m:t>→</m:t>
+                          </m:r>
+                          <m:r>
+                            <a:rPr lang="sv-SE" b="0" i="1" smtClean="0">
+                              <a:latin typeface="Cambria Math" panose="02040503050406030204" pitchFamily="18" charset="0"/>
+                            </a:rPr>
+                            <m:t>𝑝</m:t>
+                          </m:r>
+                        </m:sub>
+                      </m:sSub>
+                      <m:r>
+                        <a:rPr lang="sv-SE" b="0" i="1" smtClean="0">
+                          <a:latin typeface="Cambria Math" panose="02040503050406030204" pitchFamily="18" charset="0"/>
+                        </a:rPr>
+                        <m:t>=0.9</m:t>
+                      </m:r>
+                    </m:oMath>
+                  </m:oMathPara>
+                </a14:m>
+                <a:endParaRPr lang="en-US" dirty="0"/>
+              </a:p>
+            </p:txBody>
+          </p:sp>
+        </mc:Choice>
+        <mc:Fallback>
+          <p:sp>
+            <p:nvSpPr>
+              <p:cNvPr id="9" name="TextBox 8">
+                <a:extLst>
+                  <a:ext uri="{FF2B5EF4-FFF2-40B4-BE49-F238E27FC236}">
+                    <a16:creationId xmlns:a16="http://schemas.microsoft.com/office/drawing/2014/main" id="{3683050D-C79A-DF1F-0C3F-23C3EF6E32C3}"/>
+                  </a:ext>
+                </a:extLst>
+              </p:cNvPr>
+              <p:cNvSpPr txBox="1">
+                <a:spLocks noRot="1" noChangeAspect="1" noMove="1" noResize="1" noEditPoints="1" noAdjustHandles="1" noChangeArrowheads="1" noChangeShapeType="1" noTextEdit="1"/>
+              </p:cNvSpPr>
+              <p:nvPr/>
+            </p:nvSpPr>
+            <p:spPr>
+              <a:xfrm>
+                <a:off x="4713634" y="4101146"/>
+                <a:ext cx="1380314" cy="390748"/>
+              </a:xfrm>
+              <a:prstGeom prst="rect">
+                <a:avLst/>
+              </a:prstGeom>
+              <a:blipFill>
+                <a:blip r:embed="rId4"/>
+                <a:stretch>
+                  <a:fillRect b="-7813"/>
+                </a:stretch>
+              </a:blipFill>
+            </p:spPr>
+            <p:txBody>
+              <a:bodyPr/>
+              <a:lstStyle/>
+              <a:p>
+                <a:r>
+                  <a:rPr lang="en-US">
+                    <a:noFill/>
+                  </a:rPr>
+                  <a:t> </a:t>
+                </a:r>
+              </a:p>
+            </p:txBody>
+          </p:sp>
+        </mc:Fallback>
+      </mc:AlternateContent>
+      <mc:AlternateContent xmlns:mc="http://schemas.openxmlformats.org/markup-compatibility/2006">
+        <mc:Choice xmlns:a14="http://schemas.microsoft.com/office/drawing/2010/main" Requires="a14">
+          <p:sp>
+            <p:nvSpPr>
+              <p:cNvPr id="10" name="TextBox 9">
+                <a:extLst>
+                  <a:ext uri="{FF2B5EF4-FFF2-40B4-BE49-F238E27FC236}">
+                    <a16:creationId xmlns:a16="http://schemas.microsoft.com/office/drawing/2014/main" id="{C3E0CF89-806E-DF1F-0125-8B92055E0C30}"/>
+                  </a:ext>
+                </a:extLst>
+              </p:cNvPr>
+              <p:cNvSpPr txBox="1"/>
+              <p:nvPr/>
+            </p:nvSpPr>
+            <p:spPr>
+              <a:xfrm>
+                <a:off x="2658718" y="5687472"/>
+                <a:ext cx="1503360" cy="390748"/>
+              </a:xfrm>
+              <a:prstGeom prst="rect">
+                <a:avLst/>
+              </a:prstGeom>
+              <a:noFill/>
+            </p:spPr>
+            <p:txBody>
+              <a:bodyPr wrap="none" rtlCol="0">
+                <a:spAutoFit/>
+              </a:bodyPr>
+              <a:lstStyle/>
+              <a:p>
+                <a:pPr/>
+                <a14:m>
+                  <m:oMathPara xmlns:m="http://schemas.openxmlformats.org/officeDocument/2006/math">
+                    <m:oMathParaPr>
+                      <m:jc m:val="centerGroup"/>
+                    </m:oMathParaPr>
+                    <m:oMath xmlns:m="http://schemas.openxmlformats.org/officeDocument/2006/math">
+                      <m:sSub>
+                        <m:sSubPr>
+                          <m:ctrlPr>
+                            <a:rPr lang="sv-SE" b="0" i="1" smtClean="0">
+                              <a:latin typeface="Cambria Math" panose="02040503050406030204" pitchFamily="18" charset="0"/>
+                            </a:rPr>
+                          </m:ctrlPr>
+                        </m:sSubPr>
+                        <m:e>
+                          <m:r>
+                            <a:rPr lang="sv-SE" b="0" i="1" smtClean="0">
+                              <a:latin typeface="Cambria Math" panose="02040503050406030204" pitchFamily="18" charset="0"/>
+                            </a:rPr>
+                            <m:t>𝛽</m:t>
+                          </m:r>
+                        </m:e>
+                        <m:sub>
+                          <m:r>
+                            <a:rPr lang="sv-SE" b="0" i="1" smtClean="0">
+                              <a:latin typeface="Cambria Math" panose="02040503050406030204" pitchFamily="18" charset="0"/>
+                            </a:rPr>
+                            <m:t>𝑎</m:t>
+                          </m:r>
+                          <m:r>
+                            <a:rPr lang="sv-SE" b="0" i="1" smtClean="0">
+                              <a:latin typeface="Cambria Math" panose="02040503050406030204" pitchFamily="18" charset="0"/>
+                            </a:rPr>
+                            <m:t>→</m:t>
+                          </m:r>
+                          <m:r>
+                            <a:rPr lang="sv-SE" b="0" i="1" smtClean="0">
+                              <a:latin typeface="Cambria Math" panose="02040503050406030204" pitchFamily="18" charset="0"/>
+                            </a:rPr>
+                            <m:t>𝑝</m:t>
+                          </m:r>
+                        </m:sub>
+                      </m:sSub>
+                      <m:r>
+                        <a:rPr lang="sv-SE" b="0" i="1" smtClean="0">
+                          <a:latin typeface="Cambria Math" panose="02040503050406030204" pitchFamily="18" charset="0"/>
+                        </a:rPr>
+                        <m:t>=−0.3</m:t>
+                      </m:r>
+                    </m:oMath>
+                  </m:oMathPara>
+                </a14:m>
+                <a:endParaRPr lang="en-US" dirty="0"/>
+              </a:p>
+            </p:txBody>
+          </p:sp>
+        </mc:Choice>
+        <mc:Fallback>
+          <p:sp>
+            <p:nvSpPr>
+              <p:cNvPr id="10" name="TextBox 9">
+                <a:extLst>
+                  <a:ext uri="{FF2B5EF4-FFF2-40B4-BE49-F238E27FC236}">
+                    <a16:creationId xmlns:a16="http://schemas.microsoft.com/office/drawing/2014/main" id="{C3E0CF89-806E-DF1F-0125-8B92055E0C30}"/>
+                  </a:ext>
+                </a:extLst>
+              </p:cNvPr>
+              <p:cNvSpPr txBox="1">
+                <a:spLocks noRot="1" noChangeAspect="1" noMove="1" noResize="1" noEditPoints="1" noAdjustHandles="1" noChangeArrowheads="1" noChangeShapeType="1" noTextEdit="1"/>
+              </p:cNvSpPr>
+              <p:nvPr/>
+            </p:nvSpPr>
+            <p:spPr>
+              <a:xfrm>
+                <a:off x="2658718" y="5687472"/>
+                <a:ext cx="1503360" cy="390748"/>
+              </a:xfrm>
+              <a:prstGeom prst="rect">
+                <a:avLst/>
+              </a:prstGeom>
+              <a:blipFill>
+                <a:blip r:embed="rId5"/>
+                <a:stretch>
+                  <a:fillRect b="-7813"/>
+                </a:stretch>
+              </a:blipFill>
+            </p:spPr>
+            <p:txBody>
+              <a:bodyPr/>
+              <a:lstStyle/>
+              <a:p>
+                <a:r>
+                  <a:rPr lang="en-US">
+                    <a:noFill/>
+                  </a:rPr>
+                  <a:t> </a:t>
+                </a:r>
+              </a:p>
+            </p:txBody>
+          </p:sp>
+        </mc:Fallback>
+      </mc:AlternateContent>
+      <p:pic>
+        <p:nvPicPr>
+          <p:cNvPr id="12" name="Picture 11">
+            <a:extLst>
+              <a:ext uri="{FF2B5EF4-FFF2-40B4-BE49-F238E27FC236}">
+                <a16:creationId xmlns:a16="http://schemas.microsoft.com/office/drawing/2014/main" id="{B67F98C2-EB07-9193-B917-08F53D13D880}"/>
+              </a:ext>
+            </a:extLst>
+          </p:cNvPr>
+          <p:cNvPicPr>
+            <a:picLocks noChangeAspect="1"/>
+          </p:cNvPicPr>
+          <p:nvPr/>
+        </p:nvPicPr>
+        <p:blipFill>
+          <a:blip r:embed="rId6"/>
+          <a:stretch>
+            <a:fillRect/>
+          </a:stretch>
+        </p:blipFill>
+        <p:spPr>
+          <a:xfrm>
+            <a:off x="7370204" y="3884899"/>
+            <a:ext cx="1628775" cy="466725"/>
+          </a:xfrm>
+          <a:prstGeom prst="rect">
+            <a:avLst/>
+          </a:prstGeom>
+        </p:spPr>
+      </p:pic>
     </p:spTree>
     <p:extLst>
       <p:ext uri="{BB962C8B-B14F-4D97-AF65-F5344CB8AC3E}">
-        <p14:creationId xmlns:p14="http://schemas.microsoft.com/office/powerpoint/2010/main" val="4178110035"/>
+        <p14:creationId xmlns:p14="http://schemas.microsoft.com/office/powerpoint/2010/main" val="2186023192"/>
       </p:ext>
     </p:extLst>
   </p:cSld>
@@ -24005,26 +25724,9 @@
           <a:lstStyle/>
           <a:p>
             <a:r>
-              <a:rPr lang="sv-SE" dirty="0"/>
-              <a:t>Demonstration </a:t>
-            </a:r>
-            <a:r>
-              <a:rPr lang="sv-SE" dirty="0" err="1"/>
-              <a:t>of</a:t>
-            </a:r>
-            <a:r>
-              <a:rPr lang="sv-SE" dirty="0"/>
-              <a:t> the </a:t>
-            </a:r>
-            <a:r>
-              <a:rPr lang="sv-SE" dirty="0" err="1"/>
-              <a:t>Bayesian</a:t>
-            </a:r>
-            <a:r>
-              <a:rPr lang="sv-SE" dirty="0"/>
-              <a:t> Approach</a:t>
-            </a:r>
-            <a:endParaRPr lang="en-US" dirty="0"/>
+              <a:rPr lang="en-US" dirty="0"/>
+              <a:t>Demonstration of the Bayesian Approach</a:t>
+            </a:r>
           </a:p>
         </p:txBody>
       </p:sp>
@@ -24044,12 +25746,53 @@
             <p:ph idx="1"/>
           </p:nvPr>
         </p:nvSpPr>
-        <p:spPr/>
-        <p:txBody>
-          <a:bodyPr/>
-          <a:lstStyle/>
-          <a:p>
-            <a:endParaRPr lang="en-US"/>
+        <p:spPr>
+          <a:xfrm>
+            <a:off x="838200" y="1825625"/>
+            <a:ext cx="10515600" cy="1112647"/>
+          </a:xfrm>
+        </p:spPr>
+        <p:txBody>
+          <a:bodyPr/>
+          <a:lstStyle/>
+          <a:p>
+            <a:pPr marL="514350" indent="-514350">
+              <a:buFont typeface="+mj-lt"/>
+              <a:buAutoNum type="arabicPeriod" startAt="2"/>
+            </a:pPr>
+            <a:r>
+              <a:rPr lang="en-US" dirty="0"/>
+              <a:t>Determine </a:t>
+            </a:r>
+            <a:r>
+              <a:rPr lang="en-US" b="1" dirty="0"/>
+              <a:t>model distribution</a:t>
+            </a:r>
+          </a:p>
+          <a:p>
+            <a:pPr marL="514350" indent="-514350">
+              <a:buFont typeface="+mj-lt"/>
+              <a:buAutoNum type="arabicPeriod" startAt="2"/>
+            </a:pPr>
+            <a:r>
+              <a:rPr lang="en-US" dirty="0"/>
+              <a:t>Select </a:t>
+            </a:r>
+            <a:r>
+              <a:rPr lang="en-US" b="1" dirty="0"/>
+              <a:t>priors</a:t>
+            </a:r>
+            <a:r>
+              <a:rPr lang="en-US" dirty="0"/>
+              <a:t> for all included factors</a:t>
+            </a:r>
+            <a:endParaRPr lang="en-US" b="1" dirty="0"/>
+          </a:p>
+          <a:p>
+            <a:pPr marL="0" indent="0">
+              <a:buNone/>
+            </a:pPr>
+            <a:endParaRPr lang="en-US" b="1" dirty="0"/>
           </a:p>
         </p:txBody>
       </p:sp>
@@ -24138,10 +25881,70 @@
           </a:p>
         </p:txBody>
       </p:sp>
+      <p:pic>
+        <p:nvPicPr>
+          <p:cNvPr id="13" name="Picture 12">
+            <a:extLst>
+              <a:ext uri="{FF2B5EF4-FFF2-40B4-BE49-F238E27FC236}">
+                <a16:creationId xmlns:a16="http://schemas.microsoft.com/office/drawing/2014/main" id="{4DCD1F97-35CA-8612-A0BF-51F62C52C82E}"/>
+              </a:ext>
+            </a:extLst>
+          </p:cNvPr>
+          <p:cNvPicPr>
+            <a:picLocks noChangeAspect="1"/>
+          </p:cNvPicPr>
+          <p:nvPr/>
+        </p:nvPicPr>
+        <p:blipFill>
+          <a:blip r:embed="rId2"/>
+          <a:stretch>
+            <a:fillRect/>
+          </a:stretch>
+        </p:blipFill>
+        <p:spPr>
+          <a:xfrm>
+            <a:off x="838200" y="3326511"/>
+            <a:ext cx="6743700" cy="2228850"/>
+          </a:xfrm>
+          <a:prstGeom prst="rect">
+            <a:avLst/>
+          </a:prstGeom>
+        </p:spPr>
+      </p:pic>
+      <p:pic>
+        <p:nvPicPr>
+          <p:cNvPr id="15" name="Picture 14">
+            <a:extLst>
+              <a:ext uri="{FF2B5EF4-FFF2-40B4-BE49-F238E27FC236}">
+                <a16:creationId xmlns:a16="http://schemas.microsoft.com/office/drawing/2014/main" id="{0DD349AB-B2EE-FCE0-ACFC-38D85A46EEC2}"/>
+              </a:ext>
+            </a:extLst>
+          </p:cNvPr>
+          <p:cNvPicPr>
+            <a:picLocks noChangeAspect="1"/>
+          </p:cNvPicPr>
+          <p:nvPr/>
+        </p:nvPicPr>
+        <p:blipFill>
+          <a:blip r:embed="rId3"/>
+          <a:stretch>
+            <a:fillRect/>
+          </a:stretch>
+        </p:blipFill>
+        <p:spPr>
+          <a:xfrm>
+            <a:off x="7820977" y="3429000"/>
+            <a:ext cx="3743325" cy="914400"/>
+          </a:xfrm>
+          <a:prstGeom prst="rect">
+            <a:avLst/>
+          </a:prstGeom>
+        </p:spPr>
+      </p:pic>
     </p:spTree>
     <p:extLst>
       <p:ext uri="{BB962C8B-B14F-4D97-AF65-F5344CB8AC3E}">
-        <p14:creationId xmlns:p14="http://schemas.microsoft.com/office/powerpoint/2010/main" val="2186023192"/>
+        <p14:creationId xmlns:p14="http://schemas.microsoft.com/office/powerpoint/2010/main" val="3897272715"/>
       </p:ext>
     </p:extLst>
   </p:cSld>
@@ -24173,7 +25976,7 @@
           <p:cNvPr id="2" name="Title 1">
             <a:extLst>
               <a:ext uri="{FF2B5EF4-FFF2-40B4-BE49-F238E27FC236}">
-                <a16:creationId xmlns:a16="http://schemas.microsoft.com/office/drawing/2014/main" id="{7DBE9156-C26E-B4B5-8ACA-4B53E1571DAA}"/>
+                <a16:creationId xmlns:a16="http://schemas.microsoft.com/office/drawing/2014/main" id="{3CC60B4B-88BC-CFD5-84E5-9BE4E0E29223}"/>
               </a:ext>
             </a:extLst>
           </p:cNvPr>
@@ -24190,18 +25993,9 @@
           <a:lstStyle/>
           <a:p>
             <a:r>
-              <a:rPr lang="sv-SE" dirty="0" err="1"/>
-              <a:t>Interaction</a:t>
-            </a:r>
-            <a:r>
-              <a:rPr lang="sv-SE" dirty="0"/>
-              <a:t> </a:t>
-            </a:r>
-            <a:r>
-              <a:rPr lang="sv-SE" dirty="0" err="1"/>
-              <a:t>Effects</a:t>
-            </a:r>
-            <a:endParaRPr lang="en-US" dirty="0"/>
+              <a:rPr lang="en-US" dirty="0"/>
+              <a:t>Demonstration of the Bayesian Approach</a:t>
+            </a:r>
           </a:p>
         </p:txBody>
       </p:sp>
@@ -24210,7 +26004,7 @@
           <p:cNvPr id="3" name="Content Placeholder 2">
             <a:extLst>
               <a:ext uri="{FF2B5EF4-FFF2-40B4-BE49-F238E27FC236}">
-                <a16:creationId xmlns:a16="http://schemas.microsoft.com/office/drawing/2014/main" id="{1566A7A2-0D45-D6AF-F7F4-E24C0EC7A098}"/>
+                <a16:creationId xmlns:a16="http://schemas.microsoft.com/office/drawing/2014/main" id="{AE6DDF7A-9D5F-F440-7B32-642DD080540C}"/>
               </a:ext>
             </a:extLst>
           </p:cNvPr>
@@ -24221,12 +26015,34 @@
             <p:ph idx="1"/>
           </p:nvPr>
         </p:nvSpPr>
-        <p:spPr/>
-        <p:txBody>
-          <a:bodyPr/>
-          <a:lstStyle/>
-          <a:p>
-            <a:endParaRPr lang="en-US" dirty="0"/>
+        <p:spPr>
+          <a:xfrm>
+            <a:off x="838200" y="1825625"/>
+            <a:ext cx="10515600" cy="661543"/>
+          </a:xfrm>
+        </p:spPr>
+        <p:txBody>
+          <a:bodyPr/>
+          <a:lstStyle/>
+          <a:p>
+            <a:pPr marL="514350" indent="-514350">
+              <a:buFont typeface="+mj-lt"/>
+              <a:buAutoNum type="arabicPeriod" startAt="4"/>
+            </a:pPr>
+            <a:r>
+              <a:rPr lang="en-US" dirty="0"/>
+              <a:t>Run </a:t>
+            </a:r>
+            <a:r>
+              <a:rPr lang="en-US" b="1" dirty="0"/>
+              <a:t>prior predictive check</a:t>
+            </a:r>
+          </a:p>
+          <a:p>
+            <a:pPr marL="0" indent="0">
+              <a:buNone/>
+            </a:pPr>
+            <a:endParaRPr lang="en-US" b="1" dirty="0"/>
           </a:p>
         </p:txBody>
       </p:sp>
@@ -24235,7 +26051,7 @@
           <p:cNvPr id="4" name="Date Placeholder 3">
             <a:extLst>
               <a:ext uri="{FF2B5EF4-FFF2-40B4-BE49-F238E27FC236}">
-                <a16:creationId xmlns:a16="http://schemas.microsoft.com/office/drawing/2014/main" id="{26F245CC-E6B5-F6E2-0A4E-2B0E32870769}"/>
+                <a16:creationId xmlns:a16="http://schemas.microsoft.com/office/drawing/2014/main" id="{79DFEEAF-0645-40DC-1613-53DC1272DA26}"/>
               </a:ext>
             </a:extLst>
           </p:cNvPr>
@@ -24263,7 +26079,7 @@
           <p:cNvPr id="5" name="Footer Placeholder 4">
             <a:extLst>
               <a:ext uri="{FF2B5EF4-FFF2-40B4-BE49-F238E27FC236}">
-                <a16:creationId xmlns:a16="http://schemas.microsoft.com/office/drawing/2014/main" id="{5D76B69E-7621-E669-1741-CAD75B33EFC6}"/>
+                <a16:creationId xmlns:a16="http://schemas.microsoft.com/office/drawing/2014/main" id="{C98C849D-2278-2A3E-2143-3AE40709C946}"/>
               </a:ext>
             </a:extLst>
           </p:cNvPr>
@@ -24291,7 +26107,7 @@
           <p:cNvPr id="6" name="Slide Number Placeholder 5">
             <a:extLst>
               <a:ext uri="{FF2B5EF4-FFF2-40B4-BE49-F238E27FC236}">
-                <a16:creationId xmlns:a16="http://schemas.microsoft.com/office/drawing/2014/main" id="{D5C25F02-FB4B-6DF1-5B4C-1119481F544A}"/>
+                <a16:creationId xmlns:a16="http://schemas.microsoft.com/office/drawing/2014/main" id="{FE3FC949-DD4C-284A-2B86-13FADF39C339}"/>
               </a:ext>
             </a:extLst>
           </p:cNvPr>
@@ -24315,10 +26131,40 @@
           </a:p>
         </p:txBody>
       </p:sp>
+      <p:pic>
+        <p:nvPicPr>
+          <p:cNvPr id="8" name="Picture 7">
+            <a:extLst>
+              <a:ext uri="{FF2B5EF4-FFF2-40B4-BE49-F238E27FC236}">
+                <a16:creationId xmlns:a16="http://schemas.microsoft.com/office/drawing/2014/main" id="{43C6568C-01F1-CD5C-741F-1FB352625A9C}"/>
+              </a:ext>
+            </a:extLst>
+          </p:cNvPr>
+          <p:cNvPicPr>
+            <a:picLocks noChangeAspect="1"/>
+          </p:cNvPicPr>
+          <p:nvPr/>
+        </p:nvPicPr>
+        <p:blipFill>
+          <a:blip r:embed="rId2"/>
+          <a:stretch>
+            <a:fillRect/>
+          </a:stretch>
+        </p:blipFill>
+        <p:spPr>
+          <a:xfrm>
+            <a:off x="2166937" y="2959798"/>
+            <a:ext cx="7858125" cy="1743075"/>
+          </a:xfrm>
+          <a:prstGeom prst="rect">
+            <a:avLst/>
+          </a:prstGeom>
+        </p:spPr>
+      </p:pic>
     </p:spTree>
     <p:extLst>
       <p:ext uri="{BB962C8B-B14F-4D97-AF65-F5344CB8AC3E}">
-        <p14:creationId xmlns:p14="http://schemas.microsoft.com/office/powerpoint/2010/main" val="3843142064"/>
+        <p14:creationId xmlns:p14="http://schemas.microsoft.com/office/powerpoint/2010/main" val="569017493"/>
       </p:ext>
     </p:extLst>
   </p:cSld>
@@ -24347,10 +26193,10 @@
       </p:grpSpPr>
       <p:sp>
         <p:nvSpPr>
-          <p:cNvPr id="4" name="Title 3">
-            <a:extLst>
-              <a:ext uri="{FF2B5EF4-FFF2-40B4-BE49-F238E27FC236}">
-                <a16:creationId xmlns:a16="http://schemas.microsoft.com/office/drawing/2014/main" id="{E775D25B-A324-3B21-BD7C-042F775E480D}"/>
+          <p:cNvPr id="2" name="Title 1">
+            <a:extLst>
+              <a:ext uri="{FF2B5EF4-FFF2-40B4-BE49-F238E27FC236}">
+                <a16:creationId xmlns:a16="http://schemas.microsoft.com/office/drawing/2014/main" id="{3CC60B4B-88BC-CFD5-84E5-9BE4E0E29223}"/>
               </a:ext>
             </a:extLst>
           </p:cNvPr>
@@ -24367,76 +26213,65 @@
           <a:lstStyle/>
           <a:p>
             <a:r>
-              <a:rPr lang="sv-SE" dirty="0" err="1"/>
-              <a:t>Bayesian</a:t>
-            </a:r>
-            <a:r>
-              <a:rPr lang="sv-SE" dirty="0"/>
-              <a:t> Data </a:t>
-            </a:r>
-            <a:r>
-              <a:rPr lang="sv-SE" dirty="0" err="1"/>
-              <a:t>Analysis</a:t>
-            </a:r>
-            <a:r>
-              <a:rPr lang="sv-SE" dirty="0"/>
-              <a:t> for </a:t>
-            </a:r>
-            <a:r>
-              <a:rPr lang="sv-SE" dirty="0" err="1"/>
-              <a:t>Statistical</a:t>
-            </a:r>
-            <a:r>
-              <a:rPr lang="sv-SE" dirty="0"/>
-              <a:t> </a:t>
-            </a:r>
-            <a:r>
-              <a:rPr lang="sv-SE" dirty="0" err="1"/>
-              <a:t>Causal</a:t>
-            </a:r>
-            <a:r>
-              <a:rPr lang="sv-SE" dirty="0"/>
-              <a:t> </a:t>
-            </a:r>
-            <a:r>
-              <a:rPr lang="sv-SE" dirty="0" err="1"/>
-              <a:t>Inference</a:t>
-            </a:r>
-            <a:endParaRPr lang="en-US" dirty="0"/>
-          </a:p>
-        </p:txBody>
-      </p:sp>
-      <p:sp>
-        <p:nvSpPr>
-          <p:cNvPr id="5" name="Text Placeholder 4">
-            <a:extLst>
-              <a:ext uri="{FF2B5EF4-FFF2-40B4-BE49-F238E27FC236}">
-                <a16:creationId xmlns:a16="http://schemas.microsoft.com/office/drawing/2014/main" id="{FFF3C656-E37D-883D-3BD1-42D8166D68D2}"/>
-              </a:ext>
-            </a:extLst>
-          </p:cNvPr>
-          <p:cNvSpPr>
-            <a:spLocks noGrp="1"/>
-          </p:cNvSpPr>
-          <p:nvPr>
-            <p:ph type="body" idx="1"/>
-          </p:nvPr>
-        </p:nvSpPr>
-        <p:spPr/>
-        <p:txBody>
-          <a:bodyPr/>
-          <a:lstStyle/>
-          <a:p>
-            <a:endParaRPr lang="en-US"/>
-          </a:p>
-        </p:txBody>
-      </p:sp>
-      <p:sp>
-        <p:nvSpPr>
-          <p:cNvPr id="2" name="Date Placeholder 1">
-            <a:extLst>
-              <a:ext uri="{FF2B5EF4-FFF2-40B4-BE49-F238E27FC236}">
-                <a16:creationId xmlns:a16="http://schemas.microsoft.com/office/drawing/2014/main" id="{A4682E27-4FB3-7B49-7C0B-6CF3604F79B3}"/>
+              <a:rPr lang="en-US" dirty="0"/>
+              <a:t>Demonstration of the Bayesian Approach</a:t>
+            </a:r>
+          </a:p>
+        </p:txBody>
+      </p:sp>
+      <p:sp>
+        <p:nvSpPr>
+          <p:cNvPr id="3" name="Content Placeholder 2">
+            <a:extLst>
+              <a:ext uri="{FF2B5EF4-FFF2-40B4-BE49-F238E27FC236}">
+                <a16:creationId xmlns:a16="http://schemas.microsoft.com/office/drawing/2014/main" id="{AE6DDF7A-9D5F-F440-7B32-642DD080540C}"/>
+              </a:ext>
+            </a:extLst>
+          </p:cNvPr>
+          <p:cNvSpPr>
+            <a:spLocks noGrp="1"/>
+          </p:cNvSpPr>
+          <p:nvPr>
+            <p:ph idx="1"/>
+          </p:nvPr>
+        </p:nvSpPr>
+        <p:spPr>
+          <a:xfrm>
+            <a:off x="838200" y="1825625"/>
+            <a:ext cx="10515600" cy="661543"/>
+          </a:xfrm>
+        </p:spPr>
+        <p:txBody>
+          <a:bodyPr/>
+          <a:lstStyle/>
+          <a:p>
+            <a:pPr marL="514350" indent="-514350">
+              <a:buFont typeface="+mj-lt"/>
+              <a:buAutoNum type="arabicPeriod" startAt="4"/>
+            </a:pPr>
+            <a:r>
+              <a:rPr lang="en-US" dirty="0"/>
+              <a:t>Run </a:t>
+            </a:r>
+            <a:r>
+              <a:rPr lang="en-US" b="1" dirty="0"/>
+              <a:t>prior predictive check</a:t>
+            </a:r>
+          </a:p>
+          <a:p>
+            <a:pPr marL="0" indent="0">
+              <a:buNone/>
+            </a:pPr>
+            <a:endParaRPr lang="en-US" b="1" dirty="0"/>
+          </a:p>
+        </p:txBody>
+      </p:sp>
+      <p:sp>
+        <p:nvSpPr>
+          <p:cNvPr id="4" name="Date Placeholder 3">
+            <a:extLst>
+              <a:ext uri="{FF2B5EF4-FFF2-40B4-BE49-F238E27FC236}">
+                <a16:creationId xmlns:a16="http://schemas.microsoft.com/office/drawing/2014/main" id="{79DFEEAF-0645-40DC-1613-53DC1272DA26}"/>
               </a:ext>
             </a:extLst>
           </p:cNvPr>
@@ -24461,10 +26296,10 @@
       </p:sp>
       <p:sp>
         <p:nvSpPr>
-          <p:cNvPr id="3" name="Footer Placeholder 2">
-            <a:extLst>
-              <a:ext uri="{FF2B5EF4-FFF2-40B4-BE49-F238E27FC236}">
-                <a16:creationId xmlns:a16="http://schemas.microsoft.com/office/drawing/2014/main" id="{729B0193-C36E-7DBB-7587-A022AA90A826}"/>
+          <p:cNvPr id="5" name="Footer Placeholder 4">
+            <a:extLst>
+              <a:ext uri="{FF2B5EF4-FFF2-40B4-BE49-F238E27FC236}">
+                <a16:creationId xmlns:a16="http://schemas.microsoft.com/office/drawing/2014/main" id="{C98C849D-2278-2A3E-2143-3AE40709C946}"/>
               </a:ext>
             </a:extLst>
           </p:cNvPr>
@@ -24492,7 +26327,7 @@
           <p:cNvPr id="6" name="Slide Number Placeholder 5">
             <a:extLst>
               <a:ext uri="{FF2B5EF4-FFF2-40B4-BE49-F238E27FC236}">
-                <a16:creationId xmlns:a16="http://schemas.microsoft.com/office/drawing/2014/main" id="{6F71582B-048C-F8DF-2A45-8322F20F09DC}"/>
+                <a16:creationId xmlns:a16="http://schemas.microsoft.com/office/drawing/2014/main" id="{FE3FC949-DD4C-284A-2B86-13FADF39C339}"/>
               </a:ext>
             </a:extLst>
           </p:cNvPr>
@@ -24516,10 +26351,70 @@
           </a:p>
         </p:txBody>
       </p:sp>
+      <p:pic>
+        <p:nvPicPr>
+          <p:cNvPr id="9" name="Picture 8">
+            <a:extLst>
+              <a:ext uri="{FF2B5EF4-FFF2-40B4-BE49-F238E27FC236}">
+                <a16:creationId xmlns:a16="http://schemas.microsoft.com/office/drawing/2014/main" id="{79203977-70A7-BA05-F4C2-2E03156EDCD2}"/>
+              </a:ext>
+            </a:extLst>
+          </p:cNvPr>
+          <p:cNvPicPr>
+            <a:picLocks noChangeAspect="1"/>
+          </p:cNvPicPr>
+          <p:nvPr/>
+        </p:nvPicPr>
+        <p:blipFill>
+          <a:blip r:embed="rId2"/>
+          <a:stretch>
+            <a:fillRect/>
+          </a:stretch>
+        </p:blipFill>
+        <p:spPr>
+          <a:xfrm>
+            <a:off x="512064" y="2622105"/>
+            <a:ext cx="3638550" cy="609600"/>
+          </a:xfrm>
+          <a:prstGeom prst="rect">
+            <a:avLst/>
+          </a:prstGeom>
+        </p:spPr>
+      </p:pic>
+      <p:pic>
+        <p:nvPicPr>
+          <p:cNvPr id="11" name="Picture 10">
+            <a:extLst>
+              <a:ext uri="{FF2B5EF4-FFF2-40B4-BE49-F238E27FC236}">
+                <a16:creationId xmlns:a16="http://schemas.microsoft.com/office/drawing/2014/main" id="{E7B71640-DF5B-43DB-858B-D55FCBA74232}"/>
+              </a:ext>
+            </a:extLst>
+          </p:cNvPr>
+          <p:cNvPicPr>
+            <a:picLocks noChangeAspect="1"/>
+          </p:cNvPicPr>
+          <p:nvPr/>
+        </p:nvPicPr>
+        <p:blipFill>
+          <a:blip r:embed="rId3"/>
+          <a:stretch>
+            <a:fillRect/>
+          </a:stretch>
+        </p:blipFill>
+        <p:spPr>
+          <a:xfrm>
+            <a:off x="4150614" y="2156396"/>
+            <a:ext cx="6743700" cy="4143375"/>
+          </a:xfrm>
+          <a:prstGeom prst="rect">
+            <a:avLst/>
+          </a:prstGeom>
+        </p:spPr>
+      </p:pic>
     </p:spTree>
     <p:extLst>
       <p:ext uri="{BB962C8B-B14F-4D97-AF65-F5344CB8AC3E}">
-        <p14:creationId xmlns:p14="http://schemas.microsoft.com/office/powerpoint/2010/main" val="1535140301"/>
+        <p14:creationId xmlns:p14="http://schemas.microsoft.com/office/powerpoint/2010/main" val="2106012311"/>
       </p:ext>
     </p:extLst>
   </p:cSld>
@@ -24551,7 +26446,7 @@
           <p:cNvPr id="2" name="Title 1">
             <a:extLst>
               <a:ext uri="{FF2B5EF4-FFF2-40B4-BE49-F238E27FC236}">
-                <a16:creationId xmlns:a16="http://schemas.microsoft.com/office/drawing/2014/main" id="{16586309-E5CC-8F7C-0BBE-21E05366A109}"/>
+                <a16:creationId xmlns:a16="http://schemas.microsoft.com/office/drawing/2014/main" id="{3CC60B4B-88BC-CFD5-84E5-9BE4E0E29223}"/>
               </a:ext>
             </a:extLst>
           </p:cNvPr>
@@ -24568,14 +26463,9 @@
           <a:lstStyle/>
           <a:p>
             <a:r>
-              <a:rPr lang="sv-SE" dirty="0"/>
-              <a:t>General </a:t>
-            </a:r>
-            <a:r>
-              <a:rPr lang="sv-SE" dirty="0" err="1"/>
-              <a:t>Framework</a:t>
-            </a:r>
-            <a:endParaRPr lang="en-US" dirty="0"/>
+              <a:rPr lang="en-US" dirty="0"/>
+              <a:t>Demonstration of the Bayesian Approach</a:t>
+            </a:r>
           </a:p>
         </p:txBody>
       </p:sp>
@@ -24584,7 +26474,7 @@
           <p:cNvPr id="3" name="Content Placeholder 2">
             <a:extLst>
               <a:ext uri="{FF2B5EF4-FFF2-40B4-BE49-F238E27FC236}">
-                <a16:creationId xmlns:a16="http://schemas.microsoft.com/office/drawing/2014/main" id="{6062188C-5A8F-D048-770F-DB4AF6E28896}"/>
+                <a16:creationId xmlns:a16="http://schemas.microsoft.com/office/drawing/2014/main" id="{AE6DDF7A-9D5F-F440-7B32-642DD080540C}"/>
               </a:ext>
             </a:extLst>
           </p:cNvPr>
@@ -24595,70 +26485,34 @@
             <p:ph idx="1"/>
           </p:nvPr>
         </p:nvSpPr>
-        <p:spPr/>
+        <p:spPr>
+          <a:xfrm>
+            <a:off x="838200" y="1825625"/>
+            <a:ext cx="10515600" cy="661543"/>
+          </a:xfrm>
+        </p:spPr>
         <p:txBody>
           <a:bodyPr/>
           <a:lstStyle/>
           <a:p>
             <a:pPr marL="514350" indent="-514350">
               <a:buFont typeface="+mj-lt"/>
-              <a:buAutoNum type="arabicPeriod"/>
+              <a:buAutoNum type="arabicPeriod" startAt="5"/>
             </a:pPr>
             <a:r>
-              <a:rPr lang="sv-SE" dirty="0" err="1"/>
-              <a:t>Modeling</a:t>
-            </a:r>
-            <a:endParaRPr lang="sv-SE" dirty="0"/>
-          </a:p>
-          <a:p>
-            <a:pPr marL="514350" indent="-514350">
-              <a:buFont typeface="+mj-lt"/>
-              <a:buAutoNum type="arabicPeriod"/>
+              <a:rPr lang="en-US" b="1" dirty="0"/>
+              <a:t>Fit the model </a:t>
+            </a:r>
+            <a:r>
+              <a:rPr lang="en-US" dirty="0"/>
+              <a:t>to the collected data</a:t>
+            </a:r>
+          </a:p>
+          <a:p>
+            <a:pPr marL="0" indent="0">
+              <a:buNone/>
             </a:pPr>
-            <a:r>
-              <a:rPr lang="sv-SE" dirty="0" err="1"/>
-              <a:t>Identification</a:t>
-            </a:r>
-            <a:endParaRPr lang="sv-SE" dirty="0"/>
-          </a:p>
-          <a:p>
-            <a:pPr marL="514350" indent="-514350">
-              <a:buFont typeface="+mj-lt"/>
-              <a:buAutoNum type="arabicPeriod"/>
-            </a:pPr>
-            <a:r>
-              <a:rPr lang="sv-SE" dirty="0" err="1"/>
-              <a:t>Estimation</a:t>
-            </a:r>
-            <a:r>
-              <a:rPr lang="sv-SE" dirty="0"/>
-              <a:t>:</a:t>
-            </a:r>
-          </a:p>
-          <a:p>
-            <a:pPr marL="971550" lvl="1" indent="-514350">
-              <a:buFont typeface="+mj-lt"/>
-              <a:buAutoNum type="arabicPeriod"/>
-            </a:pPr>
-            <a:r>
-              <a:rPr lang="sv-SE" dirty="0"/>
-              <a:t>Data </a:t>
-            </a:r>
-            <a:r>
-              <a:rPr lang="sv-SE" dirty="0" err="1"/>
-              <a:t>collection</a:t>
-            </a:r>
-            <a:endParaRPr lang="sv-SE" dirty="0"/>
-          </a:p>
-          <a:p>
-            <a:pPr marL="971550" lvl="1" indent="-514350">
-              <a:buFont typeface="+mj-lt"/>
-              <a:buAutoNum type="arabicPeriod"/>
-            </a:pPr>
-            <a:r>
-              <a:rPr lang="en-US" dirty="0"/>
-              <a:t>Bayesian data analysis</a:t>
-            </a:r>
+            <a:endParaRPr lang="en-US" b="1" dirty="0"/>
           </a:p>
         </p:txBody>
       </p:sp>
@@ -24667,7 +26521,7 @@
           <p:cNvPr id="4" name="Date Placeholder 3">
             <a:extLst>
               <a:ext uri="{FF2B5EF4-FFF2-40B4-BE49-F238E27FC236}">
-                <a16:creationId xmlns:a16="http://schemas.microsoft.com/office/drawing/2014/main" id="{3B07F293-BF7D-C56A-1E2B-E4609B70BCB5}"/>
+                <a16:creationId xmlns:a16="http://schemas.microsoft.com/office/drawing/2014/main" id="{79DFEEAF-0645-40DC-1613-53DC1272DA26}"/>
               </a:ext>
             </a:extLst>
           </p:cNvPr>
@@ -24695,7 +26549,7 @@
           <p:cNvPr id="5" name="Footer Placeholder 4">
             <a:extLst>
               <a:ext uri="{FF2B5EF4-FFF2-40B4-BE49-F238E27FC236}">
-                <a16:creationId xmlns:a16="http://schemas.microsoft.com/office/drawing/2014/main" id="{37E11A16-578A-D4A9-B6D8-7E916F4E9F1C}"/>
+                <a16:creationId xmlns:a16="http://schemas.microsoft.com/office/drawing/2014/main" id="{C98C849D-2278-2A3E-2143-3AE40709C946}"/>
               </a:ext>
             </a:extLst>
           </p:cNvPr>
@@ -24723,7 +26577,7 @@
           <p:cNvPr id="6" name="Slide Number Placeholder 5">
             <a:extLst>
               <a:ext uri="{FF2B5EF4-FFF2-40B4-BE49-F238E27FC236}">
-                <a16:creationId xmlns:a16="http://schemas.microsoft.com/office/drawing/2014/main" id="{0DE09193-5187-A14F-0B4A-F5559820CDC7}"/>
+                <a16:creationId xmlns:a16="http://schemas.microsoft.com/office/drawing/2014/main" id="{FE3FC949-DD4C-284A-2B86-13FADF39C339}"/>
               </a:ext>
             </a:extLst>
           </p:cNvPr>
@@ -24747,10 +26601,40 @@
           </a:p>
         </p:txBody>
       </p:sp>
+      <p:pic>
+        <p:nvPicPr>
+          <p:cNvPr id="8" name="Picture 7">
+            <a:extLst>
+              <a:ext uri="{FF2B5EF4-FFF2-40B4-BE49-F238E27FC236}">
+                <a16:creationId xmlns:a16="http://schemas.microsoft.com/office/drawing/2014/main" id="{91A1598E-15D5-9924-78CE-E2523CD2D4F8}"/>
+              </a:ext>
+            </a:extLst>
+          </p:cNvPr>
+          <p:cNvPicPr>
+            <a:picLocks noChangeAspect="1"/>
+          </p:cNvPicPr>
+          <p:nvPr/>
+        </p:nvPicPr>
+        <p:blipFill>
+          <a:blip r:embed="rId2"/>
+          <a:stretch>
+            <a:fillRect/>
+          </a:stretch>
+        </p:blipFill>
+        <p:spPr>
+          <a:xfrm>
+            <a:off x="3762375" y="2833687"/>
+            <a:ext cx="4667250" cy="1190625"/>
+          </a:xfrm>
+          <a:prstGeom prst="rect">
+            <a:avLst/>
+          </a:prstGeom>
+        </p:spPr>
+      </p:pic>
     </p:spTree>
     <p:extLst>
       <p:ext uri="{BB962C8B-B14F-4D97-AF65-F5344CB8AC3E}">
-        <p14:creationId xmlns:p14="http://schemas.microsoft.com/office/powerpoint/2010/main" val="3224665383"/>
+        <p14:creationId xmlns:p14="http://schemas.microsoft.com/office/powerpoint/2010/main" val="2712445223"/>
       </p:ext>
     </p:extLst>
   </p:cSld>
@@ -24782,7 +26666,7 @@
           <p:cNvPr id="2" name="Title 1">
             <a:extLst>
               <a:ext uri="{FF2B5EF4-FFF2-40B4-BE49-F238E27FC236}">
-                <a16:creationId xmlns:a16="http://schemas.microsoft.com/office/drawing/2014/main" id="{3FEFA56B-D148-A675-58E6-B6B2C2E070A7}"/>
+                <a16:creationId xmlns:a16="http://schemas.microsoft.com/office/drawing/2014/main" id="{3CC60B4B-88BC-CFD5-84E5-9BE4E0E29223}"/>
               </a:ext>
             </a:extLst>
           </p:cNvPr>
@@ -24799,10 +26683,9 @@
           <a:lstStyle/>
           <a:p>
             <a:r>
-              <a:rPr lang="sv-SE" dirty="0" err="1"/>
-              <a:t>Discussion</a:t>
-            </a:r>
-            <a:endParaRPr lang="en-US" dirty="0"/>
+              <a:rPr lang="en-US" dirty="0"/>
+              <a:t>Demonstration of the Bayesian Approach</a:t>
+            </a:r>
           </a:p>
         </p:txBody>
       </p:sp>
@@ -24811,7 +26694,7 @@
           <p:cNvPr id="3" name="Content Placeholder 2">
             <a:extLst>
               <a:ext uri="{FF2B5EF4-FFF2-40B4-BE49-F238E27FC236}">
-                <a16:creationId xmlns:a16="http://schemas.microsoft.com/office/drawing/2014/main" id="{22211E34-FC6F-EA50-0A7C-493D18E946C7}"/>
+                <a16:creationId xmlns:a16="http://schemas.microsoft.com/office/drawing/2014/main" id="{AE6DDF7A-9D5F-F440-7B32-642DD080540C}"/>
               </a:ext>
             </a:extLst>
           </p:cNvPr>
@@ -24822,12 +26705,34 @@
             <p:ph idx="1"/>
           </p:nvPr>
         </p:nvSpPr>
-        <p:spPr/>
-        <p:txBody>
-          <a:bodyPr/>
-          <a:lstStyle/>
-          <a:p>
-            <a:endParaRPr lang="en-US"/>
+        <p:spPr>
+          <a:xfrm>
+            <a:off x="838200" y="1825625"/>
+            <a:ext cx="10515600" cy="661543"/>
+          </a:xfrm>
+        </p:spPr>
+        <p:txBody>
+          <a:bodyPr/>
+          <a:lstStyle/>
+          <a:p>
+            <a:pPr marL="514350" indent="-514350">
+              <a:buFont typeface="+mj-lt"/>
+              <a:buAutoNum type="arabicPeriod" startAt="6"/>
+            </a:pPr>
+            <a:r>
+              <a:rPr lang="en-US" dirty="0"/>
+              <a:t>Run </a:t>
+            </a:r>
+            <a:r>
+              <a:rPr lang="en-US" b="1" dirty="0"/>
+              <a:t>posterior predictive check</a:t>
+            </a:r>
+          </a:p>
+          <a:p>
+            <a:pPr marL="0" indent="0">
+              <a:buNone/>
+            </a:pPr>
+            <a:endParaRPr lang="en-US" b="1" dirty="0"/>
           </a:p>
         </p:txBody>
       </p:sp>
@@ -24836,7 +26741,7 @@
           <p:cNvPr id="4" name="Date Placeholder 3">
             <a:extLst>
               <a:ext uri="{FF2B5EF4-FFF2-40B4-BE49-F238E27FC236}">
-                <a16:creationId xmlns:a16="http://schemas.microsoft.com/office/drawing/2014/main" id="{C7CA26EF-DE3D-0DA9-528C-B652432E6E32}"/>
+                <a16:creationId xmlns:a16="http://schemas.microsoft.com/office/drawing/2014/main" id="{79DFEEAF-0645-40DC-1613-53DC1272DA26}"/>
               </a:ext>
             </a:extLst>
           </p:cNvPr>
@@ -24864,7 +26769,7 @@
           <p:cNvPr id="5" name="Footer Placeholder 4">
             <a:extLst>
               <a:ext uri="{FF2B5EF4-FFF2-40B4-BE49-F238E27FC236}">
-                <a16:creationId xmlns:a16="http://schemas.microsoft.com/office/drawing/2014/main" id="{0D253BBD-26D8-4167-18FA-46FE28F1297A}"/>
+                <a16:creationId xmlns:a16="http://schemas.microsoft.com/office/drawing/2014/main" id="{C98C849D-2278-2A3E-2143-3AE40709C946}"/>
               </a:ext>
             </a:extLst>
           </p:cNvPr>
@@ -24892,7 +26797,7 @@
           <p:cNvPr id="6" name="Slide Number Placeholder 5">
             <a:extLst>
               <a:ext uri="{FF2B5EF4-FFF2-40B4-BE49-F238E27FC236}">
-                <a16:creationId xmlns:a16="http://schemas.microsoft.com/office/drawing/2014/main" id="{F91407E4-5C7E-64B9-B815-6264BDC8E7EB}"/>
+                <a16:creationId xmlns:a16="http://schemas.microsoft.com/office/drawing/2014/main" id="{FE3FC949-DD4C-284A-2B86-13FADF39C339}"/>
               </a:ext>
             </a:extLst>
           </p:cNvPr>
@@ -24916,10 +26821,70 @@
           </a:p>
         </p:txBody>
       </p:sp>
+      <p:pic>
+        <p:nvPicPr>
+          <p:cNvPr id="7" name="Picture 6">
+            <a:extLst>
+              <a:ext uri="{FF2B5EF4-FFF2-40B4-BE49-F238E27FC236}">
+                <a16:creationId xmlns:a16="http://schemas.microsoft.com/office/drawing/2014/main" id="{08AE1160-EE9B-5870-3353-7489A55524CF}"/>
+              </a:ext>
+            </a:extLst>
+          </p:cNvPr>
+          <p:cNvPicPr>
+            <a:picLocks noChangeAspect="1"/>
+          </p:cNvPicPr>
+          <p:nvPr/>
+        </p:nvPicPr>
+        <p:blipFill>
+          <a:blip r:embed="rId2"/>
+          <a:stretch>
+            <a:fillRect/>
+          </a:stretch>
+        </p:blipFill>
+        <p:spPr>
+          <a:xfrm>
+            <a:off x="1167384" y="2487168"/>
+            <a:ext cx="5245720" cy="3223006"/>
+          </a:xfrm>
+          <a:prstGeom prst="rect">
+            <a:avLst/>
+          </a:prstGeom>
+        </p:spPr>
+      </p:pic>
+      <p:pic>
+        <p:nvPicPr>
+          <p:cNvPr id="9" name="Picture 8">
+            <a:extLst>
+              <a:ext uri="{FF2B5EF4-FFF2-40B4-BE49-F238E27FC236}">
+                <a16:creationId xmlns:a16="http://schemas.microsoft.com/office/drawing/2014/main" id="{C94F81EE-6486-6284-DF6F-858EE302F4C5}"/>
+              </a:ext>
+            </a:extLst>
+          </p:cNvPr>
+          <p:cNvPicPr>
+            <a:picLocks noChangeAspect="1"/>
+          </p:cNvPicPr>
+          <p:nvPr/>
+        </p:nvPicPr>
+        <p:blipFill>
+          <a:blip r:embed="rId3"/>
+          <a:stretch>
+            <a:fillRect/>
+          </a:stretch>
+        </p:blipFill>
+        <p:spPr>
+          <a:xfrm>
+            <a:off x="6449344" y="2487168"/>
+            <a:ext cx="5245720" cy="3270156"/>
+          </a:xfrm>
+          <a:prstGeom prst="rect">
+            <a:avLst/>
+          </a:prstGeom>
+        </p:spPr>
+      </p:pic>
     </p:spTree>
     <p:extLst>
       <p:ext uri="{BB962C8B-B14F-4D97-AF65-F5344CB8AC3E}">
-        <p14:creationId xmlns:p14="http://schemas.microsoft.com/office/powerpoint/2010/main" val="744965960"/>
+        <p14:creationId xmlns:p14="http://schemas.microsoft.com/office/powerpoint/2010/main" val="1749878178"/>
       </p:ext>
     </p:extLst>
   </p:cSld>
@@ -24951,7 +26916,7 @@
           <p:cNvPr id="2" name="Title 1">
             <a:extLst>
               <a:ext uri="{FF2B5EF4-FFF2-40B4-BE49-F238E27FC236}">
-                <a16:creationId xmlns:a16="http://schemas.microsoft.com/office/drawing/2014/main" id="{7C6C3320-5A6D-3BC4-463C-9D320AD40E46}"/>
+                <a16:creationId xmlns:a16="http://schemas.microsoft.com/office/drawing/2014/main" id="{3CC60B4B-88BC-CFD5-84E5-9BE4E0E29223}"/>
               </a:ext>
             </a:extLst>
           </p:cNvPr>
@@ -24968,10 +26933,9 @@
           <a:lstStyle/>
           <a:p>
             <a:r>
-              <a:rPr lang="sv-SE" dirty="0"/>
-              <a:t>Researchers</a:t>
-            </a:r>
-            <a:endParaRPr lang="en-US" dirty="0"/>
+              <a:rPr lang="en-US" dirty="0"/>
+              <a:t>Demonstration of the Bayesian Approach</a:t>
+            </a:r>
           </a:p>
         </p:txBody>
       </p:sp>
@@ -24980,7 +26944,7 @@
           <p:cNvPr id="3" name="Content Placeholder 2">
             <a:extLst>
               <a:ext uri="{FF2B5EF4-FFF2-40B4-BE49-F238E27FC236}">
-                <a16:creationId xmlns:a16="http://schemas.microsoft.com/office/drawing/2014/main" id="{73D9ED02-B3D5-C2D3-CF37-10F722216563}"/>
+                <a16:creationId xmlns:a16="http://schemas.microsoft.com/office/drawing/2014/main" id="{AE6DDF7A-9D5F-F440-7B32-642DD080540C}"/>
               </a:ext>
             </a:extLst>
           </p:cNvPr>
@@ -24991,18 +26955,34 @@
             <p:ph idx="1"/>
           </p:nvPr>
         </p:nvSpPr>
-        <p:spPr/>
-        <p:txBody>
-          <a:bodyPr/>
-          <a:lstStyle/>
+        <p:spPr>
+          <a:xfrm>
+            <a:off x="838200" y="1825625"/>
+            <a:ext cx="10515600" cy="661543"/>
+          </a:xfrm>
+        </p:spPr>
+        <p:txBody>
+          <a:bodyPr/>
+          <a:lstStyle/>
+          <a:p>
+            <a:pPr marL="514350" indent="-514350">
+              <a:buFont typeface="+mj-lt"/>
+              <a:buAutoNum type="arabicPeriod" startAt="7"/>
+            </a:pPr>
+            <a:r>
+              <a:rPr lang="en-US" dirty="0"/>
+              <a:t>Plot </a:t>
+            </a:r>
+            <a:r>
+              <a:rPr lang="en-US" b="1" dirty="0"/>
+              <a:t>marginal distributions</a:t>
+            </a:r>
+          </a:p>
           <a:p>
             <a:pPr marL="0" indent="0">
               <a:buNone/>
             </a:pPr>
-            <a:r>
-              <a:rPr lang="en-US" dirty="0"/>
-              <a:t>Keep an eye on the following researchers if you are interested in the topic.</a:t>
-            </a:r>
+            <a:endParaRPr lang="en-US" b="1" dirty="0"/>
           </a:p>
         </p:txBody>
       </p:sp>
@@ -25011,7 +26991,7 @@
           <p:cNvPr id="4" name="Date Placeholder 3">
             <a:extLst>
               <a:ext uri="{FF2B5EF4-FFF2-40B4-BE49-F238E27FC236}">
-                <a16:creationId xmlns:a16="http://schemas.microsoft.com/office/drawing/2014/main" id="{55FBC93A-B647-7477-1268-7B8C025199CD}"/>
+                <a16:creationId xmlns:a16="http://schemas.microsoft.com/office/drawing/2014/main" id="{79DFEEAF-0645-40DC-1613-53DC1272DA26}"/>
               </a:ext>
             </a:extLst>
           </p:cNvPr>
@@ -25039,7 +27019,7 @@
           <p:cNvPr id="5" name="Footer Placeholder 4">
             <a:extLst>
               <a:ext uri="{FF2B5EF4-FFF2-40B4-BE49-F238E27FC236}">
-                <a16:creationId xmlns:a16="http://schemas.microsoft.com/office/drawing/2014/main" id="{30DDA915-2FEC-0E84-0386-2447C43D8E3F}"/>
+                <a16:creationId xmlns:a16="http://schemas.microsoft.com/office/drawing/2014/main" id="{C98C849D-2278-2A3E-2143-3AE40709C946}"/>
               </a:ext>
             </a:extLst>
           </p:cNvPr>
@@ -25067,7 +27047,7 @@
           <p:cNvPr id="6" name="Slide Number Placeholder 5">
             <a:extLst>
               <a:ext uri="{FF2B5EF4-FFF2-40B4-BE49-F238E27FC236}">
-                <a16:creationId xmlns:a16="http://schemas.microsoft.com/office/drawing/2014/main" id="{00499CB1-2CC9-E771-C647-78369A94EF09}"/>
+                <a16:creationId xmlns:a16="http://schemas.microsoft.com/office/drawing/2014/main" id="{FE3FC949-DD4C-284A-2B86-13FADF39C339}"/>
               </a:ext>
             </a:extLst>
           </p:cNvPr>
@@ -25091,10 +27071,70 @@
           </a:p>
         </p:txBody>
       </p:sp>
+      <p:pic>
+        <p:nvPicPr>
+          <p:cNvPr id="8" name="Picture 7">
+            <a:extLst>
+              <a:ext uri="{FF2B5EF4-FFF2-40B4-BE49-F238E27FC236}">
+                <a16:creationId xmlns:a16="http://schemas.microsoft.com/office/drawing/2014/main" id="{A9121C7C-03E7-8355-295B-E21BE6CBEFB5}"/>
+              </a:ext>
+            </a:extLst>
+          </p:cNvPr>
+          <p:cNvPicPr>
+            <a:picLocks noChangeAspect="1"/>
+          </p:cNvPicPr>
+          <p:nvPr/>
+        </p:nvPicPr>
+        <p:blipFill>
+          <a:blip r:embed="rId2"/>
+          <a:stretch>
+            <a:fillRect/>
+          </a:stretch>
+        </p:blipFill>
+        <p:spPr>
+          <a:xfrm>
+            <a:off x="838200" y="2622105"/>
+            <a:ext cx="5045357" cy="3097150"/>
+          </a:xfrm>
+          <a:prstGeom prst="rect">
+            <a:avLst/>
+          </a:prstGeom>
+        </p:spPr>
+      </p:pic>
+      <p:pic>
+        <p:nvPicPr>
+          <p:cNvPr id="10" name="Picture 9">
+            <a:extLst>
+              <a:ext uri="{FF2B5EF4-FFF2-40B4-BE49-F238E27FC236}">
+                <a16:creationId xmlns:a16="http://schemas.microsoft.com/office/drawing/2014/main" id="{3276ECBA-997B-0299-9686-8A53C6915A74}"/>
+              </a:ext>
+            </a:extLst>
+          </p:cNvPr>
+          <p:cNvPicPr>
+            <a:picLocks noChangeAspect="1"/>
+          </p:cNvPicPr>
+          <p:nvPr/>
+        </p:nvPicPr>
+        <p:blipFill>
+          <a:blip r:embed="rId3"/>
+          <a:stretch>
+            <a:fillRect/>
+          </a:stretch>
+        </p:blipFill>
+        <p:spPr>
+          <a:xfrm>
+            <a:off x="6087921" y="2622748"/>
+            <a:ext cx="5045357" cy="3096507"/>
+          </a:xfrm>
+          <a:prstGeom prst="rect">
+            <a:avLst/>
+          </a:prstGeom>
+        </p:spPr>
+      </p:pic>
     </p:spTree>
     <p:extLst>
       <p:ext uri="{BB962C8B-B14F-4D97-AF65-F5344CB8AC3E}">
-        <p14:creationId xmlns:p14="http://schemas.microsoft.com/office/powerpoint/2010/main" val="160097965"/>
+        <p14:creationId xmlns:p14="http://schemas.microsoft.com/office/powerpoint/2010/main" val="1021719427"/>
       </p:ext>
     </p:extLst>
   </p:cSld>
@@ -25126,7 +27166,7 @@
           <p:cNvPr id="2" name="Title 1">
             <a:extLst>
               <a:ext uri="{FF2B5EF4-FFF2-40B4-BE49-F238E27FC236}">
-                <a16:creationId xmlns:a16="http://schemas.microsoft.com/office/drawing/2014/main" id="{E1546CB3-6653-D78A-AB0E-4BF277AD676B}"/>
+                <a16:creationId xmlns:a16="http://schemas.microsoft.com/office/drawing/2014/main" id="{3CC60B4B-88BC-CFD5-84E5-9BE4E0E29223}"/>
               </a:ext>
             </a:extLst>
           </p:cNvPr>
@@ -25144,7 +27184,7 @@
           <a:p>
             <a:r>
               <a:rPr lang="en-US" dirty="0"/>
-              <a:t>Reading List</a:t>
+              <a:t>Demonstration of the Bayesian Approach</a:t>
             </a:r>
           </a:p>
         </p:txBody>
@@ -25154,7 +27194,7 @@
           <p:cNvPr id="3" name="Content Placeholder 2">
             <a:extLst>
               <a:ext uri="{FF2B5EF4-FFF2-40B4-BE49-F238E27FC236}">
-                <a16:creationId xmlns:a16="http://schemas.microsoft.com/office/drawing/2014/main" id="{74C65815-81E7-A127-C469-0C279D2E172E}"/>
+                <a16:creationId xmlns:a16="http://schemas.microsoft.com/office/drawing/2014/main" id="{AE6DDF7A-9D5F-F440-7B32-642DD080540C}"/>
               </a:ext>
             </a:extLst>
           </p:cNvPr>
@@ -25165,18 +27205,25 @@
             <p:ph idx="1"/>
           </p:nvPr>
         </p:nvSpPr>
-        <p:spPr/>
-        <p:txBody>
-          <a:bodyPr/>
-          <a:lstStyle/>
-          <a:p>
-            <a:pPr marL="0" indent="0">
-              <a:buNone/>
+        <p:spPr>
+          <a:xfrm>
+            <a:off x="838200" y="1825625"/>
+            <a:ext cx="10515600" cy="661543"/>
+          </a:xfrm>
+        </p:spPr>
+        <p:txBody>
+          <a:bodyPr/>
+          <a:lstStyle/>
+          <a:p>
+            <a:pPr marL="514350" indent="-514350">
+              <a:buFont typeface="+mj-lt"/>
+              <a:buAutoNum type="arabicPeriod" startAt="8"/>
             </a:pPr>
             <a:r>
               <a:rPr lang="en-US" dirty="0"/>
-              <a:t>To deepen your understanding of statistical causal inference, consider the following reading list.</a:t>
-            </a:r>
+              <a:t>Inspect the model summary</a:t>
+            </a:r>
+            <a:endParaRPr lang="en-US" b="1" dirty="0"/>
           </a:p>
         </p:txBody>
       </p:sp>
@@ -25185,7 +27232,7 @@
           <p:cNvPr id="4" name="Date Placeholder 3">
             <a:extLst>
               <a:ext uri="{FF2B5EF4-FFF2-40B4-BE49-F238E27FC236}">
-                <a16:creationId xmlns:a16="http://schemas.microsoft.com/office/drawing/2014/main" id="{5BCFB0A4-D606-5609-D9B3-21FDADF5112D}"/>
+                <a16:creationId xmlns:a16="http://schemas.microsoft.com/office/drawing/2014/main" id="{79DFEEAF-0645-40DC-1613-53DC1272DA26}"/>
               </a:ext>
             </a:extLst>
           </p:cNvPr>
@@ -25213,7 +27260,7 @@
           <p:cNvPr id="5" name="Footer Placeholder 4">
             <a:extLst>
               <a:ext uri="{FF2B5EF4-FFF2-40B4-BE49-F238E27FC236}">
-                <a16:creationId xmlns:a16="http://schemas.microsoft.com/office/drawing/2014/main" id="{1C9629A7-2DC7-410F-563F-7513EC223179}"/>
+                <a16:creationId xmlns:a16="http://schemas.microsoft.com/office/drawing/2014/main" id="{C98C849D-2278-2A3E-2143-3AE40709C946}"/>
               </a:ext>
             </a:extLst>
           </p:cNvPr>
@@ -25241,7 +27288,7 @@
           <p:cNvPr id="6" name="Slide Number Placeholder 5">
             <a:extLst>
               <a:ext uri="{FF2B5EF4-FFF2-40B4-BE49-F238E27FC236}">
-                <a16:creationId xmlns:a16="http://schemas.microsoft.com/office/drawing/2014/main" id="{7FA0E897-F83A-9E29-5FDC-B9C2173B5366}"/>
+                <a16:creationId xmlns:a16="http://schemas.microsoft.com/office/drawing/2014/main" id="{FE3FC949-DD4C-284A-2B86-13FADF39C339}"/>
               </a:ext>
             </a:extLst>
           </p:cNvPr>
@@ -25265,10 +27312,96 @@
           </a:p>
         </p:txBody>
       </p:sp>
+      <p:pic>
+        <p:nvPicPr>
+          <p:cNvPr id="9" name="Picture 8">
+            <a:extLst>
+              <a:ext uri="{FF2B5EF4-FFF2-40B4-BE49-F238E27FC236}">
+                <a16:creationId xmlns:a16="http://schemas.microsoft.com/office/drawing/2014/main" id="{5B57D5CF-5412-0E29-4A9E-00A77C4F8237}"/>
+              </a:ext>
+            </a:extLst>
+          </p:cNvPr>
+          <p:cNvPicPr>
+            <a:picLocks noChangeAspect="1"/>
+          </p:cNvPicPr>
+          <p:nvPr/>
+        </p:nvPicPr>
+        <p:blipFill>
+          <a:blip r:embed="rId2"/>
+          <a:stretch>
+            <a:fillRect/>
+          </a:stretch>
+        </p:blipFill>
+        <p:spPr>
+          <a:xfrm>
+            <a:off x="2890837" y="2487168"/>
+            <a:ext cx="6410325" cy="3571875"/>
+          </a:xfrm>
+          <a:prstGeom prst="rect">
+            <a:avLst/>
+          </a:prstGeom>
+        </p:spPr>
+      </p:pic>
+      <p:sp>
+        <p:nvSpPr>
+          <p:cNvPr id="11" name="Rectangle 10">
+            <a:extLst>
+              <a:ext uri="{FF2B5EF4-FFF2-40B4-BE49-F238E27FC236}">
+                <a16:creationId xmlns:a16="http://schemas.microsoft.com/office/drawing/2014/main" id="{FE80D6AA-860F-5C18-4DDB-0D8E44A491A5}"/>
+              </a:ext>
+            </a:extLst>
+          </p:cNvPr>
+          <p:cNvSpPr/>
+          <p:nvPr/>
+        </p:nvSpPr>
+        <p:spPr>
+          <a:xfrm>
+            <a:off x="3366254" y="4545961"/>
+            <a:ext cx="1637546" cy="366399"/>
+          </a:xfrm>
+          <a:prstGeom prst="rect">
+            <a:avLst/>
+          </a:prstGeom>
+          <a:solidFill>
+            <a:schemeClr val="accent1">
+              <a:lumMod val="40000"/>
+              <a:lumOff val="60000"/>
+              <a:alpha val="40000"/>
+            </a:schemeClr>
+          </a:solidFill>
+          <a:ln>
+            <a:noFill/>
+          </a:ln>
+        </p:spPr>
+        <p:style>
+          <a:lnRef idx="2">
+            <a:schemeClr val="accent1">
+              <a:shade val="15000"/>
+            </a:schemeClr>
+          </a:lnRef>
+          <a:fillRef idx="1">
+            <a:schemeClr val="accent1"/>
+          </a:fillRef>
+          <a:effectRef idx="0">
+            <a:schemeClr val="accent1"/>
+          </a:effectRef>
+          <a:fontRef idx="minor">
+            <a:schemeClr val="lt1"/>
+          </a:fontRef>
+        </p:style>
+        <p:txBody>
+          <a:bodyPr rtlCol="0" anchor="ctr"/>
+          <a:lstStyle/>
+          <a:p>
+            <a:pPr algn="ctr"/>
+            <a:endParaRPr lang="en-US"/>
+          </a:p>
+        </p:txBody>
+      </p:sp>
     </p:spTree>
     <p:extLst>
       <p:ext uri="{BB962C8B-B14F-4D97-AF65-F5344CB8AC3E}">
-        <p14:creationId xmlns:p14="http://schemas.microsoft.com/office/powerpoint/2010/main" val="3072289439"/>
+        <p14:creationId xmlns:p14="http://schemas.microsoft.com/office/powerpoint/2010/main" val="303726539"/>
       </p:ext>
     </p:extLst>
   </p:cSld>
@@ -25279,6 +27412,183 @@
 </file>
 
 <file path=ppt/slides/slide57.xml><?xml version="1.0" encoding="utf-8"?>
+<p:sld xmlns:a="http://schemas.openxmlformats.org/drawingml/2006/main" xmlns:r="http://schemas.openxmlformats.org/officeDocument/2006/relationships" xmlns:p="http://schemas.openxmlformats.org/presentationml/2006/main" show="0">
+  <p:cSld>
+    <p:spTree>
+      <p:nvGrpSpPr>
+        <p:cNvPr id="1" name=""/>
+        <p:cNvGrpSpPr/>
+        <p:nvPr/>
+      </p:nvGrpSpPr>
+      <p:grpSpPr>
+        <a:xfrm>
+          <a:off x="0" y="0"/>
+          <a:ext cx="0" cy="0"/>
+          <a:chOff x="0" y="0"/>
+          <a:chExt cx="0" cy="0"/>
+        </a:xfrm>
+      </p:grpSpPr>
+      <p:sp>
+        <p:nvSpPr>
+          <p:cNvPr id="2" name="Title 1">
+            <a:extLst>
+              <a:ext uri="{FF2B5EF4-FFF2-40B4-BE49-F238E27FC236}">
+                <a16:creationId xmlns:a16="http://schemas.microsoft.com/office/drawing/2014/main" id="{7DBE9156-C26E-B4B5-8ACA-4B53E1571DAA}"/>
+              </a:ext>
+            </a:extLst>
+          </p:cNvPr>
+          <p:cNvSpPr>
+            <a:spLocks noGrp="1"/>
+          </p:cNvSpPr>
+          <p:nvPr>
+            <p:ph type="title"/>
+          </p:nvPr>
+        </p:nvSpPr>
+        <p:spPr/>
+        <p:txBody>
+          <a:bodyPr/>
+          <a:lstStyle/>
+          <a:p>
+            <a:r>
+              <a:rPr lang="sv-SE" dirty="0" err="1"/>
+              <a:t>Interaction</a:t>
+            </a:r>
+            <a:r>
+              <a:rPr lang="sv-SE" dirty="0"/>
+              <a:t> </a:t>
+            </a:r>
+            <a:r>
+              <a:rPr lang="sv-SE" dirty="0" err="1"/>
+              <a:t>Effects</a:t>
+            </a:r>
+            <a:endParaRPr lang="en-US" dirty="0"/>
+          </a:p>
+        </p:txBody>
+      </p:sp>
+      <p:sp>
+        <p:nvSpPr>
+          <p:cNvPr id="3" name="Content Placeholder 2">
+            <a:extLst>
+              <a:ext uri="{FF2B5EF4-FFF2-40B4-BE49-F238E27FC236}">
+                <a16:creationId xmlns:a16="http://schemas.microsoft.com/office/drawing/2014/main" id="{1566A7A2-0D45-D6AF-F7F4-E24C0EC7A098}"/>
+              </a:ext>
+            </a:extLst>
+          </p:cNvPr>
+          <p:cNvSpPr>
+            <a:spLocks noGrp="1"/>
+          </p:cNvSpPr>
+          <p:nvPr>
+            <p:ph idx="1"/>
+          </p:nvPr>
+        </p:nvSpPr>
+        <p:spPr/>
+        <p:txBody>
+          <a:bodyPr/>
+          <a:lstStyle/>
+          <a:p>
+            <a:endParaRPr lang="en-US" dirty="0"/>
+          </a:p>
+        </p:txBody>
+      </p:sp>
+      <p:sp>
+        <p:nvSpPr>
+          <p:cNvPr id="4" name="Date Placeholder 3">
+            <a:extLst>
+              <a:ext uri="{FF2B5EF4-FFF2-40B4-BE49-F238E27FC236}">
+                <a16:creationId xmlns:a16="http://schemas.microsoft.com/office/drawing/2014/main" id="{26F245CC-E6B5-F6E2-0A4E-2B0E32870769}"/>
+              </a:ext>
+            </a:extLst>
+          </p:cNvPr>
+          <p:cNvSpPr>
+            <a:spLocks noGrp="1"/>
+          </p:cNvSpPr>
+          <p:nvPr>
+            <p:ph type="dt" sz="half" idx="10"/>
+          </p:nvPr>
+        </p:nvSpPr>
+        <p:spPr/>
+        <p:txBody>
+          <a:bodyPr/>
+          <a:lstStyle/>
+          <a:p>
+            <a:r>
+              <a:rPr lang="en-US"/>
+              <a:t>2024-10-17</a:t>
+            </a:r>
+          </a:p>
+        </p:txBody>
+      </p:sp>
+      <p:sp>
+        <p:nvSpPr>
+          <p:cNvPr id="5" name="Footer Placeholder 4">
+            <a:extLst>
+              <a:ext uri="{FF2B5EF4-FFF2-40B4-BE49-F238E27FC236}">
+                <a16:creationId xmlns:a16="http://schemas.microsoft.com/office/drawing/2014/main" id="{5D76B69E-7621-E669-1741-CAD75B33EFC6}"/>
+              </a:ext>
+            </a:extLst>
+          </p:cNvPr>
+          <p:cNvSpPr>
+            <a:spLocks noGrp="1"/>
+          </p:cNvSpPr>
+          <p:nvPr>
+            <p:ph type="ftr" sz="quarter" idx="11"/>
+          </p:nvPr>
+        </p:nvSpPr>
+        <p:spPr/>
+        <p:txBody>
+          <a:bodyPr/>
+          <a:lstStyle/>
+          <a:p>
+            <a:r>
+              <a:rPr lang="en-US"/>
+              <a:t>Bayesian Data Analysis for Statistical Causal Inference</a:t>
+            </a:r>
+          </a:p>
+        </p:txBody>
+      </p:sp>
+      <p:sp>
+        <p:nvSpPr>
+          <p:cNvPr id="6" name="Slide Number Placeholder 5">
+            <a:extLst>
+              <a:ext uri="{FF2B5EF4-FFF2-40B4-BE49-F238E27FC236}">
+                <a16:creationId xmlns:a16="http://schemas.microsoft.com/office/drawing/2014/main" id="{D5C25F02-FB4B-6DF1-5B4C-1119481F544A}"/>
+              </a:ext>
+            </a:extLst>
+          </p:cNvPr>
+          <p:cNvSpPr>
+            <a:spLocks noGrp="1"/>
+          </p:cNvSpPr>
+          <p:nvPr>
+            <p:ph type="sldNum" sz="quarter" idx="12"/>
+          </p:nvPr>
+        </p:nvSpPr>
+        <p:spPr/>
+        <p:txBody>
+          <a:bodyPr/>
+          <a:lstStyle/>
+          <a:p>
+            <a:fld id="{C6EBE6D1-86F0-4C3A-8077-EBA4C5B4BE81}" type="slidenum">
+              <a:rPr lang="en-US" smtClean="0"/>
+              <a:t>57</a:t>
+            </a:fld>
+            <a:endParaRPr lang="en-US"/>
+          </a:p>
+        </p:txBody>
+      </p:sp>
+    </p:spTree>
+    <p:extLst>
+      <p:ext uri="{BB962C8B-B14F-4D97-AF65-F5344CB8AC3E}">
+        <p14:creationId xmlns:p14="http://schemas.microsoft.com/office/powerpoint/2010/main" val="3843142064"/>
+      </p:ext>
+    </p:extLst>
+  </p:cSld>
+  <p:clrMapOvr>
+    <a:masterClrMapping/>
+  </p:clrMapOvr>
+</p:sld>
+</file>
+
+<file path=ppt/slides/slide58.xml><?xml version="1.0" encoding="utf-8"?>
 <p:sld xmlns:a="http://schemas.openxmlformats.org/drawingml/2006/main" xmlns:r="http://schemas.openxmlformats.org/officeDocument/2006/relationships" xmlns:p="http://schemas.openxmlformats.org/presentationml/2006/main">
   <p:cSld>
     <p:spTree>
@@ -25297,10 +27607,10 @@
       </p:grpSpPr>
       <p:sp>
         <p:nvSpPr>
-          <p:cNvPr id="2" name="Title 1">
-            <a:extLst>
-              <a:ext uri="{FF2B5EF4-FFF2-40B4-BE49-F238E27FC236}">
-                <a16:creationId xmlns:a16="http://schemas.microsoft.com/office/drawing/2014/main" id="{4A462AEE-5D5A-757D-7EC3-E0CB48FFFAE6}"/>
+          <p:cNvPr id="4" name="Title 3">
+            <a:extLst>
+              <a:ext uri="{FF2B5EF4-FFF2-40B4-BE49-F238E27FC236}">
+                <a16:creationId xmlns:a16="http://schemas.microsoft.com/office/drawing/2014/main" id="{E775D25B-A324-3B21-BD7C-042F775E480D}"/>
               </a:ext>
             </a:extLst>
           </p:cNvPr>
@@ -25318,42 +27628,42 @@
           <a:p>
             <a:r>
               <a:rPr lang="en-US" dirty="0"/>
-              <a:t>References</a:t>
-            </a:r>
-          </a:p>
-        </p:txBody>
-      </p:sp>
-      <p:sp>
-        <p:nvSpPr>
-          <p:cNvPr id="3" name="Content Placeholder 2">
-            <a:extLst>
-              <a:ext uri="{FF2B5EF4-FFF2-40B4-BE49-F238E27FC236}">
-                <a16:creationId xmlns:a16="http://schemas.microsoft.com/office/drawing/2014/main" id="{D5BFD5DB-15F8-BF66-7412-6F861BAB82B4}"/>
-              </a:ext>
-            </a:extLst>
-          </p:cNvPr>
-          <p:cNvSpPr>
-            <a:spLocks noGrp="1"/>
-          </p:cNvSpPr>
-          <p:nvPr>
-            <p:ph idx="1"/>
-          </p:nvPr>
-        </p:nvSpPr>
-        <p:spPr/>
-        <p:txBody>
-          <a:bodyPr/>
-          <a:lstStyle/>
-          <a:p>
-            <a:endParaRPr lang="en-US"/>
-          </a:p>
-        </p:txBody>
-      </p:sp>
-      <p:sp>
-        <p:nvSpPr>
-          <p:cNvPr id="4" name="Date Placeholder 3">
-            <a:extLst>
-              <a:ext uri="{FF2B5EF4-FFF2-40B4-BE49-F238E27FC236}">
-                <a16:creationId xmlns:a16="http://schemas.microsoft.com/office/drawing/2014/main" id="{F1571331-D02D-C1C9-BB37-59D89AC3A729}"/>
+              <a:t>Bayesian Data Analysis for Statistical Causal Inference</a:t>
+            </a:r>
+          </a:p>
+        </p:txBody>
+      </p:sp>
+      <p:sp>
+        <p:nvSpPr>
+          <p:cNvPr id="5" name="Text Placeholder 4">
+            <a:extLst>
+              <a:ext uri="{FF2B5EF4-FFF2-40B4-BE49-F238E27FC236}">
+                <a16:creationId xmlns:a16="http://schemas.microsoft.com/office/drawing/2014/main" id="{FFF3C656-E37D-883D-3BD1-42D8166D68D2}"/>
+              </a:ext>
+            </a:extLst>
+          </p:cNvPr>
+          <p:cNvSpPr>
+            <a:spLocks noGrp="1"/>
+          </p:cNvSpPr>
+          <p:nvPr>
+            <p:ph type="body" idx="1"/>
+          </p:nvPr>
+        </p:nvSpPr>
+        <p:spPr/>
+        <p:txBody>
+          <a:bodyPr/>
+          <a:lstStyle/>
+          <a:p>
+            <a:endParaRPr lang="en-US" dirty="0"/>
+          </a:p>
+        </p:txBody>
+      </p:sp>
+      <p:sp>
+        <p:nvSpPr>
+          <p:cNvPr id="2" name="Date Placeholder 1">
+            <a:extLst>
+              <a:ext uri="{FF2B5EF4-FFF2-40B4-BE49-F238E27FC236}">
+                <a16:creationId xmlns:a16="http://schemas.microsoft.com/office/drawing/2014/main" id="{A4682E27-4FB3-7B49-7C0B-6CF3604F79B3}"/>
               </a:ext>
             </a:extLst>
           </p:cNvPr>
@@ -25378,10 +27688,10 @@
       </p:sp>
       <p:sp>
         <p:nvSpPr>
-          <p:cNvPr id="5" name="Footer Placeholder 4">
-            <a:extLst>
-              <a:ext uri="{FF2B5EF4-FFF2-40B4-BE49-F238E27FC236}">
-                <a16:creationId xmlns:a16="http://schemas.microsoft.com/office/drawing/2014/main" id="{06D3E06A-52A7-D11E-B13C-C8166085C602}"/>
+          <p:cNvPr id="3" name="Footer Placeholder 2">
+            <a:extLst>
+              <a:ext uri="{FF2B5EF4-FFF2-40B4-BE49-F238E27FC236}">
+                <a16:creationId xmlns:a16="http://schemas.microsoft.com/office/drawing/2014/main" id="{729B0193-C36E-7DBB-7587-A022AA90A826}"/>
               </a:ext>
             </a:extLst>
           </p:cNvPr>
@@ -25409,7 +27719,7 @@
           <p:cNvPr id="6" name="Slide Number Placeholder 5">
             <a:extLst>
               <a:ext uri="{FF2B5EF4-FFF2-40B4-BE49-F238E27FC236}">
-                <a16:creationId xmlns:a16="http://schemas.microsoft.com/office/drawing/2014/main" id="{F00600FD-D21C-09EB-1145-B763131A7476}"/>
+                <a16:creationId xmlns:a16="http://schemas.microsoft.com/office/drawing/2014/main" id="{6F71582B-048C-F8DF-2A45-8322F20F09DC}"/>
               </a:ext>
             </a:extLst>
           </p:cNvPr>
@@ -25427,7 +27737,7 @@
           <a:p>
             <a:fld id="{C6EBE6D1-86F0-4C3A-8077-EBA4C5B4BE81}" type="slidenum">
               <a:rPr lang="en-US" smtClean="0"/>
-              <a:t>57</a:t>
+              <a:t>58</a:t>
             </a:fld>
             <a:endParaRPr lang="en-US"/>
           </a:p>
@@ -25436,7 +27746,678 @@
     </p:spTree>
     <p:extLst>
       <p:ext uri="{BB962C8B-B14F-4D97-AF65-F5344CB8AC3E}">
-        <p14:creationId xmlns:p14="http://schemas.microsoft.com/office/powerpoint/2010/main" val="2619974575"/>
+        <p14:creationId xmlns:p14="http://schemas.microsoft.com/office/powerpoint/2010/main" val="1535140301"/>
+      </p:ext>
+    </p:extLst>
+  </p:cSld>
+  <p:clrMapOvr>
+    <a:masterClrMapping/>
+  </p:clrMapOvr>
+</p:sld>
+</file>
+
+<file path=ppt/slides/slide59.xml><?xml version="1.0" encoding="utf-8"?>
+<p:sld xmlns:a="http://schemas.openxmlformats.org/drawingml/2006/main" xmlns:r="http://schemas.openxmlformats.org/officeDocument/2006/relationships" xmlns:p="http://schemas.openxmlformats.org/presentationml/2006/main">
+  <p:cSld>
+    <p:spTree>
+      <p:nvGrpSpPr>
+        <p:cNvPr id="1" name=""/>
+        <p:cNvGrpSpPr/>
+        <p:nvPr/>
+      </p:nvGrpSpPr>
+      <p:grpSpPr>
+        <a:xfrm>
+          <a:off x="0" y="0"/>
+          <a:ext cx="0" cy="0"/>
+          <a:chOff x="0" y="0"/>
+          <a:chExt cx="0" cy="0"/>
+        </a:xfrm>
+      </p:grpSpPr>
+      <p:sp>
+        <p:nvSpPr>
+          <p:cNvPr id="2" name="Title 1">
+            <a:extLst>
+              <a:ext uri="{FF2B5EF4-FFF2-40B4-BE49-F238E27FC236}">
+                <a16:creationId xmlns:a16="http://schemas.microsoft.com/office/drawing/2014/main" id="{16586309-E5CC-8F7C-0BBE-21E05366A109}"/>
+              </a:ext>
+            </a:extLst>
+          </p:cNvPr>
+          <p:cNvSpPr>
+            <a:spLocks noGrp="1"/>
+          </p:cNvSpPr>
+          <p:nvPr>
+            <p:ph type="title"/>
+          </p:nvPr>
+        </p:nvSpPr>
+        <p:spPr/>
+        <p:txBody>
+          <a:bodyPr/>
+          <a:lstStyle/>
+          <a:p>
+            <a:r>
+              <a:rPr lang="en-US" dirty="0"/>
+              <a:t>General Framework</a:t>
+            </a:r>
+          </a:p>
+        </p:txBody>
+      </p:sp>
+      <p:sp>
+        <p:nvSpPr>
+          <p:cNvPr id="4" name="Date Placeholder 3">
+            <a:extLst>
+              <a:ext uri="{FF2B5EF4-FFF2-40B4-BE49-F238E27FC236}">
+                <a16:creationId xmlns:a16="http://schemas.microsoft.com/office/drawing/2014/main" id="{3B07F293-BF7D-C56A-1E2B-E4609B70BCB5}"/>
+              </a:ext>
+            </a:extLst>
+          </p:cNvPr>
+          <p:cNvSpPr>
+            <a:spLocks noGrp="1"/>
+          </p:cNvSpPr>
+          <p:nvPr>
+            <p:ph type="dt" sz="half" idx="10"/>
+          </p:nvPr>
+        </p:nvSpPr>
+        <p:spPr/>
+        <p:txBody>
+          <a:bodyPr/>
+          <a:lstStyle/>
+          <a:p>
+            <a:r>
+              <a:rPr lang="en-US"/>
+              <a:t>2024-10-17</a:t>
+            </a:r>
+          </a:p>
+        </p:txBody>
+      </p:sp>
+      <p:sp>
+        <p:nvSpPr>
+          <p:cNvPr id="5" name="Footer Placeholder 4">
+            <a:extLst>
+              <a:ext uri="{FF2B5EF4-FFF2-40B4-BE49-F238E27FC236}">
+                <a16:creationId xmlns:a16="http://schemas.microsoft.com/office/drawing/2014/main" id="{37E11A16-578A-D4A9-B6D8-7E916F4E9F1C}"/>
+              </a:ext>
+            </a:extLst>
+          </p:cNvPr>
+          <p:cNvSpPr>
+            <a:spLocks noGrp="1"/>
+          </p:cNvSpPr>
+          <p:nvPr>
+            <p:ph type="ftr" sz="quarter" idx="11"/>
+          </p:nvPr>
+        </p:nvSpPr>
+        <p:spPr/>
+        <p:txBody>
+          <a:bodyPr/>
+          <a:lstStyle/>
+          <a:p>
+            <a:r>
+              <a:rPr lang="en-US"/>
+              <a:t>Bayesian Data Analysis for Statistical Causal Inference</a:t>
+            </a:r>
+          </a:p>
+        </p:txBody>
+      </p:sp>
+      <p:sp>
+        <p:nvSpPr>
+          <p:cNvPr id="6" name="Slide Number Placeholder 5">
+            <a:extLst>
+              <a:ext uri="{FF2B5EF4-FFF2-40B4-BE49-F238E27FC236}">
+                <a16:creationId xmlns:a16="http://schemas.microsoft.com/office/drawing/2014/main" id="{0DE09193-5187-A14F-0B4A-F5559820CDC7}"/>
+              </a:ext>
+            </a:extLst>
+          </p:cNvPr>
+          <p:cNvSpPr>
+            <a:spLocks noGrp="1"/>
+          </p:cNvSpPr>
+          <p:nvPr>
+            <p:ph type="sldNum" sz="quarter" idx="12"/>
+          </p:nvPr>
+        </p:nvSpPr>
+        <p:spPr/>
+        <p:txBody>
+          <a:bodyPr/>
+          <a:lstStyle/>
+          <a:p>
+            <a:fld id="{C6EBE6D1-86F0-4C3A-8077-EBA4C5B4BE81}" type="slidenum">
+              <a:rPr lang="en-US" smtClean="0"/>
+              <a:t>59</a:t>
+            </a:fld>
+            <a:endParaRPr lang="en-US"/>
+          </a:p>
+        </p:txBody>
+      </p:sp>
+      <p:grpSp>
+        <p:nvGrpSpPr>
+          <p:cNvPr id="9" name="Group 8">
+            <a:extLst>
+              <a:ext uri="{FF2B5EF4-FFF2-40B4-BE49-F238E27FC236}">
+                <a16:creationId xmlns:a16="http://schemas.microsoft.com/office/drawing/2014/main" id="{7824BE7D-00FF-5370-C433-4EA9FA1DB4CF}"/>
+              </a:ext>
+            </a:extLst>
+          </p:cNvPr>
+          <p:cNvGrpSpPr/>
+          <p:nvPr/>
+        </p:nvGrpSpPr>
+        <p:grpSpPr>
+          <a:xfrm>
+            <a:off x="838200" y="1936251"/>
+            <a:ext cx="10341429" cy="1080000"/>
+            <a:chOff x="838200" y="1936251"/>
+            <a:chExt cx="10341429" cy="1080000"/>
+          </a:xfrm>
+        </p:grpSpPr>
+        <p:sp>
+          <p:nvSpPr>
+            <p:cNvPr id="10" name="Oval 9">
+              <a:extLst>
+                <a:ext uri="{FF2B5EF4-FFF2-40B4-BE49-F238E27FC236}">
+                  <a16:creationId xmlns:a16="http://schemas.microsoft.com/office/drawing/2014/main" id="{97454937-7D40-1578-E520-DC1BD10DD8A0}"/>
+                </a:ext>
+              </a:extLst>
+            </p:cNvPr>
+            <p:cNvSpPr/>
+            <p:nvPr/>
+          </p:nvSpPr>
+          <p:spPr>
+            <a:xfrm>
+              <a:off x="838200" y="1936251"/>
+              <a:ext cx="1080000" cy="1080000"/>
+            </a:xfrm>
+            <a:prstGeom prst="ellipse">
+              <a:avLst/>
+            </a:prstGeom>
+            <a:solidFill>
+              <a:schemeClr val="tx2"/>
+            </a:solidFill>
+            <a:ln>
+              <a:noFill/>
+            </a:ln>
+            <a:effectLst>
+              <a:outerShdw blurRad="50800" dist="38100" dir="2700000" algn="tl" rotWithShape="0">
+                <a:prstClr val="black">
+                  <a:alpha val="40000"/>
+                </a:prstClr>
+              </a:outerShdw>
+            </a:effectLst>
+          </p:spPr>
+          <p:style>
+            <a:lnRef idx="2">
+              <a:schemeClr val="accent1">
+                <a:shade val="15000"/>
+              </a:schemeClr>
+            </a:lnRef>
+            <a:fillRef idx="1">
+              <a:schemeClr val="accent1"/>
+            </a:fillRef>
+            <a:effectRef idx="0">
+              <a:schemeClr val="accent1"/>
+            </a:effectRef>
+            <a:fontRef idx="minor">
+              <a:schemeClr val="lt1"/>
+            </a:fontRef>
+          </p:style>
+          <p:txBody>
+            <a:bodyPr rtlCol="0" anchor="ctr"/>
+            <a:lstStyle/>
+            <a:p>
+              <a:pPr algn="ctr"/>
+              <a:endParaRPr lang="en-US" dirty="0"/>
+            </a:p>
+          </p:txBody>
+        </p:sp>
+        <p:pic>
+          <p:nvPicPr>
+            <p:cNvPr id="11" name="Graphic 10" descr="Hierarchy with solid fill">
+              <a:extLst>
+                <a:ext uri="{FF2B5EF4-FFF2-40B4-BE49-F238E27FC236}">
+                  <a16:creationId xmlns:a16="http://schemas.microsoft.com/office/drawing/2014/main" id="{791BACD9-8C9C-92CD-837B-41582C8D3070}"/>
+                </a:ext>
+              </a:extLst>
+            </p:cNvPr>
+            <p:cNvPicPr>
+              <a:picLocks noChangeAspect="1"/>
+            </p:cNvPicPr>
+            <p:nvPr/>
+          </p:nvPicPr>
+          <p:blipFill>
+            <a:blip r:embed="rId3">
+              <a:extLst>
+                <a:ext uri="{96DAC541-7B7A-43D3-8B79-37D633B846F1}">
+                  <asvg:svgBlip xmlns:asvg="http://schemas.microsoft.com/office/drawing/2016/SVG/main" r:embed="rId4"/>
+                </a:ext>
+              </a:extLst>
+            </a:blip>
+            <a:srcRect/>
+            <a:stretch/>
+          </p:blipFill>
+          <p:spPr>
+            <a:xfrm>
+              <a:off x="921000" y="2019051"/>
+              <a:ext cx="914400" cy="914400"/>
+            </a:xfrm>
+            <a:prstGeom prst="rect">
+              <a:avLst/>
+            </a:prstGeom>
+          </p:spPr>
+        </p:pic>
+        <p:sp>
+          <p:nvSpPr>
+            <p:cNvPr id="12" name="TextBox 11">
+              <a:extLst>
+                <a:ext uri="{FF2B5EF4-FFF2-40B4-BE49-F238E27FC236}">
+                  <a16:creationId xmlns:a16="http://schemas.microsoft.com/office/drawing/2014/main" id="{3FA4F28F-7EE5-7CB3-293D-14B90863E3DC}"/>
+                </a:ext>
+              </a:extLst>
+            </p:cNvPr>
+            <p:cNvSpPr txBox="1"/>
+            <p:nvPr/>
+          </p:nvSpPr>
+          <p:spPr>
+            <a:xfrm>
+              <a:off x="2057400" y="2117437"/>
+              <a:ext cx="9122229" cy="707886"/>
+            </a:xfrm>
+            <a:prstGeom prst="rect">
+              <a:avLst/>
+            </a:prstGeom>
+            <a:noFill/>
+          </p:spPr>
+          <p:txBody>
+            <a:bodyPr wrap="square">
+              <a:spAutoFit/>
+            </a:bodyPr>
+            <a:lstStyle/>
+            <a:p>
+              <a:pPr marL="0" indent="0">
+                <a:buNone/>
+              </a:pPr>
+              <a:r>
+                <a:rPr lang="en-US" sz="2000" b="1" dirty="0"/>
+                <a:t>Modelling:</a:t>
+              </a:r>
+              <a:r>
+                <a:rPr lang="en-US" sz="2000" dirty="0"/>
+                <a:t> Draw a causal DAG around the phenomenon of interest to make your assumptions explicit and discussable.</a:t>
+              </a:r>
+            </a:p>
+          </p:txBody>
+        </p:sp>
+      </p:grpSp>
+      <p:grpSp>
+        <p:nvGrpSpPr>
+          <p:cNvPr id="13" name="Group 12">
+            <a:extLst>
+              <a:ext uri="{FF2B5EF4-FFF2-40B4-BE49-F238E27FC236}">
+                <a16:creationId xmlns:a16="http://schemas.microsoft.com/office/drawing/2014/main" id="{CC3A12AC-06AC-1DBC-B0FB-E9B004FE0E31}"/>
+              </a:ext>
+            </a:extLst>
+          </p:cNvPr>
+          <p:cNvGrpSpPr/>
+          <p:nvPr/>
+        </p:nvGrpSpPr>
+        <p:grpSpPr>
+          <a:xfrm>
+            <a:off x="838200" y="3301750"/>
+            <a:ext cx="10341429" cy="1080000"/>
+            <a:chOff x="838200" y="1936251"/>
+            <a:chExt cx="10341429" cy="1080000"/>
+          </a:xfrm>
+        </p:grpSpPr>
+        <p:sp>
+          <p:nvSpPr>
+            <p:cNvPr id="14" name="Oval 13">
+              <a:extLst>
+                <a:ext uri="{FF2B5EF4-FFF2-40B4-BE49-F238E27FC236}">
+                  <a16:creationId xmlns:a16="http://schemas.microsoft.com/office/drawing/2014/main" id="{2D9E5FEA-ADC4-86F5-4959-5D8CA4E1EA92}"/>
+                </a:ext>
+              </a:extLst>
+            </p:cNvPr>
+            <p:cNvSpPr/>
+            <p:nvPr/>
+          </p:nvSpPr>
+          <p:spPr>
+            <a:xfrm>
+              <a:off x="838200" y="1936251"/>
+              <a:ext cx="1080000" cy="1080000"/>
+            </a:xfrm>
+            <a:prstGeom prst="ellipse">
+              <a:avLst/>
+            </a:prstGeom>
+            <a:solidFill>
+              <a:schemeClr val="tx2"/>
+            </a:solidFill>
+            <a:ln>
+              <a:noFill/>
+            </a:ln>
+            <a:effectLst>
+              <a:outerShdw blurRad="50800" dist="38100" dir="2700000" algn="tl" rotWithShape="0">
+                <a:prstClr val="black">
+                  <a:alpha val="40000"/>
+                </a:prstClr>
+              </a:outerShdw>
+            </a:effectLst>
+          </p:spPr>
+          <p:style>
+            <a:lnRef idx="2">
+              <a:schemeClr val="accent1">
+                <a:shade val="15000"/>
+              </a:schemeClr>
+            </a:lnRef>
+            <a:fillRef idx="1">
+              <a:schemeClr val="accent1"/>
+            </a:fillRef>
+            <a:effectRef idx="0">
+              <a:schemeClr val="accent1"/>
+            </a:effectRef>
+            <a:fontRef idx="minor">
+              <a:schemeClr val="lt1"/>
+            </a:fontRef>
+          </p:style>
+          <p:txBody>
+            <a:bodyPr rtlCol="0" anchor="ctr"/>
+            <a:lstStyle/>
+            <a:p>
+              <a:pPr algn="ctr"/>
+              <a:endParaRPr lang="en-US" dirty="0"/>
+            </a:p>
+          </p:txBody>
+        </p:sp>
+        <p:pic>
+          <p:nvPicPr>
+            <p:cNvPr id="15" name="Graphic 14" descr="Filter with solid fill">
+              <a:extLst>
+                <a:ext uri="{FF2B5EF4-FFF2-40B4-BE49-F238E27FC236}">
+                  <a16:creationId xmlns:a16="http://schemas.microsoft.com/office/drawing/2014/main" id="{91E19CD4-E5E0-ACD4-53C0-29B058F882A0}"/>
+                </a:ext>
+              </a:extLst>
+            </p:cNvPr>
+            <p:cNvPicPr>
+              <a:picLocks noChangeAspect="1"/>
+            </p:cNvPicPr>
+            <p:nvPr/>
+          </p:nvPicPr>
+          <p:blipFill>
+            <a:blip r:embed="rId5">
+              <a:extLst>
+                <a:ext uri="{96DAC541-7B7A-43D3-8B79-37D633B846F1}">
+                  <asvg:svgBlip xmlns:asvg="http://schemas.microsoft.com/office/drawing/2016/SVG/main" r:embed="rId6"/>
+                </a:ext>
+              </a:extLst>
+            </a:blip>
+            <a:srcRect/>
+            <a:stretch/>
+          </p:blipFill>
+          <p:spPr>
+            <a:xfrm>
+              <a:off x="921000" y="2019051"/>
+              <a:ext cx="914400" cy="914400"/>
+            </a:xfrm>
+            <a:prstGeom prst="rect">
+              <a:avLst/>
+            </a:prstGeom>
+          </p:spPr>
+        </p:pic>
+        <p:sp>
+          <p:nvSpPr>
+            <p:cNvPr id="16" name="TextBox 15">
+              <a:extLst>
+                <a:ext uri="{FF2B5EF4-FFF2-40B4-BE49-F238E27FC236}">
+                  <a16:creationId xmlns:a16="http://schemas.microsoft.com/office/drawing/2014/main" id="{E9920E21-1FB9-C201-D033-7ECCCBE6A84C}"/>
+                </a:ext>
+              </a:extLst>
+            </p:cNvPr>
+            <p:cNvSpPr txBox="1"/>
+            <p:nvPr/>
+          </p:nvSpPr>
+          <p:spPr>
+            <a:xfrm>
+              <a:off x="2057400" y="2117437"/>
+              <a:ext cx="9122229" cy="707886"/>
+            </a:xfrm>
+            <a:prstGeom prst="rect">
+              <a:avLst/>
+            </a:prstGeom>
+            <a:noFill/>
+          </p:spPr>
+          <p:txBody>
+            <a:bodyPr wrap="square">
+              <a:spAutoFit/>
+            </a:bodyPr>
+            <a:lstStyle/>
+            <a:p>
+              <a:pPr marL="0" indent="0">
+                <a:buNone/>
+              </a:pPr>
+              <a:r>
+                <a:rPr lang="en-US" sz="2000" b="1" dirty="0"/>
+                <a:t>Identification:</a:t>
+              </a:r>
+              <a:r>
+                <a:rPr lang="en-US" sz="2000" dirty="0"/>
+                <a:t> Apply the backdoor criterion to select, which variables you need to control in order to deconfound the phenomenon of interest.</a:t>
+              </a:r>
+            </a:p>
+          </p:txBody>
+        </p:sp>
+      </p:grpSp>
+      <p:grpSp>
+        <p:nvGrpSpPr>
+          <p:cNvPr id="17" name="Group 16">
+            <a:extLst>
+              <a:ext uri="{FF2B5EF4-FFF2-40B4-BE49-F238E27FC236}">
+                <a16:creationId xmlns:a16="http://schemas.microsoft.com/office/drawing/2014/main" id="{9D390345-2EEB-295C-4F40-949CAA994991}"/>
+              </a:ext>
+            </a:extLst>
+          </p:cNvPr>
+          <p:cNvGrpSpPr/>
+          <p:nvPr/>
+        </p:nvGrpSpPr>
+        <p:grpSpPr>
+          <a:xfrm>
+            <a:off x="838200" y="4667249"/>
+            <a:ext cx="10341429" cy="1080000"/>
+            <a:chOff x="838200" y="1936251"/>
+            <a:chExt cx="10341429" cy="1080000"/>
+          </a:xfrm>
+        </p:grpSpPr>
+        <p:sp>
+          <p:nvSpPr>
+            <p:cNvPr id="18" name="Oval 17">
+              <a:extLst>
+                <a:ext uri="{FF2B5EF4-FFF2-40B4-BE49-F238E27FC236}">
+                  <a16:creationId xmlns:a16="http://schemas.microsoft.com/office/drawing/2014/main" id="{C209AEC6-4817-AC99-D0BE-F00B334D57A5}"/>
+                </a:ext>
+              </a:extLst>
+            </p:cNvPr>
+            <p:cNvSpPr/>
+            <p:nvPr/>
+          </p:nvSpPr>
+          <p:spPr>
+            <a:xfrm>
+              <a:off x="838200" y="1936251"/>
+              <a:ext cx="1080000" cy="1080000"/>
+            </a:xfrm>
+            <a:prstGeom prst="ellipse">
+              <a:avLst/>
+            </a:prstGeom>
+            <a:solidFill>
+              <a:schemeClr val="tx2"/>
+            </a:solidFill>
+            <a:ln>
+              <a:noFill/>
+            </a:ln>
+            <a:effectLst>
+              <a:outerShdw blurRad="50800" dist="38100" dir="2700000" algn="tl" rotWithShape="0">
+                <a:prstClr val="black">
+                  <a:alpha val="40000"/>
+                </a:prstClr>
+              </a:outerShdw>
+            </a:effectLst>
+          </p:spPr>
+          <p:style>
+            <a:lnRef idx="2">
+              <a:schemeClr val="accent1">
+                <a:shade val="15000"/>
+              </a:schemeClr>
+            </a:lnRef>
+            <a:fillRef idx="1">
+              <a:schemeClr val="accent1"/>
+            </a:fillRef>
+            <a:effectRef idx="0">
+              <a:schemeClr val="accent1"/>
+            </a:effectRef>
+            <a:fontRef idx="minor">
+              <a:schemeClr val="lt1"/>
+            </a:fontRef>
+          </p:style>
+          <p:txBody>
+            <a:bodyPr rtlCol="0" anchor="ctr"/>
+            <a:lstStyle/>
+            <a:p>
+              <a:pPr algn="ctr"/>
+              <a:endParaRPr lang="en-US" dirty="0"/>
+            </a:p>
+          </p:txBody>
+        </p:sp>
+        <p:pic>
+          <p:nvPicPr>
+            <p:cNvPr id="19" name="Graphic 18" descr="Statistics with solid fill">
+              <a:extLst>
+                <a:ext uri="{FF2B5EF4-FFF2-40B4-BE49-F238E27FC236}">
+                  <a16:creationId xmlns:a16="http://schemas.microsoft.com/office/drawing/2014/main" id="{14342304-ECE5-276E-6A9E-551AB6F1506A}"/>
+                </a:ext>
+              </a:extLst>
+            </p:cNvPr>
+            <p:cNvPicPr>
+              <a:picLocks noChangeAspect="1"/>
+            </p:cNvPicPr>
+            <p:nvPr/>
+          </p:nvPicPr>
+          <p:blipFill>
+            <a:blip r:embed="rId7">
+              <a:extLst>
+                <a:ext uri="{96DAC541-7B7A-43D3-8B79-37D633B846F1}">
+                  <asvg:svgBlip xmlns:asvg="http://schemas.microsoft.com/office/drawing/2016/SVG/main" r:embed="rId8"/>
+                </a:ext>
+              </a:extLst>
+            </a:blip>
+            <a:srcRect/>
+            <a:stretch/>
+          </p:blipFill>
+          <p:spPr>
+            <a:xfrm>
+              <a:off x="921000" y="2019051"/>
+              <a:ext cx="914400" cy="914400"/>
+            </a:xfrm>
+            <a:prstGeom prst="rect">
+              <a:avLst/>
+            </a:prstGeom>
+          </p:spPr>
+        </p:pic>
+        <p:sp>
+          <p:nvSpPr>
+            <p:cNvPr id="20" name="TextBox 19">
+              <a:extLst>
+                <a:ext uri="{FF2B5EF4-FFF2-40B4-BE49-F238E27FC236}">
+                  <a16:creationId xmlns:a16="http://schemas.microsoft.com/office/drawing/2014/main" id="{C7BDB3BC-337B-0547-5D5F-DEDF986E1ABF}"/>
+                </a:ext>
+              </a:extLst>
+            </p:cNvPr>
+            <p:cNvSpPr txBox="1"/>
+            <p:nvPr/>
+          </p:nvSpPr>
+          <p:spPr>
+            <a:xfrm>
+              <a:off x="2057400" y="2117437"/>
+              <a:ext cx="9122229" cy="707886"/>
+            </a:xfrm>
+            <a:prstGeom prst="rect">
+              <a:avLst/>
+            </a:prstGeom>
+            <a:noFill/>
+          </p:spPr>
+          <p:txBody>
+            <a:bodyPr wrap="square">
+              <a:spAutoFit/>
+            </a:bodyPr>
+            <a:lstStyle/>
+            <a:p>
+              <a:pPr marL="0" indent="0">
+                <a:buNone/>
+              </a:pPr>
+              <a:r>
+                <a:rPr lang="en-US" sz="2000" b="1" dirty="0"/>
+                <a:t>Estimation:</a:t>
+              </a:r>
+              <a:r>
+                <a:rPr lang="en-US" sz="2000" dirty="0"/>
+                <a:t> If all deconfounders are observable, collect data about the relevant variables and perform a Bayesian data analysis to estimate the causal effect.</a:t>
+              </a:r>
+            </a:p>
+          </p:txBody>
+        </p:sp>
+      </p:grpSp>
+      <p:sp>
+        <p:nvSpPr>
+          <p:cNvPr id="22" name="TextBox 21">
+            <a:extLst>
+              <a:ext uri="{FF2B5EF4-FFF2-40B4-BE49-F238E27FC236}">
+                <a16:creationId xmlns:a16="http://schemas.microsoft.com/office/drawing/2014/main" id="{4DFDAA6B-7DAD-F20E-21F4-A961B6A40DD4}"/>
+              </a:ext>
+            </a:extLst>
+          </p:cNvPr>
+          <p:cNvSpPr txBox="1"/>
+          <p:nvPr/>
+        </p:nvSpPr>
+        <p:spPr>
+          <a:xfrm>
+            <a:off x="5204460" y="6044657"/>
+            <a:ext cx="6355080" cy="338554"/>
+          </a:xfrm>
+          <a:prstGeom prst="rect">
+            <a:avLst/>
+          </a:prstGeom>
+          <a:noFill/>
+        </p:spPr>
+        <p:txBody>
+          <a:bodyPr wrap="square">
+            <a:spAutoFit/>
+          </a:bodyPr>
+          <a:lstStyle/>
+          <a:p>
+            <a:r>
+              <a:rPr lang="en-US" sz="800" dirty="0"/>
+              <a:t>Pearl, J. (2009). Causality. Cambridge university press.</a:t>
+            </a:r>
+          </a:p>
+          <a:p>
+            <a:r>
+              <a:rPr lang="en-US" sz="800" dirty="0"/>
+              <a:t>Siebert, J. (2023). Applications of statistical causal inference in software engineering. </a:t>
+            </a:r>
+            <a:r>
+              <a:rPr lang="en-US" sz="800" i="1" dirty="0"/>
+              <a:t>Information and Software Technology</a:t>
+            </a:r>
+            <a:r>
+              <a:rPr lang="en-US" sz="800" dirty="0"/>
+              <a:t>, </a:t>
+            </a:r>
+            <a:r>
+              <a:rPr lang="en-US" sz="800" i="1" dirty="0"/>
+              <a:t>159</a:t>
+            </a:r>
+            <a:r>
+              <a:rPr lang="en-US" sz="800" dirty="0"/>
+              <a:t>, 107198.</a:t>
+            </a:r>
+          </a:p>
+        </p:txBody>
+      </p:sp>
+    </p:spTree>
+    <p:extLst>
+      <p:ext uri="{BB962C8B-B14F-4D97-AF65-F5344CB8AC3E}">
+        <p14:creationId xmlns:p14="http://schemas.microsoft.com/office/powerpoint/2010/main" val="3224665383"/>
       </p:ext>
     </p:extLst>
   </p:cSld>
@@ -25608,6 +28589,756 @@
     <p:extLst>
       <p:ext uri="{BB962C8B-B14F-4D97-AF65-F5344CB8AC3E}">
         <p14:creationId xmlns:p14="http://schemas.microsoft.com/office/powerpoint/2010/main" val="3766653951"/>
+      </p:ext>
+    </p:extLst>
+  </p:cSld>
+  <p:clrMapOvr>
+    <a:masterClrMapping/>
+  </p:clrMapOvr>
+</p:sld>
+</file>
+
+<file path=ppt/slides/slide60.xml><?xml version="1.0" encoding="utf-8"?>
+<p:sld xmlns:a="http://schemas.openxmlformats.org/drawingml/2006/main" xmlns:r="http://schemas.openxmlformats.org/officeDocument/2006/relationships" xmlns:p="http://schemas.openxmlformats.org/presentationml/2006/main">
+  <p:cSld>
+    <p:spTree>
+      <p:nvGrpSpPr>
+        <p:cNvPr id="1" name=""/>
+        <p:cNvGrpSpPr/>
+        <p:nvPr/>
+      </p:nvGrpSpPr>
+      <p:grpSpPr>
+        <a:xfrm>
+          <a:off x="0" y="0"/>
+          <a:ext cx="0" cy="0"/>
+          <a:chOff x="0" y="0"/>
+          <a:chExt cx="0" cy="0"/>
+        </a:xfrm>
+      </p:grpSpPr>
+      <p:sp>
+        <p:nvSpPr>
+          <p:cNvPr id="2" name="Title 1">
+            <a:extLst>
+              <a:ext uri="{FF2B5EF4-FFF2-40B4-BE49-F238E27FC236}">
+                <a16:creationId xmlns:a16="http://schemas.microsoft.com/office/drawing/2014/main" id="{E1546CB3-6653-D78A-AB0E-4BF277AD676B}"/>
+              </a:ext>
+            </a:extLst>
+          </p:cNvPr>
+          <p:cNvSpPr>
+            <a:spLocks noGrp="1"/>
+          </p:cNvSpPr>
+          <p:nvPr>
+            <p:ph type="title"/>
+          </p:nvPr>
+        </p:nvSpPr>
+        <p:spPr/>
+        <p:txBody>
+          <a:bodyPr/>
+          <a:lstStyle/>
+          <a:p>
+            <a:r>
+              <a:rPr lang="en-US" dirty="0"/>
+              <a:t>Reading List</a:t>
+            </a:r>
+          </a:p>
+        </p:txBody>
+      </p:sp>
+      <p:sp>
+        <p:nvSpPr>
+          <p:cNvPr id="4" name="Date Placeholder 3">
+            <a:extLst>
+              <a:ext uri="{FF2B5EF4-FFF2-40B4-BE49-F238E27FC236}">
+                <a16:creationId xmlns:a16="http://schemas.microsoft.com/office/drawing/2014/main" id="{5BCFB0A4-D606-5609-D9B3-21FDADF5112D}"/>
+              </a:ext>
+            </a:extLst>
+          </p:cNvPr>
+          <p:cNvSpPr>
+            <a:spLocks noGrp="1"/>
+          </p:cNvSpPr>
+          <p:nvPr>
+            <p:ph type="dt" sz="half" idx="10"/>
+          </p:nvPr>
+        </p:nvSpPr>
+        <p:spPr/>
+        <p:txBody>
+          <a:bodyPr/>
+          <a:lstStyle/>
+          <a:p>
+            <a:r>
+              <a:rPr lang="en-US" dirty="0"/>
+              <a:t>2024-10-17</a:t>
+            </a:r>
+          </a:p>
+        </p:txBody>
+      </p:sp>
+      <p:sp>
+        <p:nvSpPr>
+          <p:cNvPr id="5" name="Footer Placeholder 4">
+            <a:extLst>
+              <a:ext uri="{FF2B5EF4-FFF2-40B4-BE49-F238E27FC236}">
+                <a16:creationId xmlns:a16="http://schemas.microsoft.com/office/drawing/2014/main" id="{1C9629A7-2DC7-410F-563F-7513EC223179}"/>
+              </a:ext>
+            </a:extLst>
+          </p:cNvPr>
+          <p:cNvSpPr>
+            <a:spLocks noGrp="1"/>
+          </p:cNvSpPr>
+          <p:nvPr>
+            <p:ph type="ftr" sz="quarter" idx="11"/>
+          </p:nvPr>
+        </p:nvSpPr>
+        <p:spPr/>
+        <p:txBody>
+          <a:bodyPr/>
+          <a:lstStyle/>
+          <a:p>
+            <a:r>
+              <a:rPr lang="en-US"/>
+              <a:t>Bayesian Data Analysis for Statistical Causal Inference</a:t>
+            </a:r>
+          </a:p>
+        </p:txBody>
+      </p:sp>
+      <p:sp>
+        <p:nvSpPr>
+          <p:cNvPr id="6" name="Slide Number Placeholder 5">
+            <a:extLst>
+              <a:ext uri="{FF2B5EF4-FFF2-40B4-BE49-F238E27FC236}">
+                <a16:creationId xmlns:a16="http://schemas.microsoft.com/office/drawing/2014/main" id="{7FA0E897-F83A-9E29-5FDC-B9C2173B5366}"/>
+              </a:ext>
+            </a:extLst>
+          </p:cNvPr>
+          <p:cNvSpPr>
+            <a:spLocks noGrp="1"/>
+          </p:cNvSpPr>
+          <p:nvPr>
+            <p:ph type="sldNum" sz="quarter" idx="12"/>
+          </p:nvPr>
+        </p:nvSpPr>
+        <p:spPr/>
+        <p:txBody>
+          <a:bodyPr/>
+          <a:lstStyle/>
+          <a:p>
+            <a:fld id="{C6EBE6D1-86F0-4C3A-8077-EBA4C5B4BE81}" type="slidenum">
+              <a:rPr lang="en-US" smtClean="0"/>
+              <a:t>60</a:t>
+            </a:fld>
+            <a:endParaRPr lang="en-US"/>
+          </a:p>
+        </p:txBody>
+      </p:sp>
+      <p:pic>
+        <p:nvPicPr>
+          <p:cNvPr id="8" name="Graphic 7" descr="Document with solid fill">
+            <a:extLst>
+              <a:ext uri="{FF2B5EF4-FFF2-40B4-BE49-F238E27FC236}">
+                <a16:creationId xmlns:a16="http://schemas.microsoft.com/office/drawing/2014/main" id="{27E301BD-F1B5-995E-1F5B-30360B45EF40}"/>
+              </a:ext>
+            </a:extLst>
+          </p:cNvPr>
+          <p:cNvPicPr>
+            <a:picLocks noChangeAspect="1"/>
+          </p:cNvPicPr>
+          <p:nvPr/>
+        </p:nvPicPr>
+        <p:blipFill>
+          <a:blip r:embed="rId3">
+            <a:extLst>
+              <a:ext uri="{96DAC541-7B7A-43D3-8B79-37D633B846F1}">
+                <asvg:svgBlip xmlns:asvg="http://schemas.microsoft.com/office/drawing/2016/SVG/main" r:embed="rId4"/>
+              </a:ext>
+            </a:extLst>
+          </a:blip>
+          <a:stretch>
+            <a:fillRect/>
+          </a:stretch>
+        </p:blipFill>
+        <p:spPr>
+          <a:xfrm>
+            <a:off x="838200" y="3630956"/>
+            <a:ext cx="720000" cy="720000"/>
+          </a:xfrm>
+          <a:prstGeom prst="rect">
+            <a:avLst/>
+          </a:prstGeom>
+        </p:spPr>
+      </p:pic>
+      <p:pic>
+        <p:nvPicPr>
+          <p:cNvPr id="10" name="Graphic 9" descr="Closed book with solid fill">
+            <a:extLst>
+              <a:ext uri="{FF2B5EF4-FFF2-40B4-BE49-F238E27FC236}">
+                <a16:creationId xmlns:a16="http://schemas.microsoft.com/office/drawing/2014/main" id="{BD5D6DC4-32F3-3574-F605-98EEB9E7570F}"/>
+              </a:ext>
+            </a:extLst>
+          </p:cNvPr>
+          <p:cNvPicPr>
+            <a:picLocks noChangeAspect="1"/>
+          </p:cNvPicPr>
+          <p:nvPr/>
+        </p:nvPicPr>
+        <p:blipFill>
+          <a:blip r:embed="rId5">
+            <a:extLst>
+              <a:ext uri="{96DAC541-7B7A-43D3-8B79-37D633B846F1}">
+                <asvg:svgBlip xmlns:asvg="http://schemas.microsoft.com/office/drawing/2016/SVG/main" r:embed="rId6"/>
+              </a:ext>
+            </a:extLst>
+          </a:blip>
+          <a:stretch>
+            <a:fillRect/>
+          </a:stretch>
+        </p:blipFill>
+        <p:spPr>
+          <a:xfrm>
+            <a:off x="838200" y="1832182"/>
+            <a:ext cx="720000" cy="720000"/>
+          </a:xfrm>
+          <a:prstGeom prst="rect">
+            <a:avLst/>
+          </a:prstGeom>
+        </p:spPr>
+      </p:pic>
+      <p:pic>
+        <p:nvPicPr>
+          <p:cNvPr id="11" name="Graphic 10" descr="Closed book with solid fill">
+            <a:extLst>
+              <a:ext uri="{FF2B5EF4-FFF2-40B4-BE49-F238E27FC236}">
+                <a16:creationId xmlns:a16="http://schemas.microsoft.com/office/drawing/2014/main" id="{E27DA63F-B4F5-6742-426A-3AB40CC6FDC3}"/>
+              </a:ext>
+            </a:extLst>
+          </p:cNvPr>
+          <p:cNvPicPr>
+            <a:picLocks noChangeAspect="1"/>
+          </p:cNvPicPr>
+          <p:nvPr/>
+        </p:nvPicPr>
+        <p:blipFill>
+          <a:blip r:embed="rId5">
+            <a:extLst>
+              <a:ext uri="{96DAC541-7B7A-43D3-8B79-37D633B846F1}">
+                <asvg:svgBlip xmlns:asvg="http://schemas.microsoft.com/office/drawing/2016/SVG/main" r:embed="rId6"/>
+              </a:ext>
+            </a:extLst>
+          </a:blip>
+          <a:stretch>
+            <a:fillRect/>
+          </a:stretch>
+        </p:blipFill>
+        <p:spPr>
+          <a:xfrm>
+            <a:off x="838200" y="2731569"/>
+            <a:ext cx="720000" cy="720000"/>
+          </a:xfrm>
+          <a:prstGeom prst="rect">
+            <a:avLst/>
+          </a:prstGeom>
+        </p:spPr>
+      </p:pic>
+      <p:pic>
+        <p:nvPicPr>
+          <p:cNvPr id="12" name="Graphic 11" descr="Document with solid fill">
+            <a:extLst>
+              <a:ext uri="{FF2B5EF4-FFF2-40B4-BE49-F238E27FC236}">
+                <a16:creationId xmlns:a16="http://schemas.microsoft.com/office/drawing/2014/main" id="{EF5256A9-07DB-C4E0-08E4-1099363E90E9}"/>
+              </a:ext>
+            </a:extLst>
+          </p:cNvPr>
+          <p:cNvPicPr>
+            <a:picLocks noChangeAspect="1"/>
+          </p:cNvPicPr>
+          <p:nvPr/>
+        </p:nvPicPr>
+        <p:blipFill>
+          <a:blip r:embed="rId3">
+            <a:extLst>
+              <a:ext uri="{96DAC541-7B7A-43D3-8B79-37D633B846F1}">
+                <asvg:svgBlip xmlns:asvg="http://schemas.microsoft.com/office/drawing/2016/SVG/main" r:embed="rId4"/>
+              </a:ext>
+            </a:extLst>
+          </a:blip>
+          <a:stretch>
+            <a:fillRect/>
+          </a:stretch>
+        </p:blipFill>
+        <p:spPr>
+          <a:xfrm>
+            <a:off x="838200" y="4455486"/>
+            <a:ext cx="720000" cy="720000"/>
+          </a:xfrm>
+          <a:prstGeom prst="rect">
+            <a:avLst/>
+          </a:prstGeom>
+        </p:spPr>
+      </p:pic>
+      <p:sp>
+        <p:nvSpPr>
+          <p:cNvPr id="13" name="TextBox 12">
+            <a:extLst>
+              <a:ext uri="{FF2B5EF4-FFF2-40B4-BE49-F238E27FC236}">
+                <a16:creationId xmlns:a16="http://schemas.microsoft.com/office/drawing/2014/main" id="{86F63D0F-CB9C-D7D8-73FB-A78FB49495A2}"/>
+              </a:ext>
+            </a:extLst>
+          </p:cNvPr>
+          <p:cNvSpPr txBox="1"/>
+          <p:nvPr/>
+        </p:nvSpPr>
+        <p:spPr>
+          <a:xfrm>
+            <a:off x="1558200" y="2007516"/>
+            <a:ext cx="5526578" cy="369332"/>
+          </a:xfrm>
+          <a:prstGeom prst="rect">
+            <a:avLst/>
+          </a:prstGeom>
+          <a:noFill/>
+        </p:spPr>
+        <p:txBody>
+          <a:bodyPr wrap="none" rtlCol="0">
+            <a:spAutoFit/>
+          </a:bodyPr>
+          <a:lstStyle/>
+          <a:p>
+            <a:r>
+              <a:rPr lang="en-US" dirty="0"/>
+              <a:t>Pearl, J. (2009). Causality. Cambridge university press.</a:t>
+            </a:r>
+          </a:p>
+        </p:txBody>
+      </p:sp>
+      <p:sp>
+        <p:nvSpPr>
+          <p:cNvPr id="14" name="TextBox 13">
+            <a:extLst>
+              <a:ext uri="{FF2B5EF4-FFF2-40B4-BE49-F238E27FC236}">
+                <a16:creationId xmlns:a16="http://schemas.microsoft.com/office/drawing/2014/main" id="{DA863A65-8B85-1020-E1B6-9C91741BBAC2}"/>
+              </a:ext>
+            </a:extLst>
+          </p:cNvPr>
+          <p:cNvSpPr txBox="1"/>
+          <p:nvPr/>
+        </p:nvSpPr>
+        <p:spPr>
+          <a:xfrm>
+            <a:off x="1558201" y="2805238"/>
+            <a:ext cx="9795599" cy="646331"/>
+          </a:xfrm>
+          <a:prstGeom prst="rect">
+            <a:avLst/>
+          </a:prstGeom>
+          <a:noFill/>
+        </p:spPr>
+        <p:txBody>
+          <a:bodyPr wrap="square" rtlCol="0">
+            <a:spAutoFit/>
+          </a:bodyPr>
+          <a:lstStyle/>
+          <a:p>
+            <a:r>
+              <a:rPr lang="en-US" dirty="0" err="1"/>
+              <a:t>McElreath</a:t>
+            </a:r>
+            <a:r>
+              <a:rPr lang="en-US" dirty="0"/>
+              <a:t>, R. (2018). </a:t>
+            </a:r>
+            <a:r>
+              <a:rPr lang="en-US" i="1" dirty="0"/>
+              <a:t>Statistical rethinking: A Bayesian course with examples in R and Stan</a:t>
+            </a:r>
+            <a:r>
+              <a:rPr lang="en-US" dirty="0"/>
+              <a:t>. Chapman and Hall/CRC.</a:t>
+            </a:r>
+          </a:p>
+        </p:txBody>
+      </p:sp>
+      <p:sp>
+        <p:nvSpPr>
+          <p:cNvPr id="15" name="TextBox 14">
+            <a:extLst>
+              <a:ext uri="{FF2B5EF4-FFF2-40B4-BE49-F238E27FC236}">
+                <a16:creationId xmlns:a16="http://schemas.microsoft.com/office/drawing/2014/main" id="{6F33BD0C-D628-B652-90FE-F902E5C5FE85}"/>
+              </a:ext>
+            </a:extLst>
+          </p:cNvPr>
+          <p:cNvSpPr txBox="1"/>
+          <p:nvPr/>
+        </p:nvSpPr>
+        <p:spPr>
+          <a:xfrm>
+            <a:off x="1558200" y="3667790"/>
+            <a:ext cx="9795599" cy="646331"/>
+          </a:xfrm>
+          <a:prstGeom prst="rect">
+            <a:avLst/>
+          </a:prstGeom>
+          <a:noFill/>
+        </p:spPr>
+        <p:txBody>
+          <a:bodyPr wrap="square" rtlCol="0">
+            <a:spAutoFit/>
+          </a:bodyPr>
+          <a:lstStyle/>
+          <a:p>
+            <a:r>
+              <a:rPr lang="en-US" dirty="0"/>
+              <a:t>Siebert, J. (2023). Applications of statistical causal inference in software engineering. </a:t>
+            </a:r>
+            <a:r>
+              <a:rPr lang="en-US" i="1" dirty="0"/>
+              <a:t>Information and Software Technology</a:t>
+            </a:r>
+            <a:r>
+              <a:rPr lang="en-US" dirty="0"/>
+              <a:t>, </a:t>
+            </a:r>
+            <a:r>
+              <a:rPr lang="en-US" i="1" dirty="0"/>
+              <a:t>159</a:t>
+            </a:r>
+            <a:r>
+              <a:rPr lang="en-US" dirty="0"/>
+              <a:t>, 107198.</a:t>
+            </a:r>
+          </a:p>
+        </p:txBody>
+      </p:sp>
+      <p:sp>
+        <p:nvSpPr>
+          <p:cNvPr id="16" name="TextBox 15">
+            <a:extLst>
+              <a:ext uri="{FF2B5EF4-FFF2-40B4-BE49-F238E27FC236}">
+                <a16:creationId xmlns:a16="http://schemas.microsoft.com/office/drawing/2014/main" id="{018BF996-AAB6-541F-C843-FA86DAD60E28}"/>
+              </a:ext>
+            </a:extLst>
+          </p:cNvPr>
+          <p:cNvSpPr txBox="1"/>
+          <p:nvPr/>
+        </p:nvSpPr>
+        <p:spPr>
+          <a:xfrm>
+            <a:off x="1558199" y="4492320"/>
+            <a:ext cx="9795599" cy="646331"/>
+          </a:xfrm>
+          <a:prstGeom prst="rect">
+            <a:avLst/>
+          </a:prstGeom>
+          <a:noFill/>
+        </p:spPr>
+        <p:txBody>
+          <a:bodyPr wrap="square" rtlCol="0">
+            <a:spAutoFit/>
+          </a:bodyPr>
+          <a:lstStyle/>
+          <a:p>
+            <a:r>
+              <a:rPr lang="en-US" dirty="0" err="1"/>
+              <a:t>Furia</a:t>
+            </a:r>
+            <a:r>
+              <a:rPr lang="en-US" dirty="0"/>
+              <a:t>, C. A., Feldt, R., &amp; </a:t>
+            </a:r>
+            <a:r>
+              <a:rPr lang="en-US" dirty="0" err="1"/>
+              <a:t>Torkar</a:t>
+            </a:r>
+            <a:r>
+              <a:rPr lang="en-US" dirty="0"/>
+              <a:t>, R. (2019). Bayesian data analysis in empirical software engineering research. </a:t>
+            </a:r>
+            <a:r>
+              <a:rPr lang="en-US" i="1" dirty="0"/>
+              <a:t>IEEE Transactions on Software Engineering</a:t>
+            </a:r>
+            <a:r>
+              <a:rPr lang="en-US" dirty="0"/>
+              <a:t>, </a:t>
+            </a:r>
+            <a:r>
+              <a:rPr lang="en-US" i="1" dirty="0"/>
+              <a:t>47</a:t>
+            </a:r>
+            <a:r>
+              <a:rPr lang="en-US" dirty="0"/>
+              <a:t>(9), 1786-1810.</a:t>
+            </a:r>
+          </a:p>
+        </p:txBody>
+      </p:sp>
+      <p:pic>
+        <p:nvPicPr>
+          <p:cNvPr id="17" name="Graphic 16" descr="Document with solid fill">
+            <a:extLst>
+              <a:ext uri="{FF2B5EF4-FFF2-40B4-BE49-F238E27FC236}">
+                <a16:creationId xmlns:a16="http://schemas.microsoft.com/office/drawing/2014/main" id="{DE1EB700-A44D-8C95-7BDF-376FF73CB1F2}"/>
+              </a:ext>
+            </a:extLst>
+          </p:cNvPr>
+          <p:cNvPicPr>
+            <a:picLocks noChangeAspect="1"/>
+          </p:cNvPicPr>
+          <p:nvPr/>
+        </p:nvPicPr>
+        <p:blipFill>
+          <a:blip r:embed="rId3">
+            <a:extLst>
+              <a:ext uri="{96DAC541-7B7A-43D3-8B79-37D633B846F1}">
+                <asvg:svgBlip xmlns:asvg="http://schemas.microsoft.com/office/drawing/2016/SVG/main" r:embed="rId4"/>
+              </a:ext>
+            </a:extLst>
+          </a:blip>
+          <a:stretch>
+            <a:fillRect/>
+          </a:stretch>
+        </p:blipFill>
+        <p:spPr>
+          <a:xfrm>
+            <a:off x="838200" y="5316849"/>
+            <a:ext cx="720000" cy="720000"/>
+          </a:xfrm>
+          <a:prstGeom prst="rect">
+            <a:avLst/>
+          </a:prstGeom>
+        </p:spPr>
+      </p:pic>
+      <p:sp>
+        <p:nvSpPr>
+          <p:cNvPr id="18" name="TextBox 17">
+            <a:extLst>
+              <a:ext uri="{FF2B5EF4-FFF2-40B4-BE49-F238E27FC236}">
+                <a16:creationId xmlns:a16="http://schemas.microsoft.com/office/drawing/2014/main" id="{729D7C39-DC77-7312-770F-EC461C843456}"/>
+              </a:ext>
+            </a:extLst>
+          </p:cNvPr>
+          <p:cNvSpPr txBox="1"/>
+          <p:nvPr/>
+        </p:nvSpPr>
+        <p:spPr>
+          <a:xfrm>
+            <a:off x="1558199" y="5215184"/>
+            <a:ext cx="9795599" cy="923330"/>
+          </a:xfrm>
+          <a:prstGeom prst="rect">
+            <a:avLst/>
+          </a:prstGeom>
+          <a:noFill/>
+        </p:spPr>
+        <p:txBody>
+          <a:bodyPr wrap="square" rtlCol="0">
+            <a:spAutoFit/>
+          </a:bodyPr>
+          <a:lstStyle/>
+          <a:p>
+            <a:r>
+              <a:rPr lang="en-US" dirty="0" err="1"/>
+              <a:t>Furia</a:t>
+            </a:r>
+            <a:r>
+              <a:rPr lang="en-US" dirty="0"/>
+              <a:t>, C. A., </a:t>
+            </a:r>
+            <a:r>
+              <a:rPr lang="en-US" dirty="0" err="1"/>
+              <a:t>Torkar</a:t>
+            </a:r>
+            <a:r>
+              <a:rPr lang="en-US" dirty="0"/>
+              <a:t>, R., &amp; Feldt, R. (2022). Applying Bayesian analysis guidelines to empirical software engineering data: The case of programming languages and code quality. </a:t>
+            </a:r>
+            <a:r>
+              <a:rPr lang="en-US" i="1" dirty="0"/>
+              <a:t>ACM Transactions on Software Engineering and Methodology (TOSEM)</a:t>
+            </a:r>
+            <a:r>
+              <a:rPr lang="en-US" dirty="0"/>
+              <a:t>, </a:t>
+            </a:r>
+            <a:r>
+              <a:rPr lang="en-US" i="1" dirty="0"/>
+              <a:t>31</a:t>
+            </a:r>
+            <a:r>
+              <a:rPr lang="en-US" dirty="0"/>
+              <a:t>(3), 1-38.</a:t>
+            </a:r>
+          </a:p>
+        </p:txBody>
+      </p:sp>
+    </p:spTree>
+    <p:extLst>
+      <p:ext uri="{BB962C8B-B14F-4D97-AF65-F5344CB8AC3E}">
+        <p14:creationId xmlns:p14="http://schemas.microsoft.com/office/powerpoint/2010/main" val="3072289439"/>
+      </p:ext>
+    </p:extLst>
+  </p:cSld>
+  <p:clrMapOvr>
+    <a:masterClrMapping/>
+  </p:clrMapOvr>
+</p:sld>
+</file>
+
+<file path=ppt/slides/slide61.xml><?xml version="1.0" encoding="utf-8"?>
+<p:sld xmlns:a="http://schemas.openxmlformats.org/drawingml/2006/main" xmlns:r="http://schemas.openxmlformats.org/officeDocument/2006/relationships" xmlns:p="http://schemas.openxmlformats.org/presentationml/2006/main" show="0">
+  <p:cSld>
+    <p:spTree>
+      <p:nvGrpSpPr>
+        <p:cNvPr id="1" name=""/>
+        <p:cNvGrpSpPr/>
+        <p:nvPr/>
+      </p:nvGrpSpPr>
+      <p:grpSpPr>
+        <a:xfrm>
+          <a:off x="0" y="0"/>
+          <a:ext cx="0" cy="0"/>
+          <a:chOff x="0" y="0"/>
+          <a:chExt cx="0" cy="0"/>
+        </a:xfrm>
+      </p:grpSpPr>
+      <p:sp>
+        <p:nvSpPr>
+          <p:cNvPr id="2" name="Title 1">
+            <a:extLst>
+              <a:ext uri="{FF2B5EF4-FFF2-40B4-BE49-F238E27FC236}">
+                <a16:creationId xmlns:a16="http://schemas.microsoft.com/office/drawing/2014/main" id="{4A462AEE-5D5A-757D-7EC3-E0CB48FFFAE6}"/>
+              </a:ext>
+            </a:extLst>
+          </p:cNvPr>
+          <p:cNvSpPr>
+            <a:spLocks noGrp="1"/>
+          </p:cNvSpPr>
+          <p:nvPr>
+            <p:ph type="title"/>
+          </p:nvPr>
+        </p:nvSpPr>
+        <p:spPr/>
+        <p:txBody>
+          <a:bodyPr/>
+          <a:lstStyle/>
+          <a:p>
+            <a:r>
+              <a:rPr lang="en-US" dirty="0"/>
+              <a:t>References</a:t>
+            </a:r>
+          </a:p>
+        </p:txBody>
+      </p:sp>
+      <p:sp>
+        <p:nvSpPr>
+          <p:cNvPr id="3" name="Content Placeholder 2">
+            <a:extLst>
+              <a:ext uri="{FF2B5EF4-FFF2-40B4-BE49-F238E27FC236}">
+                <a16:creationId xmlns:a16="http://schemas.microsoft.com/office/drawing/2014/main" id="{D5BFD5DB-15F8-BF66-7412-6F861BAB82B4}"/>
+              </a:ext>
+            </a:extLst>
+          </p:cNvPr>
+          <p:cNvSpPr>
+            <a:spLocks noGrp="1"/>
+          </p:cNvSpPr>
+          <p:nvPr>
+            <p:ph idx="1"/>
+          </p:nvPr>
+        </p:nvSpPr>
+        <p:spPr/>
+        <p:txBody>
+          <a:bodyPr/>
+          <a:lstStyle/>
+          <a:p>
+            <a:endParaRPr lang="en-US"/>
+          </a:p>
+        </p:txBody>
+      </p:sp>
+      <p:sp>
+        <p:nvSpPr>
+          <p:cNvPr id="4" name="Date Placeholder 3">
+            <a:extLst>
+              <a:ext uri="{FF2B5EF4-FFF2-40B4-BE49-F238E27FC236}">
+                <a16:creationId xmlns:a16="http://schemas.microsoft.com/office/drawing/2014/main" id="{F1571331-D02D-C1C9-BB37-59D89AC3A729}"/>
+              </a:ext>
+            </a:extLst>
+          </p:cNvPr>
+          <p:cNvSpPr>
+            <a:spLocks noGrp="1"/>
+          </p:cNvSpPr>
+          <p:nvPr>
+            <p:ph type="dt" sz="half" idx="10"/>
+          </p:nvPr>
+        </p:nvSpPr>
+        <p:spPr/>
+        <p:txBody>
+          <a:bodyPr/>
+          <a:lstStyle/>
+          <a:p>
+            <a:r>
+              <a:rPr lang="en-US"/>
+              <a:t>2024-10-17</a:t>
+            </a:r>
+          </a:p>
+        </p:txBody>
+      </p:sp>
+      <p:sp>
+        <p:nvSpPr>
+          <p:cNvPr id="5" name="Footer Placeholder 4">
+            <a:extLst>
+              <a:ext uri="{FF2B5EF4-FFF2-40B4-BE49-F238E27FC236}">
+                <a16:creationId xmlns:a16="http://schemas.microsoft.com/office/drawing/2014/main" id="{06D3E06A-52A7-D11E-B13C-C8166085C602}"/>
+              </a:ext>
+            </a:extLst>
+          </p:cNvPr>
+          <p:cNvSpPr>
+            <a:spLocks noGrp="1"/>
+          </p:cNvSpPr>
+          <p:nvPr>
+            <p:ph type="ftr" sz="quarter" idx="11"/>
+          </p:nvPr>
+        </p:nvSpPr>
+        <p:spPr/>
+        <p:txBody>
+          <a:bodyPr/>
+          <a:lstStyle/>
+          <a:p>
+            <a:r>
+              <a:rPr lang="en-US"/>
+              <a:t>Bayesian Data Analysis for Statistical Causal Inference</a:t>
+            </a:r>
+          </a:p>
+        </p:txBody>
+      </p:sp>
+      <p:sp>
+        <p:nvSpPr>
+          <p:cNvPr id="6" name="Slide Number Placeholder 5">
+            <a:extLst>
+              <a:ext uri="{FF2B5EF4-FFF2-40B4-BE49-F238E27FC236}">
+                <a16:creationId xmlns:a16="http://schemas.microsoft.com/office/drawing/2014/main" id="{F00600FD-D21C-09EB-1145-B763131A7476}"/>
+              </a:ext>
+            </a:extLst>
+          </p:cNvPr>
+          <p:cNvSpPr>
+            <a:spLocks noGrp="1"/>
+          </p:cNvSpPr>
+          <p:nvPr>
+            <p:ph type="sldNum" sz="quarter" idx="12"/>
+          </p:nvPr>
+        </p:nvSpPr>
+        <p:spPr/>
+        <p:txBody>
+          <a:bodyPr/>
+          <a:lstStyle/>
+          <a:p>
+            <a:fld id="{C6EBE6D1-86F0-4C3A-8077-EBA4C5B4BE81}" type="slidenum">
+              <a:rPr lang="en-US" smtClean="0"/>
+              <a:t>61</a:t>
+            </a:fld>
+            <a:endParaRPr lang="en-US"/>
+          </a:p>
+        </p:txBody>
+      </p:sp>
+    </p:spTree>
+    <p:extLst>
+      <p:ext uri="{BB962C8B-B14F-4D97-AF65-F5344CB8AC3E}">
+        <p14:creationId xmlns:p14="http://schemas.microsoft.com/office/powerpoint/2010/main" val="2619974575"/>
       </p:ext>
     </p:extLst>
   </p:cSld>
